--- a/documentation/présentation.pptx
+++ b/documentation/présentation.pptx
@@ -4010,8 +4010,8 @@
     <dgm:cxn modelId="{FF87B51C-36E8-48F0-A7E6-059F27C81ABE}" type="presOf" srcId="{846A27A0-4872-4AE0-96A3-17AC8C92513A}" destId="{514E9CCD-C288-437D-9FD9-2588A7E2DEFD}" srcOrd="0" destOrd="0" presId="urn:microsoft.com/office/officeart/2005/8/layout/vList2"/>
     <dgm:cxn modelId="{15AEDB2F-1018-4846-956D-1BD24431A1F3}" srcId="{7F672234-2035-4029-9680-33EBF42FC025}" destId="{C6338679-8D54-4FCE-AA7D-67D7310C39C1}" srcOrd="0" destOrd="0" parTransId="{52435F38-0FE0-4DB4-A399-1DB678AA18A8}" sibTransId="{979A6E7A-6778-4102-9554-E7750B0F8E7B}"/>
     <dgm:cxn modelId="{E9AEF5EC-375E-4695-8B6E-3F8A565EF872}" srcId="{7F672234-2035-4029-9680-33EBF42FC025}" destId="{846A27A0-4872-4AE0-96A3-17AC8C92513A}" srcOrd="1" destOrd="0" parTransId="{BF7FF322-380C-41DC-98A0-938046941D50}" sibTransId="{D21487F6-B7DA-4BA7-BDD7-D208D8B7CAA3}"/>
+    <dgm:cxn modelId="{93341FB0-25A9-4D08-A48D-01A79EA38762}" type="presOf" srcId="{C6338679-8D54-4FCE-AA7D-67D7310C39C1}" destId="{129E72CC-3FE6-425B-B060-E108414AEF92}" srcOrd="0" destOrd="0" presId="urn:microsoft.com/office/officeart/2005/8/layout/vList2"/>
     <dgm:cxn modelId="{8274723E-FF70-45D6-9F88-E9D6E8862B79}" type="presOf" srcId="{7F672234-2035-4029-9680-33EBF42FC025}" destId="{99CE30CC-E9C8-49C1-AE60-957B3871D152}" srcOrd="0" destOrd="0" presId="urn:microsoft.com/office/officeart/2005/8/layout/vList2"/>
-    <dgm:cxn modelId="{93341FB0-25A9-4D08-A48D-01A79EA38762}" type="presOf" srcId="{C6338679-8D54-4FCE-AA7D-67D7310C39C1}" destId="{129E72CC-3FE6-425B-B060-E108414AEF92}" srcOrd="0" destOrd="0" presId="urn:microsoft.com/office/officeart/2005/8/layout/vList2"/>
     <dgm:cxn modelId="{E205BF2B-5CE3-435C-88CE-92A644936BCC}" type="presParOf" srcId="{99CE30CC-E9C8-49C1-AE60-957B3871D152}" destId="{129E72CC-3FE6-425B-B060-E108414AEF92}" srcOrd="0" destOrd="0" presId="urn:microsoft.com/office/officeart/2005/8/layout/vList2"/>
     <dgm:cxn modelId="{C44A1DC7-3DDB-4EDF-9A07-CB66AC4B3EDC}" type="presParOf" srcId="{99CE30CC-E9C8-49C1-AE60-957B3871D152}" destId="{B809310B-C095-4490-B385-598E27C0421A}" srcOrd="1" destOrd="0" presId="urn:microsoft.com/office/officeart/2005/8/layout/vList2"/>
     <dgm:cxn modelId="{1B6AA39F-924F-45B9-9020-584264CEC622}" type="presParOf" srcId="{99CE30CC-E9C8-49C1-AE60-957B3871D152}" destId="{514E9CCD-C288-437D-9FD9-2588A7E2DEFD}" srcOrd="2" destOrd="0" presId="urn:microsoft.com/office/officeart/2005/8/layout/vList2"/>
@@ -4640,6 +4640,13 @@
           </a:stretch>
         </a:blipFill>
       </dgm:spPr>
+      <dgm:t>
+        <a:bodyPr/>
+        <a:lstStyle/>
+        <a:p>
+          <a:endParaRPr lang="fr-CH"/>
+        </a:p>
+      </dgm:t>
     </dgm:pt>
     <dgm:pt modelId="{2136E7D0-CA85-4D61-8897-FBEEB0381C27}" type="pres">
       <dgm:prSet presAssocID="{F0FD6887-4C3D-48BA-95F9-04D9CDF7EDB8}" presName="sibTrans" presStyleLbl="sibTrans2D1" presStyleIdx="0" presStyleCnt="0"/>
@@ -4744,6 +4751,13 @@
           </a:stretch>
         </a:blipFill>
       </dgm:spPr>
+      <dgm:t>
+        <a:bodyPr/>
+        <a:lstStyle/>
+        <a:p>
+          <a:endParaRPr lang="fr-CH"/>
+        </a:p>
+      </dgm:t>
     </dgm:pt>
     <dgm:pt modelId="{E7AE989A-912E-4DCF-9E35-F9D851F833A9}" type="pres">
       <dgm:prSet presAssocID="{19D3BD98-0A61-4B3A-BF76-518AF7408A68}" presName="sibTrans" presStyleLbl="sibTrans2D1" presStyleIdx="0" presStyleCnt="0"/>
@@ -4796,6 +4810,13 @@
           </a:stretch>
         </a:blipFill>
       </dgm:spPr>
+      <dgm:t>
+        <a:bodyPr/>
+        <a:lstStyle/>
+        <a:p>
+          <a:endParaRPr lang="fr-CH"/>
+        </a:p>
+      </dgm:t>
     </dgm:pt>
     <dgm:pt modelId="{E065AC47-BC78-4D58-B2AD-CC50A92048AD}" type="pres">
       <dgm:prSet presAssocID="{E3CEE2A7-F034-4177-B17B-CEF8D596C696}" presName="sibTrans" presStyleLbl="sibTrans2D1" presStyleIdx="0" presStyleCnt="0"/>
@@ -6131,6 +6152,160 @@
       <dsp:cNvGrpSpPr/>
     </dsp:nvGrpSpPr>
     <dsp:grpSpPr/>
+    <dsp:sp modelId="{129E72CC-3FE6-425B-B060-E108414AEF92}">
+      <dsp:nvSpPr>
+        <dsp:cNvPr id="0" name=""/>
+        <dsp:cNvSpPr/>
+      </dsp:nvSpPr>
+      <dsp:spPr>
+        <a:xfrm>
+          <a:off x="0" y="31992"/>
+          <a:ext cx="9905999" cy="1672624"/>
+        </a:xfrm>
+        <a:prstGeom prst="roundRect">
+          <a:avLst/>
+        </a:prstGeom>
+        <a:solidFill>
+          <a:schemeClr val="accent1">
+            <a:hueOff val="0"/>
+            <a:satOff val="0"/>
+            <a:lumOff val="0"/>
+            <a:alphaOff val="0"/>
+          </a:schemeClr>
+        </a:solidFill>
+        <a:ln w="15875" cap="flat" cmpd="sng" algn="ctr">
+          <a:solidFill>
+            <a:schemeClr val="lt1">
+              <a:hueOff val="0"/>
+              <a:satOff val="0"/>
+              <a:lumOff val="0"/>
+              <a:alphaOff val="0"/>
+            </a:schemeClr>
+          </a:solidFill>
+          <a:prstDash val="solid"/>
+        </a:ln>
+        <a:effectLst/>
+      </dsp:spPr>
+      <dsp:style>
+        <a:lnRef idx="2">
+          <a:scrgbClr r="0" g="0" b="0"/>
+        </a:lnRef>
+        <a:fillRef idx="1">
+          <a:scrgbClr r="0" g="0" b="0"/>
+        </a:fillRef>
+        <a:effectRef idx="0">
+          <a:scrgbClr r="0" g="0" b="0"/>
+        </a:effectRef>
+        <a:fontRef idx="minor">
+          <a:schemeClr val="lt1"/>
+        </a:fontRef>
+      </dsp:style>
+      <dsp:txBody>
+        <a:bodyPr spcFirstLastPara="0" vert="horz" wrap="square" lIns="175260" tIns="175260" rIns="175260" bIns="175260" numCol="1" spcCol="1270" anchor="ctr" anchorCtr="0">
+          <a:noAutofit/>
+        </a:bodyPr>
+        <a:lstStyle/>
+        <a:p>
+          <a:pPr lvl="0" algn="l" defTabSz="2044700" rtl="0">
+            <a:lnSpc>
+              <a:spcPct val="90000"/>
+            </a:lnSpc>
+            <a:spcBef>
+              <a:spcPct val="0"/>
+            </a:spcBef>
+            <a:spcAft>
+              <a:spcPct val="35000"/>
+            </a:spcAft>
+          </a:pPr>
+          <a:r>
+            <a:rPr lang="fr-CH" sz="4600" kern="1200" smtClean="0"/>
+            <a:t>Informer sur l’oculométrie</a:t>
+          </a:r>
+          <a:endParaRPr lang="fr-CH" sz="4600" kern="1200"/>
+        </a:p>
+      </dsp:txBody>
+      <dsp:txXfrm>
+        <a:off x="81651" y="113643"/>
+        <a:ext cx="9742697" cy="1509322"/>
+      </dsp:txXfrm>
+    </dsp:sp>
+    <dsp:sp modelId="{514E9CCD-C288-437D-9FD9-2588A7E2DEFD}">
+      <dsp:nvSpPr>
+        <dsp:cNvPr id="0" name=""/>
+        <dsp:cNvSpPr/>
+      </dsp:nvSpPr>
+      <dsp:spPr>
+        <a:xfrm>
+          <a:off x="0" y="1837096"/>
+          <a:ext cx="9905999" cy="1672624"/>
+        </a:xfrm>
+        <a:prstGeom prst="roundRect">
+          <a:avLst/>
+        </a:prstGeom>
+        <a:solidFill>
+          <a:schemeClr val="accent1">
+            <a:hueOff val="0"/>
+            <a:satOff val="0"/>
+            <a:lumOff val="0"/>
+            <a:alphaOff val="0"/>
+          </a:schemeClr>
+        </a:solidFill>
+        <a:ln w="15875" cap="flat" cmpd="sng" algn="ctr">
+          <a:solidFill>
+            <a:schemeClr val="lt1">
+              <a:hueOff val="0"/>
+              <a:satOff val="0"/>
+              <a:lumOff val="0"/>
+              <a:alphaOff val="0"/>
+            </a:schemeClr>
+          </a:solidFill>
+          <a:prstDash val="solid"/>
+        </a:ln>
+        <a:effectLst/>
+      </dsp:spPr>
+      <dsp:style>
+        <a:lnRef idx="2">
+          <a:scrgbClr r="0" g="0" b="0"/>
+        </a:lnRef>
+        <a:fillRef idx="1">
+          <a:scrgbClr r="0" g="0" b="0"/>
+        </a:fillRef>
+        <a:effectRef idx="0">
+          <a:scrgbClr r="0" g="0" b="0"/>
+        </a:effectRef>
+        <a:fontRef idx="minor">
+          <a:schemeClr val="lt1"/>
+        </a:fontRef>
+      </dsp:style>
+      <dsp:txBody>
+        <a:bodyPr spcFirstLastPara="0" vert="horz" wrap="square" lIns="175260" tIns="175260" rIns="175260" bIns="175260" numCol="1" spcCol="1270" anchor="ctr" anchorCtr="0">
+          <a:noAutofit/>
+        </a:bodyPr>
+        <a:lstStyle/>
+        <a:p>
+          <a:pPr lvl="0" algn="l" defTabSz="2044700" rtl="0">
+            <a:lnSpc>
+              <a:spcPct val="90000"/>
+            </a:lnSpc>
+            <a:spcBef>
+              <a:spcPct val="0"/>
+            </a:spcBef>
+            <a:spcAft>
+              <a:spcPct val="35000"/>
+            </a:spcAft>
+          </a:pPr>
+          <a:r>
+            <a:rPr lang="fr-CH" sz="4600" kern="1200" smtClean="0"/>
+            <a:t>Donner une idée des possibilités avec le démonstrateur</a:t>
+          </a:r>
+          <a:endParaRPr lang="fr-CH" sz="4600" kern="1200"/>
+        </a:p>
+      </dsp:txBody>
+      <dsp:txXfrm>
+        <a:off x="81651" y="1918747"/>
+        <a:ext cx="9742697" cy="1509322"/>
+      </dsp:txXfrm>
+    </dsp:sp>
   </dsp:spTree>
 </dsp:drawing>
 </file>
@@ -6143,6 +6318,1169 @@
       <dsp:cNvGrpSpPr/>
     </dsp:nvGrpSpPr>
     <dsp:grpSpPr/>
+    <dsp:sp modelId="{8A89F3A9-40B2-4378-9568-3FA328598691}">
+      <dsp:nvSpPr>
+        <dsp:cNvPr id="0" name=""/>
+        <dsp:cNvSpPr/>
+      </dsp:nvSpPr>
+      <dsp:spPr>
+        <a:xfrm>
+          <a:off x="0" y="0"/>
+          <a:ext cx="9905999" cy="1593771"/>
+        </a:xfrm>
+        <a:prstGeom prst="roundRect">
+          <a:avLst>
+            <a:gd name="adj" fmla="val 10000"/>
+          </a:avLst>
+        </a:prstGeom>
+        <a:solidFill>
+          <a:schemeClr val="accent1">
+            <a:alpha val="90000"/>
+            <a:tint val="40000"/>
+            <a:hueOff val="0"/>
+            <a:satOff val="0"/>
+            <a:lumOff val="0"/>
+            <a:alphaOff val="0"/>
+          </a:schemeClr>
+        </a:solidFill>
+        <a:ln w="15875" cap="flat" cmpd="sng" algn="ctr">
+          <a:solidFill>
+            <a:schemeClr val="accent1">
+              <a:alpha val="90000"/>
+              <a:tint val="40000"/>
+              <a:hueOff val="0"/>
+              <a:satOff val="0"/>
+              <a:lumOff val="0"/>
+              <a:alphaOff val="0"/>
+            </a:schemeClr>
+          </a:solidFill>
+          <a:prstDash val="solid"/>
+        </a:ln>
+        <a:effectLst/>
+      </dsp:spPr>
+      <dsp:style>
+        <a:lnRef idx="2">
+          <a:scrgbClr r="0" g="0" b="0"/>
+        </a:lnRef>
+        <a:fillRef idx="1">
+          <a:scrgbClr r="0" g="0" b="0"/>
+        </a:fillRef>
+        <a:effectRef idx="0">
+          <a:scrgbClr r="0" g="0" b="0"/>
+        </a:effectRef>
+        <a:fontRef idx="minor"/>
+      </dsp:style>
+    </dsp:sp>
+    <dsp:sp modelId="{84C63E5B-FDBE-4830-85B7-D8593A7C8D76}">
+      <dsp:nvSpPr>
+        <dsp:cNvPr id="0" name=""/>
+        <dsp:cNvSpPr/>
+      </dsp:nvSpPr>
+      <dsp:spPr>
+        <a:xfrm>
+          <a:off x="300192" y="212502"/>
+          <a:ext cx="1069610" cy="1168765"/>
+        </a:xfrm>
+        <a:prstGeom prst="roundRect">
+          <a:avLst>
+            <a:gd name="adj" fmla="val 10000"/>
+          </a:avLst>
+        </a:prstGeom>
+        <a:blipFill>
+          <a:blip xmlns:r="http://schemas.openxmlformats.org/officeDocument/2006/relationships" r:embed="rId1">
+            <a:extLst>
+              <a:ext uri="{28A0092B-C50C-407E-A947-70E740481C1C}">
+                <a14:useLocalDpi xmlns:a14="http://schemas.microsoft.com/office/drawing/2010/main" val="0"/>
+              </a:ext>
+            </a:extLst>
+          </a:blip>
+          <a:srcRect/>
+          <a:stretch>
+            <a:fillRect/>
+          </a:stretch>
+        </a:blipFill>
+        <a:ln w="15875" cap="flat" cmpd="sng" algn="ctr">
+          <a:solidFill>
+            <a:schemeClr val="lt1">
+              <a:hueOff val="0"/>
+              <a:satOff val="0"/>
+              <a:lumOff val="0"/>
+              <a:alphaOff val="0"/>
+            </a:schemeClr>
+          </a:solidFill>
+          <a:prstDash val="solid"/>
+        </a:ln>
+        <a:effectLst/>
+      </dsp:spPr>
+      <dsp:style>
+        <a:lnRef idx="2">
+          <a:scrgbClr r="0" g="0" b="0"/>
+        </a:lnRef>
+        <a:fillRef idx="1">
+          <a:scrgbClr r="0" g="0" b="0"/>
+        </a:fillRef>
+        <a:effectRef idx="0">
+          <a:scrgbClr r="0" g="0" b="0"/>
+        </a:effectRef>
+        <a:fontRef idx="minor"/>
+      </dsp:style>
+    </dsp:sp>
+    <dsp:sp modelId="{990939C6-ECCC-481D-89C7-5CE8C59617A0}">
+      <dsp:nvSpPr>
+        <dsp:cNvPr id="0" name=""/>
+        <dsp:cNvSpPr/>
+      </dsp:nvSpPr>
+      <dsp:spPr>
+        <a:xfrm rot="10800000">
+          <a:off x="300192" y="1593771"/>
+          <a:ext cx="1069610" cy="1947942"/>
+        </a:xfrm>
+        <a:prstGeom prst="round2SameRect">
+          <a:avLst>
+            <a:gd name="adj1" fmla="val 10500"/>
+            <a:gd name="adj2" fmla="val 0"/>
+          </a:avLst>
+        </a:prstGeom>
+        <a:solidFill>
+          <a:schemeClr val="accent1">
+            <a:hueOff val="0"/>
+            <a:satOff val="0"/>
+            <a:lumOff val="0"/>
+            <a:alphaOff val="0"/>
+          </a:schemeClr>
+        </a:solidFill>
+        <a:ln w="15875" cap="flat" cmpd="sng" algn="ctr">
+          <a:solidFill>
+            <a:schemeClr val="lt1">
+              <a:hueOff val="0"/>
+              <a:satOff val="0"/>
+              <a:lumOff val="0"/>
+              <a:alphaOff val="0"/>
+            </a:schemeClr>
+          </a:solidFill>
+          <a:prstDash val="solid"/>
+        </a:ln>
+        <a:effectLst/>
+      </dsp:spPr>
+      <dsp:style>
+        <a:lnRef idx="2">
+          <a:scrgbClr r="0" g="0" b="0"/>
+        </a:lnRef>
+        <a:fillRef idx="1">
+          <a:scrgbClr r="0" g="0" b="0"/>
+        </a:fillRef>
+        <a:effectRef idx="0">
+          <a:scrgbClr r="0" g="0" b="0"/>
+        </a:effectRef>
+        <a:fontRef idx="minor">
+          <a:schemeClr val="lt1"/>
+        </a:fontRef>
+      </dsp:style>
+      <dsp:txBody>
+        <a:bodyPr spcFirstLastPara="0" vert="horz" wrap="square" lIns="78232" tIns="78232" rIns="78232" bIns="78232" numCol="1" spcCol="1270" anchor="t" anchorCtr="0">
+          <a:noAutofit/>
+        </a:bodyPr>
+        <a:lstStyle/>
+        <a:p>
+          <a:pPr lvl="0" algn="ctr" defTabSz="488950" rtl="0">
+            <a:lnSpc>
+              <a:spcPct val="90000"/>
+            </a:lnSpc>
+            <a:spcBef>
+              <a:spcPct val="0"/>
+            </a:spcBef>
+            <a:spcAft>
+              <a:spcPct val="35000"/>
+            </a:spcAft>
+          </a:pPr>
+          <a:r>
+            <a:rPr lang="fr-CH" sz="1100" kern="1200" dirty="0" smtClean="0"/>
+            <a:t>Introduction</a:t>
+          </a:r>
+          <a:endParaRPr lang="fr-CH" sz="1100" kern="1200" dirty="0"/>
+        </a:p>
+      </dsp:txBody>
+      <dsp:txXfrm rot="10800000">
+        <a:off x="333086" y="1593771"/>
+        <a:ext cx="1003822" cy="1915048"/>
+      </dsp:txXfrm>
+    </dsp:sp>
+    <dsp:sp modelId="{9129898E-6A98-451D-82E8-F489C706DF9C}">
+      <dsp:nvSpPr>
+        <dsp:cNvPr id="0" name=""/>
+        <dsp:cNvSpPr/>
+      </dsp:nvSpPr>
+      <dsp:spPr>
+        <a:xfrm>
+          <a:off x="1476764" y="212502"/>
+          <a:ext cx="1069610" cy="1168765"/>
+        </a:xfrm>
+        <a:prstGeom prst="roundRect">
+          <a:avLst>
+            <a:gd name="adj" fmla="val 10000"/>
+          </a:avLst>
+        </a:prstGeom>
+        <a:blipFill>
+          <a:blip xmlns:r="http://schemas.openxmlformats.org/officeDocument/2006/relationships" r:embed="rId2" cstate="print">
+            <a:extLst>
+              <a:ext uri="{28A0092B-C50C-407E-A947-70E740481C1C}">
+                <a14:useLocalDpi xmlns:a14="http://schemas.microsoft.com/office/drawing/2010/main" val="0"/>
+              </a:ext>
+            </a:extLst>
+          </a:blip>
+          <a:srcRect/>
+          <a:stretch>
+            <a:fillRect l="-1000" r="-1000"/>
+          </a:stretch>
+        </a:blipFill>
+        <a:ln w="15875" cap="flat" cmpd="sng" algn="ctr">
+          <a:solidFill>
+            <a:schemeClr val="lt1">
+              <a:hueOff val="0"/>
+              <a:satOff val="0"/>
+              <a:lumOff val="0"/>
+              <a:alphaOff val="0"/>
+            </a:schemeClr>
+          </a:solidFill>
+          <a:prstDash val="solid"/>
+        </a:ln>
+        <a:effectLst/>
+      </dsp:spPr>
+      <dsp:style>
+        <a:lnRef idx="2">
+          <a:scrgbClr r="0" g="0" b="0"/>
+        </a:lnRef>
+        <a:fillRef idx="1">
+          <a:scrgbClr r="0" g="0" b="0"/>
+        </a:fillRef>
+        <a:effectRef idx="0">
+          <a:scrgbClr r="0" g="0" b="0"/>
+        </a:effectRef>
+        <a:fontRef idx="minor"/>
+      </dsp:style>
+    </dsp:sp>
+    <dsp:sp modelId="{600B3E02-4025-4FC4-BDDE-E31C9FE8534B}">
+      <dsp:nvSpPr>
+        <dsp:cNvPr id="0" name=""/>
+        <dsp:cNvSpPr/>
+      </dsp:nvSpPr>
+      <dsp:spPr>
+        <a:xfrm rot="10800000">
+          <a:off x="1476764" y="1593771"/>
+          <a:ext cx="1069610" cy="1947942"/>
+        </a:xfrm>
+        <a:prstGeom prst="round2SameRect">
+          <a:avLst>
+            <a:gd name="adj1" fmla="val 10500"/>
+            <a:gd name="adj2" fmla="val 0"/>
+          </a:avLst>
+        </a:prstGeom>
+        <a:solidFill>
+          <a:schemeClr val="accent1">
+            <a:hueOff val="0"/>
+            <a:satOff val="0"/>
+            <a:lumOff val="0"/>
+            <a:alphaOff val="0"/>
+          </a:schemeClr>
+        </a:solidFill>
+        <a:ln w="15875" cap="flat" cmpd="sng" algn="ctr">
+          <a:solidFill>
+            <a:schemeClr val="lt1">
+              <a:hueOff val="0"/>
+              <a:satOff val="0"/>
+              <a:lumOff val="0"/>
+              <a:alphaOff val="0"/>
+            </a:schemeClr>
+          </a:solidFill>
+          <a:prstDash val="solid"/>
+        </a:ln>
+        <a:effectLst/>
+      </dsp:spPr>
+      <dsp:style>
+        <a:lnRef idx="2">
+          <a:scrgbClr r="0" g="0" b="0"/>
+        </a:lnRef>
+        <a:fillRef idx="1">
+          <a:scrgbClr r="0" g="0" b="0"/>
+        </a:fillRef>
+        <a:effectRef idx="0">
+          <a:scrgbClr r="0" g="0" b="0"/>
+        </a:effectRef>
+        <a:fontRef idx="minor">
+          <a:schemeClr val="lt1"/>
+        </a:fontRef>
+      </dsp:style>
+      <dsp:txBody>
+        <a:bodyPr spcFirstLastPara="0" vert="horz" wrap="square" lIns="78232" tIns="78232" rIns="78232" bIns="78232" numCol="1" spcCol="1270" anchor="t" anchorCtr="0">
+          <a:noAutofit/>
+        </a:bodyPr>
+        <a:lstStyle/>
+        <a:p>
+          <a:pPr lvl="0" algn="ctr" defTabSz="488950" rtl="0">
+            <a:lnSpc>
+              <a:spcPct val="90000"/>
+            </a:lnSpc>
+            <a:spcBef>
+              <a:spcPct val="0"/>
+            </a:spcBef>
+            <a:spcAft>
+              <a:spcPct val="35000"/>
+            </a:spcAft>
+          </a:pPr>
+          <a:r>
+            <a:rPr lang="fr-CH" sz="1100" kern="1200" dirty="0" smtClean="0"/>
+            <a:t>Résultats obtenus</a:t>
+          </a:r>
+          <a:endParaRPr lang="fr-CH" sz="1100" kern="1200" dirty="0"/>
+        </a:p>
+      </dsp:txBody>
+      <dsp:txXfrm rot="10800000">
+        <a:off x="1509658" y="1593771"/>
+        <a:ext cx="1003822" cy="1915048"/>
+      </dsp:txXfrm>
+    </dsp:sp>
+    <dsp:sp modelId="{8C330A59-78D2-44FF-982F-C3F5CB8B77D0}">
+      <dsp:nvSpPr>
+        <dsp:cNvPr id="0" name=""/>
+        <dsp:cNvSpPr/>
+      </dsp:nvSpPr>
+      <dsp:spPr>
+        <a:xfrm>
+          <a:off x="2653336" y="212502"/>
+          <a:ext cx="1069610" cy="1168765"/>
+        </a:xfrm>
+        <a:prstGeom prst="roundRect">
+          <a:avLst>
+            <a:gd name="adj" fmla="val 10000"/>
+          </a:avLst>
+        </a:prstGeom>
+        <a:blipFill>
+          <a:blip xmlns:r="http://schemas.openxmlformats.org/officeDocument/2006/relationships" r:embed="rId3">
+            <a:extLst>
+              <a:ext uri="{28A0092B-C50C-407E-A947-70E740481C1C}">
+                <a14:useLocalDpi xmlns:a14="http://schemas.microsoft.com/office/drawing/2010/main" val="0"/>
+              </a:ext>
+            </a:extLst>
+          </a:blip>
+          <a:srcRect/>
+          <a:stretch>
+            <a:fillRect l="-10000" r="-10000"/>
+          </a:stretch>
+        </a:blipFill>
+        <a:ln w="15875" cap="flat" cmpd="sng" algn="ctr">
+          <a:solidFill>
+            <a:schemeClr val="lt1">
+              <a:hueOff val="0"/>
+              <a:satOff val="0"/>
+              <a:lumOff val="0"/>
+              <a:alphaOff val="0"/>
+            </a:schemeClr>
+          </a:solidFill>
+          <a:prstDash val="solid"/>
+        </a:ln>
+        <a:effectLst/>
+      </dsp:spPr>
+      <dsp:style>
+        <a:lnRef idx="2">
+          <a:scrgbClr r="0" g="0" b="0"/>
+        </a:lnRef>
+        <a:fillRef idx="1">
+          <a:scrgbClr r="0" g="0" b="0"/>
+        </a:fillRef>
+        <a:effectRef idx="0">
+          <a:scrgbClr r="0" g="0" b="0"/>
+        </a:effectRef>
+        <a:fontRef idx="minor"/>
+      </dsp:style>
+    </dsp:sp>
+    <dsp:sp modelId="{FC5D4D2B-1A43-4174-9768-6E913DC122B5}">
+      <dsp:nvSpPr>
+        <dsp:cNvPr id="0" name=""/>
+        <dsp:cNvSpPr/>
+      </dsp:nvSpPr>
+      <dsp:spPr>
+        <a:xfrm rot="10800000">
+          <a:off x="2653336" y="1593771"/>
+          <a:ext cx="1069610" cy="1947942"/>
+        </a:xfrm>
+        <a:prstGeom prst="round2SameRect">
+          <a:avLst>
+            <a:gd name="adj1" fmla="val 10500"/>
+            <a:gd name="adj2" fmla="val 0"/>
+          </a:avLst>
+        </a:prstGeom>
+        <a:solidFill>
+          <a:schemeClr val="accent1">
+            <a:hueOff val="0"/>
+            <a:satOff val="0"/>
+            <a:lumOff val="0"/>
+            <a:alphaOff val="0"/>
+          </a:schemeClr>
+        </a:solidFill>
+        <a:ln w="15875" cap="flat" cmpd="sng" algn="ctr">
+          <a:solidFill>
+            <a:schemeClr val="lt1">
+              <a:hueOff val="0"/>
+              <a:satOff val="0"/>
+              <a:lumOff val="0"/>
+              <a:alphaOff val="0"/>
+            </a:schemeClr>
+          </a:solidFill>
+          <a:prstDash val="solid"/>
+        </a:ln>
+        <a:effectLst/>
+      </dsp:spPr>
+      <dsp:style>
+        <a:lnRef idx="2">
+          <a:scrgbClr r="0" g="0" b="0"/>
+        </a:lnRef>
+        <a:fillRef idx="1">
+          <a:scrgbClr r="0" g="0" b="0"/>
+        </a:fillRef>
+        <a:effectRef idx="0">
+          <a:scrgbClr r="0" g="0" b="0"/>
+        </a:effectRef>
+        <a:fontRef idx="minor">
+          <a:schemeClr val="lt1"/>
+        </a:fontRef>
+      </dsp:style>
+      <dsp:txBody>
+        <a:bodyPr spcFirstLastPara="0" vert="horz" wrap="square" lIns="78232" tIns="78232" rIns="78232" bIns="78232" numCol="1" spcCol="1270" anchor="t" anchorCtr="0">
+          <a:noAutofit/>
+        </a:bodyPr>
+        <a:lstStyle/>
+        <a:p>
+          <a:pPr lvl="0" algn="ctr" defTabSz="488950" rtl="0">
+            <a:lnSpc>
+              <a:spcPct val="90000"/>
+            </a:lnSpc>
+            <a:spcBef>
+              <a:spcPct val="0"/>
+            </a:spcBef>
+            <a:spcAft>
+              <a:spcPct val="35000"/>
+            </a:spcAft>
+          </a:pPr>
+          <a:r>
+            <a:rPr lang="fr-CH" sz="1100" kern="1200" smtClean="0"/>
+            <a:t>Les actions possibles</a:t>
+          </a:r>
+          <a:endParaRPr lang="fr-CH" sz="1100" kern="1200"/>
+        </a:p>
+      </dsp:txBody>
+      <dsp:txXfrm rot="10800000">
+        <a:off x="2686230" y="1593771"/>
+        <a:ext cx="1003822" cy="1915048"/>
+      </dsp:txXfrm>
+    </dsp:sp>
+    <dsp:sp modelId="{0E99E27D-8CAD-43E2-B751-54EDE4A8EC3F}">
+      <dsp:nvSpPr>
+        <dsp:cNvPr id="0" name=""/>
+        <dsp:cNvSpPr/>
+      </dsp:nvSpPr>
+      <dsp:spPr>
+        <a:xfrm>
+          <a:off x="3829908" y="212502"/>
+          <a:ext cx="1069610" cy="1168765"/>
+        </a:xfrm>
+        <a:prstGeom prst="roundRect">
+          <a:avLst>
+            <a:gd name="adj" fmla="val 10000"/>
+          </a:avLst>
+        </a:prstGeom>
+        <a:blipFill>
+          <a:blip xmlns:r="http://schemas.openxmlformats.org/officeDocument/2006/relationships" r:embed="rId4">
+            <a:extLst>
+              <a:ext uri="{28A0092B-C50C-407E-A947-70E740481C1C}">
+                <a14:useLocalDpi xmlns:a14="http://schemas.microsoft.com/office/drawing/2010/main" val="0"/>
+              </a:ext>
+            </a:extLst>
+          </a:blip>
+          <a:srcRect/>
+          <a:stretch>
+            <a:fillRect l="-5000" r="-5000"/>
+          </a:stretch>
+        </a:blipFill>
+        <a:ln w="15875" cap="flat" cmpd="sng" algn="ctr">
+          <a:solidFill>
+            <a:schemeClr val="lt1">
+              <a:hueOff val="0"/>
+              <a:satOff val="0"/>
+              <a:lumOff val="0"/>
+              <a:alphaOff val="0"/>
+            </a:schemeClr>
+          </a:solidFill>
+          <a:prstDash val="solid"/>
+        </a:ln>
+        <a:effectLst/>
+      </dsp:spPr>
+      <dsp:style>
+        <a:lnRef idx="2">
+          <a:scrgbClr r="0" g="0" b="0"/>
+        </a:lnRef>
+        <a:fillRef idx="1">
+          <a:scrgbClr r="0" g="0" b="0"/>
+        </a:fillRef>
+        <a:effectRef idx="0">
+          <a:scrgbClr r="0" g="0" b="0"/>
+        </a:effectRef>
+        <a:fontRef idx="minor"/>
+      </dsp:style>
+    </dsp:sp>
+    <dsp:sp modelId="{60680524-687B-4A5D-9447-F842C87CB57D}">
+      <dsp:nvSpPr>
+        <dsp:cNvPr id="0" name=""/>
+        <dsp:cNvSpPr/>
+      </dsp:nvSpPr>
+      <dsp:spPr>
+        <a:xfrm rot="10800000">
+          <a:off x="3829908" y="1593771"/>
+          <a:ext cx="1069610" cy="1947942"/>
+        </a:xfrm>
+        <a:prstGeom prst="round2SameRect">
+          <a:avLst>
+            <a:gd name="adj1" fmla="val 10500"/>
+            <a:gd name="adj2" fmla="val 0"/>
+          </a:avLst>
+        </a:prstGeom>
+        <a:solidFill>
+          <a:schemeClr val="accent1">
+            <a:hueOff val="0"/>
+            <a:satOff val="0"/>
+            <a:lumOff val="0"/>
+            <a:alphaOff val="0"/>
+          </a:schemeClr>
+        </a:solidFill>
+        <a:ln w="15875" cap="flat" cmpd="sng" algn="ctr">
+          <a:solidFill>
+            <a:schemeClr val="lt1">
+              <a:hueOff val="0"/>
+              <a:satOff val="0"/>
+              <a:lumOff val="0"/>
+              <a:alphaOff val="0"/>
+            </a:schemeClr>
+          </a:solidFill>
+          <a:prstDash val="solid"/>
+        </a:ln>
+        <a:effectLst/>
+      </dsp:spPr>
+      <dsp:style>
+        <a:lnRef idx="2">
+          <a:scrgbClr r="0" g="0" b="0"/>
+        </a:lnRef>
+        <a:fillRef idx="1">
+          <a:scrgbClr r="0" g="0" b="0"/>
+        </a:fillRef>
+        <a:effectRef idx="0">
+          <a:scrgbClr r="0" g="0" b="0"/>
+        </a:effectRef>
+        <a:fontRef idx="minor">
+          <a:schemeClr val="lt1"/>
+        </a:fontRef>
+      </dsp:style>
+      <dsp:txBody>
+        <a:bodyPr spcFirstLastPara="0" vert="horz" wrap="square" lIns="78232" tIns="78232" rIns="78232" bIns="78232" numCol="1" spcCol="1270" anchor="t" anchorCtr="0">
+          <a:noAutofit/>
+        </a:bodyPr>
+        <a:lstStyle/>
+        <a:p>
+          <a:pPr lvl="0" algn="ctr" defTabSz="488950" rtl="0">
+            <a:lnSpc>
+              <a:spcPct val="90000"/>
+            </a:lnSpc>
+            <a:spcBef>
+              <a:spcPct val="0"/>
+            </a:spcBef>
+            <a:spcAft>
+              <a:spcPct val="35000"/>
+            </a:spcAft>
+          </a:pPr>
+          <a:r>
+            <a:rPr lang="fr-CH" sz="1100" kern="1200" smtClean="0"/>
+            <a:t>Les challenges</a:t>
+          </a:r>
+          <a:endParaRPr lang="fr-CH" sz="1100" kern="1200"/>
+        </a:p>
+      </dsp:txBody>
+      <dsp:txXfrm rot="10800000">
+        <a:off x="3862802" y="1593771"/>
+        <a:ext cx="1003822" cy="1915048"/>
+      </dsp:txXfrm>
+    </dsp:sp>
+    <dsp:sp modelId="{5509112F-1F69-4DCB-B0BC-979D0D5D36A1}">
+      <dsp:nvSpPr>
+        <dsp:cNvPr id="0" name=""/>
+        <dsp:cNvSpPr/>
+      </dsp:nvSpPr>
+      <dsp:spPr>
+        <a:xfrm>
+          <a:off x="5006480" y="212502"/>
+          <a:ext cx="1069610" cy="1168765"/>
+        </a:xfrm>
+        <a:prstGeom prst="roundRect">
+          <a:avLst>
+            <a:gd name="adj" fmla="val 10000"/>
+          </a:avLst>
+        </a:prstGeom>
+        <a:blipFill>
+          <a:blip xmlns:r="http://schemas.openxmlformats.org/officeDocument/2006/relationships" r:embed="rId5" cstate="print">
+            <a:extLst>
+              <a:ext uri="{28A0092B-C50C-407E-A947-70E740481C1C}">
+                <a14:useLocalDpi xmlns:a14="http://schemas.microsoft.com/office/drawing/2010/main" val="0"/>
+              </a:ext>
+            </a:extLst>
+          </a:blip>
+          <a:srcRect/>
+          <a:stretch>
+            <a:fillRect l="-18000" r="-18000"/>
+          </a:stretch>
+        </a:blipFill>
+        <a:ln w="15875" cap="flat" cmpd="sng" algn="ctr">
+          <a:solidFill>
+            <a:schemeClr val="lt1">
+              <a:hueOff val="0"/>
+              <a:satOff val="0"/>
+              <a:lumOff val="0"/>
+              <a:alphaOff val="0"/>
+            </a:schemeClr>
+          </a:solidFill>
+          <a:prstDash val="solid"/>
+        </a:ln>
+        <a:effectLst/>
+      </dsp:spPr>
+      <dsp:style>
+        <a:lnRef idx="2">
+          <a:scrgbClr r="0" g="0" b="0"/>
+        </a:lnRef>
+        <a:fillRef idx="1">
+          <a:scrgbClr r="0" g="0" b="0"/>
+        </a:fillRef>
+        <a:effectRef idx="0">
+          <a:scrgbClr r="0" g="0" b="0"/>
+        </a:effectRef>
+        <a:fontRef idx="minor"/>
+      </dsp:style>
+    </dsp:sp>
+    <dsp:sp modelId="{D675283E-D047-429A-8560-A18A2ADC95A9}">
+      <dsp:nvSpPr>
+        <dsp:cNvPr id="0" name=""/>
+        <dsp:cNvSpPr/>
+      </dsp:nvSpPr>
+      <dsp:spPr>
+        <a:xfrm rot="10800000">
+          <a:off x="5006480" y="1593771"/>
+          <a:ext cx="1069610" cy="1947942"/>
+        </a:xfrm>
+        <a:prstGeom prst="round2SameRect">
+          <a:avLst>
+            <a:gd name="adj1" fmla="val 10500"/>
+            <a:gd name="adj2" fmla="val 0"/>
+          </a:avLst>
+        </a:prstGeom>
+        <a:solidFill>
+          <a:schemeClr val="accent1">
+            <a:hueOff val="0"/>
+            <a:satOff val="0"/>
+            <a:lumOff val="0"/>
+            <a:alphaOff val="0"/>
+          </a:schemeClr>
+        </a:solidFill>
+        <a:ln w="15875" cap="flat" cmpd="sng" algn="ctr">
+          <a:solidFill>
+            <a:schemeClr val="lt1">
+              <a:hueOff val="0"/>
+              <a:satOff val="0"/>
+              <a:lumOff val="0"/>
+              <a:alphaOff val="0"/>
+            </a:schemeClr>
+          </a:solidFill>
+          <a:prstDash val="solid"/>
+        </a:ln>
+        <a:effectLst/>
+      </dsp:spPr>
+      <dsp:style>
+        <a:lnRef idx="2">
+          <a:scrgbClr r="0" g="0" b="0"/>
+        </a:lnRef>
+        <a:fillRef idx="1">
+          <a:scrgbClr r="0" g="0" b="0"/>
+        </a:fillRef>
+        <a:effectRef idx="0">
+          <a:scrgbClr r="0" g="0" b="0"/>
+        </a:effectRef>
+        <a:fontRef idx="minor">
+          <a:schemeClr val="lt1"/>
+        </a:fontRef>
+      </dsp:style>
+      <dsp:txBody>
+        <a:bodyPr spcFirstLastPara="0" vert="horz" wrap="square" lIns="78232" tIns="78232" rIns="78232" bIns="78232" numCol="1" spcCol="1270" anchor="t" anchorCtr="0">
+          <a:noAutofit/>
+        </a:bodyPr>
+        <a:lstStyle/>
+        <a:p>
+          <a:pPr lvl="0" algn="l" defTabSz="488950" rtl="0">
+            <a:lnSpc>
+              <a:spcPct val="90000"/>
+            </a:lnSpc>
+            <a:spcBef>
+              <a:spcPct val="0"/>
+            </a:spcBef>
+            <a:spcAft>
+              <a:spcPct val="35000"/>
+            </a:spcAft>
+          </a:pPr>
+          <a:r>
+            <a:rPr lang="fr-CH" sz="1100" kern="1200" dirty="0" smtClean="0"/>
+            <a:t>Démonstration</a:t>
+          </a:r>
+          <a:endParaRPr lang="fr-CH" sz="1100" kern="1200" dirty="0"/>
+        </a:p>
+        <a:p>
+          <a:pPr marL="57150" lvl="1" indent="-57150" algn="l" defTabSz="400050" rtl="0">
+            <a:lnSpc>
+              <a:spcPct val="90000"/>
+            </a:lnSpc>
+            <a:spcBef>
+              <a:spcPct val="0"/>
+            </a:spcBef>
+            <a:spcAft>
+              <a:spcPct val="15000"/>
+            </a:spcAft>
+            <a:buChar char="••"/>
+          </a:pPr>
+          <a:r>
+            <a:rPr lang="fr-CH" sz="900" kern="1200" dirty="0" smtClean="0"/>
+            <a:t>par mes soins</a:t>
+          </a:r>
+          <a:endParaRPr lang="fr-CH" sz="900" kern="1200" dirty="0"/>
+        </a:p>
+      </dsp:txBody>
+      <dsp:txXfrm rot="10800000">
+        <a:off x="5039374" y="1593771"/>
+        <a:ext cx="1003822" cy="1915048"/>
+      </dsp:txXfrm>
+    </dsp:sp>
+    <dsp:sp modelId="{AA2B4DCC-B3DB-457F-AE7C-69C45773DC06}">
+      <dsp:nvSpPr>
+        <dsp:cNvPr id="0" name=""/>
+        <dsp:cNvSpPr/>
+      </dsp:nvSpPr>
+      <dsp:spPr>
+        <a:xfrm>
+          <a:off x="6183052" y="212502"/>
+          <a:ext cx="1069610" cy="1168765"/>
+        </a:xfrm>
+        <a:prstGeom prst="roundRect">
+          <a:avLst>
+            <a:gd name="adj" fmla="val 10000"/>
+          </a:avLst>
+        </a:prstGeom>
+        <a:blipFill>
+          <a:blip xmlns:r="http://schemas.openxmlformats.org/officeDocument/2006/relationships" r:embed="rId6">
+            <a:extLst>
+              <a:ext uri="{28A0092B-C50C-407E-A947-70E740481C1C}">
+                <a14:useLocalDpi xmlns:a14="http://schemas.microsoft.com/office/drawing/2010/main" val="0"/>
+              </a:ext>
+            </a:extLst>
+          </a:blip>
+          <a:srcRect/>
+          <a:stretch>
+            <a:fillRect l="-5000" r="-5000"/>
+          </a:stretch>
+        </a:blipFill>
+        <a:ln w="15875" cap="flat" cmpd="sng" algn="ctr">
+          <a:solidFill>
+            <a:schemeClr val="lt1">
+              <a:hueOff val="0"/>
+              <a:satOff val="0"/>
+              <a:lumOff val="0"/>
+              <a:alphaOff val="0"/>
+            </a:schemeClr>
+          </a:solidFill>
+          <a:prstDash val="solid"/>
+        </a:ln>
+        <a:effectLst/>
+      </dsp:spPr>
+      <dsp:style>
+        <a:lnRef idx="2">
+          <a:scrgbClr r="0" g="0" b="0"/>
+        </a:lnRef>
+        <a:fillRef idx="1">
+          <a:scrgbClr r="0" g="0" b="0"/>
+        </a:fillRef>
+        <a:effectRef idx="0">
+          <a:scrgbClr r="0" g="0" b="0"/>
+        </a:effectRef>
+        <a:fontRef idx="minor"/>
+      </dsp:style>
+    </dsp:sp>
+    <dsp:sp modelId="{E0FCD1B4-40EB-4DBE-B18E-2A3A151B80F8}">
+      <dsp:nvSpPr>
+        <dsp:cNvPr id="0" name=""/>
+        <dsp:cNvSpPr/>
+      </dsp:nvSpPr>
+      <dsp:spPr>
+        <a:xfrm rot="10800000">
+          <a:off x="6183052" y="1593771"/>
+          <a:ext cx="1069610" cy="1947942"/>
+        </a:xfrm>
+        <a:prstGeom prst="round2SameRect">
+          <a:avLst>
+            <a:gd name="adj1" fmla="val 10500"/>
+            <a:gd name="adj2" fmla="val 0"/>
+          </a:avLst>
+        </a:prstGeom>
+        <a:solidFill>
+          <a:schemeClr val="accent1">
+            <a:hueOff val="0"/>
+            <a:satOff val="0"/>
+            <a:lumOff val="0"/>
+            <a:alphaOff val="0"/>
+          </a:schemeClr>
+        </a:solidFill>
+        <a:ln w="15875" cap="flat" cmpd="sng" algn="ctr">
+          <a:solidFill>
+            <a:schemeClr val="lt1">
+              <a:hueOff val="0"/>
+              <a:satOff val="0"/>
+              <a:lumOff val="0"/>
+              <a:alphaOff val="0"/>
+            </a:schemeClr>
+          </a:solidFill>
+          <a:prstDash val="solid"/>
+        </a:ln>
+        <a:effectLst/>
+      </dsp:spPr>
+      <dsp:style>
+        <a:lnRef idx="2">
+          <a:scrgbClr r="0" g="0" b="0"/>
+        </a:lnRef>
+        <a:fillRef idx="1">
+          <a:scrgbClr r="0" g="0" b="0"/>
+        </a:fillRef>
+        <a:effectRef idx="0">
+          <a:scrgbClr r="0" g="0" b="0"/>
+        </a:effectRef>
+        <a:fontRef idx="minor">
+          <a:schemeClr val="lt1"/>
+        </a:fontRef>
+      </dsp:style>
+      <dsp:txBody>
+        <a:bodyPr spcFirstLastPara="0" vert="horz" wrap="square" lIns="78232" tIns="78232" rIns="78232" bIns="78232" numCol="1" spcCol="1270" anchor="t" anchorCtr="0">
+          <a:noAutofit/>
+        </a:bodyPr>
+        <a:lstStyle/>
+        <a:p>
+          <a:pPr lvl="0" algn="ctr" defTabSz="488950" rtl="0">
+            <a:lnSpc>
+              <a:spcPct val="90000"/>
+            </a:lnSpc>
+            <a:spcBef>
+              <a:spcPct val="0"/>
+            </a:spcBef>
+            <a:spcAft>
+              <a:spcPct val="35000"/>
+            </a:spcAft>
+          </a:pPr>
+          <a:r>
+            <a:rPr lang="fr-CH" sz="1100" kern="1200" dirty="0" smtClean="0"/>
+            <a:t>Améliorations possibles</a:t>
+          </a:r>
+          <a:endParaRPr lang="fr-CH" sz="1100" kern="1200" dirty="0"/>
+        </a:p>
+      </dsp:txBody>
+      <dsp:txXfrm rot="10800000">
+        <a:off x="6215946" y="1593771"/>
+        <a:ext cx="1003822" cy="1915048"/>
+      </dsp:txXfrm>
+    </dsp:sp>
+    <dsp:sp modelId="{529F206C-78A1-4253-B157-4C391DC62853}">
+      <dsp:nvSpPr>
+        <dsp:cNvPr id="0" name=""/>
+        <dsp:cNvSpPr/>
+      </dsp:nvSpPr>
+      <dsp:spPr>
+        <a:xfrm>
+          <a:off x="7359623" y="212502"/>
+          <a:ext cx="1069610" cy="1168765"/>
+        </a:xfrm>
+        <a:prstGeom prst="roundRect">
+          <a:avLst>
+            <a:gd name="adj" fmla="val 10000"/>
+          </a:avLst>
+        </a:prstGeom>
+        <a:blipFill>
+          <a:blip xmlns:r="http://schemas.openxmlformats.org/officeDocument/2006/relationships" r:embed="rId7">
+            <a:extLst>
+              <a:ext uri="{28A0092B-C50C-407E-A947-70E740481C1C}">
+                <a14:useLocalDpi xmlns:a14="http://schemas.microsoft.com/office/drawing/2010/main" val="0"/>
+              </a:ext>
+            </a:extLst>
+          </a:blip>
+          <a:srcRect/>
+          <a:stretch>
+            <a:fillRect l="-32000" r="-32000"/>
+          </a:stretch>
+        </a:blipFill>
+        <a:ln w="15875" cap="flat" cmpd="sng" algn="ctr">
+          <a:solidFill>
+            <a:schemeClr val="lt1">
+              <a:hueOff val="0"/>
+              <a:satOff val="0"/>
+              <a:lumOff val="0"/>
+              <a:alphaOff val="0"/>
+            </a:schemeClr>
+          </a:solidFill>
+          <a:prstDash val="solid"/>
+        </a:ln>
+        <a:effectLst/>
+      </dsp:spPr>
+      <dsp:style>
+        <a:lnRef idx="2">
+          <a:scrgbClr r="0" g="0" b="0"/>
+        </a:lnRef>
+        <a:fillRef idx="1">
+          <a:scrgbClr r="0" g="0" b="0"/>
+        </a:fillRef>
+        <a:effectRef idx="0">
+          <a:scrgbClr r="0" g="0" b="0"/>
+        </a:effectRef>
+        <a:fontRef idx="minor"/>
+      </dsp:style>
+    </dsp:sp>
+    <dsp:sp modelId="{F69349EB-5200-4A34-9DBA-375979C8F676}">
+      <dsp:nvSpPr>
+        <dsp:cNvPr id="0" name=""/>
+        <dsp:cNvSpPr/>
+      </dsp:nvSpPr>
+      <dsp:spPr>
+        <a:xfrm rot="10800000">
+          <a:off x="7359623" y="1593771"/>
+          <a:ext cx="1069610" cy="1947942"/>
+        </a:xfrm>
+        <a:prstGeom prst="round2SameRect">
+          <a:avLst>
+            <a:gd name="adj1" fmla="val 10500"/>
+            <a:gd name="adj2" fmla="val 0"/>
+          </a:avLst>
+        </a:prstGeom>
+        <a:solidFill>
+          <a:schemeClr val="accent1">
+            <a:hueOff val="0"/>
+            <a:satOff val="0"/>
+            <a:lumOff val="0"/>
+            <a:alphaOff val="0"/>
+          </a:schemeClr>
+        </a:solidFill>
+        <a:ln w="15875" cap="flat" cmpd="sng" algn="ctr">
+          <a:solidFill>
+            <a:schemeClr val="lt1">
+              <a:hueOff val="0"/>
+              <a:satOff val="0"/>
+              <a:lumOff val="0"/>
+              <a:alphaOff val="0"/>
+            </a:schemeClr>
+          </a:solidFill>
+          <a:prstDash val="solid"/>
+        </a:ln>
+        <a:effectLst/>
+      </dsp:spPr>
+      <dsp:style>
+        <a:lnRef idx="2">
+          <a:scrgbClr r="0" g="0" b="0"/>
+        </a:lnRef>
+        <a:fillRef idx="1">
+          <a:scrgbClr r="0" g="0" b="0"/>
+        </a:fillRef>
+        <a:effectRef idx="0">
+          <a:scrgbClr r="0" g="0" b="0"/>
+        </a:effectRef>
+        <a:fontRef idx="minor">
+          <a:schemeClr val="lt1"/>
+        </a:fontRef>
+      </dsp:style>
+      <dsp:txBody>
+        <a:bodyPr spcFirstLastPara="0" vert="horz" wrap="square" lIns="78232" tIns="78232" rIns="78232" bIns="78232" numCol="1" spcCol="1270" anchor="t" anchorCtr="0">
+          <a:noAutofit/>
+        </a:bodyPr>
+        <a:lstStyle/>
+        <a:p>
+          <a:pPr lvl="0" algn="ctr" defTabSz="488950" rtl="0">
+            <a:lnSpc>
+              <a:spcPct val="90000"/>
+            </a:lnSpc>
+            <a:spcBef>
+              <a:spcPct val="0"/>
+            </a:spcBef>
+            <a:spcAft>
+              <a:spcPct val="35000"/>
+            </a:spcAft>
+          </a:pPr>
+          <a:r>
+            <a:rPr lang="fr-CH" sz="1100" kern="1200" smtClean="0"/>
+            <a:t>Conclusion</a:t>
+          </a:r>
+          <a:endParaRPr lang="fr-CH" sz="1100" kern="1200"/>
+        </a:p>
+      </dsp:txBody>
+      <dsp:txXfrm rot="10800000">
+        <a:off x="7392517" y="1593771"/>
+        <a:ext cx="1003822" cy="1915048"/>
+      </dsp:txXfrm>
+    </dsp:sp>
+    <dsp:sp modelId="{53B84999-8A28-4BBB-B9A8-6094071D9FFB}">
+      <dsp:nvSpPr>
+        <dsp:cNvPr id="0" name=""/>
+        <dsp:cNvSpPr/>
+      </dsp:nvSpPr>
+      <dsp:spPr>
+        <a:xfrm>
+          <a:off x="8536195" y="212502"/>
+          <a:ext cx="1069610" cy="1168765"/>
+        </a:xfrm>
+        <a:prstGeom prst="roundRect">
+          <a:avLst>
+            <a:gd name="adj" fmla="val 10000"/>
+          </a:avLst>
+        </a:prstGeom>
+        <a:blipFill>
+          <a:blip xmlns:r="http://schemas.openxmlformats.org/officeDocument/2006/relationships" r:embed="rId8" cstate="print">
+            <a:extLst>
+              <a:ext uri="{28A0092B-C50C-407E-A947-70E740481C1C}">
+                <a14:useLocalDpi xmlns:a14="http://schemas.microsoft.com/office/drawing/2010/main" val="0"/>
+              </a:ext>
+            </a:extLst>
+          </a:blip>
+          <a:srcRect/>
+          <a:stretch>
+            <a:fillRect t="-11000" b="-11000"/>
+          </a:stretch>
+        </a:blipFill>
+        <a:ln w="15875" cap="flat" cmpd="sng" algn="ctr">
+          <a:solidFill>
+            <a:schemeClr val="lt1">
+              <a:hueOff val="0"/>
+              <a:satOff val="0"/>
+              <a:lumOff val="0"/>
+              <a:alphaOff val="0"/>
+            </a:schemeClr>
+          </a:solidFill>
+          <a:prstDash val="solid"/>
+        </a:ln>
+        <a:effectLst/>
+      </dsp:spPr>
+      <dsp:style>
+        <a:lnRef idx="2">
+          <a:scrgbClr r="0" g="0" b="0"/>
+        </a:lnRef>
+        <a:fillRef idx="1">
+          <a:scrgbClr r="0" g="0" b="0"/>
+        </a:fillRef>
+        <a:effectRef idx="0">
+          <a:scrgbClr r="0" g="0" b="0"/>
+        </a:effectRef>
+        <a:fontRef idx="minor"/>
+      </dsp:style>
+    </dsp:sp>
+    <dsp:sp modelId="{0CFAD3AA-0596-4F2E-8D86-AA05298489F7}">
+      <dsp:nvSpPr>
+        <dsp:cNvPr id="0" name=""/>
+        <dsp:cNvSpPr/>
+      </dsp:nvSpPr>
+      <dsp:spPr>
+        <a:xfrm rot="10800000">
+          <a:off x="8536195" y="1593771"/>
+          <a:ext cx="1069610" cy="1947942"/>
+        </a:xfrm>
+        <a:prstGeom prst="round2SameRect">
+          <a:avLst>
+            <a:gd name="adj1" fmla="val 10500"/>
+            <a:gd name="adj2" fmla="val 0"/>
+          </a:avLst>
+        </a:prstGeom>
+        <a:solidFill>
+          <a:schemeClr val="accent1">
+            <a:hueOff val="0"/>
+            <a:satOff val="0"/>
+            <a:lumOff val="0"/>
+            <a:alphaOff val="0"/>
+          </a:schemeClr>
+        </a:solidFill>
+        <a:ln w="15875" cap="flat" cmpd="sng" algn="ctr">
+          <a:solidFill>
+            <a:schemeClr val="lt1">
+              <a:hueOff val="0"/>
+              <a:satOff val="0"/>
+              <a:lumOff val="0"/>
+              <a:alphaOff val="0"/>
+            </a:schemeClr>
+          </a:solidFill>
+          <a:prstDash val="solid"/>
+        </a:ln>
+        <a:effectLst/>
+      </dsp:spPr>
+      <dsp:style>
+        <a:lnRef idx="2">
+          <a:scrgbClr r="0" g="0" b="0"/>
+        </a:lnRef>
+        <a:fillRef idx="1">
+          <a:scrgbClr r="0" g="0" b="0"/>
+        </a:fillRef>
+        <a:effectRef idx="0">
+          <a:scrgbClr r="0" g="0" b="0"/>
+        </a:effectRef>
+        <a:fontRef idx="minor">
+          <a:schemeClr val="lt1"/>
+        </a:fontRef>
+      </dsp:style>
+      <dsp:txBody>
+        <a:bodyPr spcFirstLastPara="0" vert="horz" wrap="square" lIns="78232" tIns="78232" rIns="78232" bIns="78232" numCol="1" spcCol="1270" anchor="t" anchorCtr="0">
+          <a:noAutofit/>
+        </a:bodyPr>
+        <a:lstStyle/>
+        <a:p>
+          <a:pPr lvl="0" algn="l" defTabSz="488950" rtl="0">
+            <a:lnSpc>
+              <a:spcPct val="90000"/>
+            </a:lnSpc>
+            <a:spcBef>
+              <a:spcPct val="0"/>
+            </a:spcBef>
+            <a:spcAft>
+              <a:spcPct val="35000"/>
+            </a:spcAft>
+          </a:pPr>
+          <a:r>
+            <a:rPr lang="fr-CH" sz="1100" kern="1200" dirty="0" smtClean="0"/>
+            <a:t>Démonstration</a:t>
+          </a:r>
+          <a:endParaRPr lang="fr-CH" sz="1100" kern="1200" dirty="0"/>
+        </a:p>
+        <a:p>
+          <a:pPr marL="57150" lvl="1" indent="-57150" algn="l" defTabSz="400050" rtl="0">
+            <a:lnSpc>
+              <a:spcPct val="90000"/>
+            </a:lnSpc>
+            <a:spcBef>
+              <a:spcPct val="0"/>
+            </a:spcBef>
+            <a:spcAft>
+              <a:spcPct val="15000"/>
+            </a:spcAft>
+            <a:buChar char="••"/>
+          </a:pPr>
+          <a:r>
+            <a:rPr lang="fr-CH" sz="900" kern="1200" dirty="0" smtClean="0"/>
+            <a:t>par un volontaire</a:t>
+          </a:r>
+          <a:endParaRPr lang="fr-CH" sz="900" kern="1200" dirty="0"/>
+        </a:p>
+      </dsp:txBody>
+      <dsp:txXfrm rot="10800000">
+        <a:off x="8569089" y="1593771"/>
+        <a:ext cx="1003822" cy="1915048"/>
+      </dsp:txXfrm>
+    </dsp:sp>
   </dsp:spTree>
 </dsp:drawing>
 </file>
@@ -6155,6 +7493,301 @@
       <dsp:cNvGrpSpPr/>
     </dsp:nvGrpSpPr>
     <dsp:grpSpPr/>
+    <dsp:sp modelId="{478E8F7E-B2D1-422C-AFC6-12DF434B63AD}">
+      <dsp:nvSpPr>
+        <dsp:cNvPr id="0" name=""/>
+        <dsp:cNvSpPr/>
+      </dsp:nvSpPr>
+      <dsp:spPr>
+        <a:xfrm>
+          <a:off x="0" y="40606"/>
+          <a:ext cx="9905999" cy="912600"/>
+        </a:xfrm>
+        <a:prstGeom prst="roundRect">
+          <a:avLst/>
+        </a:prstGeom>
+        <a:solidFill>
+          <a:schemeClr val="accent1">
+            <a:hueOff val="0"/>
+            <a:satOff val="0"/>
+            <a:lumOff val="0"/>
+            <a:alphaOff val="0"/>
+          </a:schemeClr>
+        </a:solidFill>
+        <a:ln w="15875" cap="flat" cmpd="sng" algn="ctr">
+          <a:solidFill>
+            <a:schemeClr val="lt1">
+              <a:hueOff val="0"/>
+              <a:satOff val="0"/>
+              <a:lumOff val="0"/>
+              <a:alphaOff val="0"/>
+            </a:schemeClr>
+          </a:solidFill>
+          <a:prstDash val="solid"/>
+        </a:ln>
+        <a:effectLst/>
+      </dsp:spPr>
+      <dsp:style>
+        <a:lnRef idx="2">
+          <a:scrgbClr r="0" g="0" b="0"/>
+        </a:lnRef>
+        <a:fillRef idx="1">
+          <a:scrgbClr r="0" g="0" b="0"/>
+        </a:fillRef>
+        <a:effectRef idx="0">
+          <a:scrgbClr r="0" g="0" b="0"/>
+        </a:effectRef>
+        <a:fontRef idx="minor">
+          <a:schemeClr val="lt1"/>
+        </a:fontRef>
+      </dsp:style>
+      <dsp:txBody>
+        <a:bodyPr spcFirstLastPara="0" vert="horz" wrap="square" lIns="152400" tIns="152400" rIns="152400" bIns="152400" numCol="1" spcCol="1270" anchor="ctr" anchorCtr="0">
+          <a:noAutofit/>
+        </a:bodyPr>
+        <a:lstStyle/>
+        <a:p>
+          <a:pPr lvl="0" algn="l" defTabSz="1778000" rtl="0">
+            <a:lnSpc>
+              <a:spcPct val="90000"/>
+            </a:lnSpc>
+            <a:spcBef>
+              <a:spcPct val="0"/>
+            </a:spcBef>
+            <a:spcAft>
+              <a:spcPct val="35000"/>
+            </a:spcAft>
+          </a:pPr>
+          <a:r>
+            <a:rPr lang="fr-CH" sz="4000" kern="1200" smtClean="0"/>
+            <a:t>Menu principal</a:t>
+          </a:r>
+          <a:endParaRPr lang="fr-CH" sz="4000" kern="1200"/>
+        </a:p>
+      </dsp:txBody>
+      <dsp:txXfrm>
+        <a:off x="44549" y="85155"/>
+        <a:ext cx="9816901" cy="823502"/>
+      </dsp:txXfrm>
+    </dsp:sp>
+    <dsp:sp modelId="{875A3994-D960-4608-BB12-16511E6C4A68}">
+      <dsp:nvSpPr>
+        <dsp:cNvPr id="0" name=""/>
+        <dsp:cNvSpPr/>
+      </dsp:nvSpPr>
+      <dsp:spPr>
+        <a:xfrm>
+          <a:off x="0" y="953207"/>
+          <a:ext cx="9905999" cy="972900"/>
+        </a:xfrm>
+        <a:prstGeom prst="rect">
+          <a:avLst/>
+        </a:prstGeom>
+        <a:noFill/>
+        <a:ln>
+          <a:noFill/>
+        </a:ln>
+        <a:effectLst/>
+      </dsp:spPr>
+      <dsp:style>
+        <a:lnRef idx="0">
+          <a:scrgbClr r="0" g="0" b="0"/>
+        </a:lnRef>
+        <a:fillRef idx="0">
+          <a:scrgbClr r="0" g="0" b="0"/>
+        </a:fillRef>
+        <a:effectRef idx="0">
+          <a:scrgbClr r="0" g="0" b="0"/>
+        </a:effectRef>
+        <a:fontRef idx="minor"/>
+      </dsp:style>
+      <dsp:txBody>
+        <a:bodyPr spcFirstLastPara="0" vert="horz" wrap="square" lIns="314515" tIns="50800" rIns="284480" bIns="50800" numCol="1" spcCol="1270" anchor="t" anchorCtr="0">
+          <a:noAutofit/>
+        </a:bodyPr>
+        <a:lstStyle/>
+        <a:p>
+          <a:pPr marL="285750" lvl="1" indent="-285750" algn="l" defTabSz="1377950" rtl="0">
+            <a:lnSpc>
+              <a:spcPct val="90000"/>
+            </a:lnSpc>
+            <a:spcBef>
+              <a:spcPct val="0"/>
+            </a:spcBef>
+            <a:spcAft>
+              <a:spcPct val="20000"/>
+            </a:spcAft>
+            <a:buChar char="••"/>
+          </a:pPr>
+          <a:r>
+            <a:rPr lang="fr-CH" sz="3100" kern="1200" dirty="0" smtClean="0"/>
+            <a:t>Visualiser des images d’un dossier</a:t>
+          </a:r>
+          <a:endParaRPr lang="fr-CH" sz="3100" kern="1200" dirty="0"/>
+        </a:p>
+        <a:p>
+          <a:pPr marL="285750" lvl="1" indent="-285750" algn="l" defTabSz="1377950" rtl="0">
+            <a:lnSpc>
+              <a:spcPct val="90000"/>
+            </a:lnSpc>
+            <a:spcBef>
+              <a:spcPct val="0"/>
+            </a:spcBef>
+            <a:spcAft>
+              <a:spcPct val="20000"/>
+            </a:spcAft>
+            <a:buChar char="••"/>
+          </a:pPr>
+          <a:r>
+            <a:rPr lang="fr-CH" sz="3100" kern="1200" dirty="0" smtClean="0"/>
+            <a:t>Effectuer des actions</a:t>
+          </a:r>
+          <a:endParaRPr lang="fr-CH" sz="3100" kern="1200" dirty="0"/>
+        </a:p>
+      </dsp:txBody>
+      <dsp:txXfrm>
+        <a:off x="0" y="953207"/>
+        <a:ext cx="9905999" cy="972900"/>
+      </dsp:txXfrm>
+    </dsp:sp>
+    <dsp:sp modelId="{2E269CE5-92CF-403D-A997-4B50C9D3BF18}">
+      <dsp:nvSpPr>
+        <dsp:cNvPr id="0" name=""/>
+        <dsp:cNvSpPr/>
+      </dsp:nvSpPr>
+      <dsp:spPr>
+        <a:xfrm>
+          <a:off x="0" y="1926107"/>
+          <a:ext cx="9905999" cy="912600"/>
+        </a:xfrm>
+        <a:prstGeom prst="roundRect">
+          <a:avLst/>
+        </a:prstGeom>
+        <a:solidFill>
+          <a:schemeClr val="accent1">
+            <a:hueOff val="0"/>
+            <a:satOff val="0"/>
+            <a:lumOff val="0"/>
+            <a:alphaOff val="0"/>
+          </a:schemeClr>
+        </a:solidFill>
+        <a:ln w="15875" cap="flat" cmpd="sng" algn="ctr">
+          <a:solidFill>
+            <a:schemeClr val="lt1">
+              <a:hueOff val="0"/>
+              <a:satOff val="0"/>
+              <a:lumOff val="0"/>
+              <a:alphaOff val="0"/>
+            </a:schemeClr>
+          </a:solidFill>
+          <a:prstDash val="solid"/>
+        </a:ln>
+        <a:effectLst/>
+      </dsp:spPr>
+      <dsp:style>
+        <a:lnRef idx="2">
+          <a:scrgbClr r="0" g="0" b="0"/>
+        </a:lnRef>
+        <a:fillRef idx="1">
+          <a:scrgbClr r="0" g="0" b="0"/>
+        </a:fillRef>
+        <a:effectRef idx="0">
+          <a:scrgbClr r="0" g="0" b="0"/>
+        </a:effectRef>
+        <a:fontRef idx="minor">
+          <a:schemeClr val="lt1"/>
+        </a:fontRef>
+      </dsp:style>
+      <dsp:txBody>
+        <a:bodyPr spcFirstLastPara="0" vert="horz" wrap="square" lIns="152400" tIns="152400" rIns="152400" bIns="152400" numCol="1" spcCol="1270" anchor="ctr" anchorCtr="0">
+          <a:noAutofit/>
+        </a:bodyPr>
+        <a:lstStyle/>
+        <a:p>
+          <a:pPr lvl="0" algn="l" defTabSz="1778000" rtl="0">
+            <a:lnSpc>
+              <a:spcPct val="90000"/>
+            </a:lnSpc>
+            <a:spcBef>
+              <a:spcPct val="0"/>
+            </a:spcBef>
+            <a:spcAft>
+              <a:spcPct val="35000"/>
+            </a:spcAft>
+          </a:pPr>
+          <a:r>
+            <a:rPr lang="fr-CH" sz="4000" kern="1200" smtClean="0"/>
+            <a:t>Menu secondaire</a:t>
+          </a:r>
+          <a:endParaRPr lang="fr-CH" sz="4000" kern="1200"/>
+        </a:p>
+      </dsp:txBody>
+      <dsp:txXfrm>
+        <a:off x="44549" y="1970656"/>
+        <a:ext cx="9816901" cy="823502"/>
+      </dsp:txXfrm>
+    </dsp:sp>
+    <dsp:sp modelId="{CF758400-F529-4CEA-AC29-377852BA8113}">
+      <dsp:nvSpPr>
+        <dsp:cNvPr id="0" name=""/>
+        <dsp:cNvSpPr/>
+      </dsp:nvSpPr>
+      <dsp:spPr>
+        <a:xfrm>
+          <a:off x="0" y="2838706"/>
+          <a:ext cx="9905999" cy="662400"/>
+        </a:xfrm>
+        <a:prstGeom prst="rect">
+          <a:avLst/>
+        </a:prstGeom>
+        <a:noFill/>
+        <a:ln>
+          <a:noFill/>
+        </a:ln>
+        <a:effectLst/>
+      </dsp:spPr>
+      <dsp:style>
+        <a:lnRef idx="0">
+          <a:scrgbClr r="0" g="0" b="0"/>
+        </a:lnRef>
+        <a:fillRef idx="0">
+          <a:scrgbClr r="0" g="0" b="0"/>
+        </a:fillRef>
+        <a:effectRef idx="0">
+          <a:scrgbClr r="0" g="0" b="0"/>
+        </a:effectRef>
+        <a:fontRef idx="minor"/>
+      </dsp:style>
+      <dsp:txBody>
+        <a:bodyPr spcFirstLastPara="0" vert="horz" wrap="square" lIns="314515" tIns="50800" rIns="284480" bIns="50800" numCol="1" spcCol="1270" anchor="t" anchorCtr="0">
+          <a:noAutofit/>
+        </a:bodyPr>
+        <a:lstStyle/>
+        <a:p>
+          <a:pPr marL="285750" lvl="1" indent="-285750" algn="l" defTabSz="1377950" rtl="0">
+            <a:lnSpc>
+              <a:spcPct val="90000"/>
+            </a:lnSpc>
+            <a:spcBef>
+              <a:spcPct val="0"/>
+            </a:spcBef>
+            <a:spcAft>
+              <a:spcPct val="20000"/>
+            </a:spcAft>
+            <a:buChar char="••"/>
+          </a:pPr>
+          <a:r>
+            <a:rPr lang="fr-CH" sz="3100" kern="1200" smtClean="0"/>
+            <a:t>Changer de dossier</a:t>
+          </a:r>
+          <a:endParaRPr lang="fr-CH" sz="3100" kern="1200"/>
+        </a:p>
+      </dsp:txBody>
+      <dsp:txXfrm>
+        <a:off x="0" y="2838706"/>
+        <a:ext cx="9905999" cy="662400"/>
+      </dsp:txXfrm>
+    </dsp:sp>
   </dsp:spTree>
 </dsp:drawing>
 </file>
@@ -6167,6 +7800,696 @@
       <dsp:cNvGrpSpPr/>
     </dsp:nvGrpSpPr>
     <dsp:grpSpPr/>
+    <dsp:sp modelId="{522DBC7A-62BF-4688-A5DD-D9D832068723}">
+      <dsp:nvSpPr>
+        <dsp:cNvPr id="0" name=""/>
+        <dsp:cNvSpPr/>
+      </dsp:nvSpPr>
+      <dsp:spPr>
+        <a:xfrm>
+          <a:off x="0" y="97419"/>
+          <a:ext cx="9905999" cy="387855"/>
+        </a:xfrm>
+        <a:prstGeom prst="roundRect">
+          <a:avLst/>
+        </a:prstGeom>
+        <a:solidFill>
+          <a:schemeClr val="accent1">
+            <a:hueOff val="0"/>
+            <a:satOff val="0"/>
+            <a:lumOff val="0"/>
+            <a:alphaOff val="0"/>
+          </a:schemeClr>
+        </a:solidFill>
+        <a:ln w="15875" cap="flat" cmpd="sng" algn="ctr">
+          <a:solidFill>
+            <a:schemeClr val="lt1">
+              <a:hueOff val="0"/>
+              <a:satOff val="0"/>
+              <a:lumOff val="0"/>
+              <a:alphaOff val="0"/>
+            </a:schemeClr>
+          </a:solidFill>
+          <a:prstDash val="solid"/>
+        </a:ln>
+        <a:effectLst/>
+      </dsp:spPr>
+      <dsp:style>
+        <a:lnRef idx="2">
+          <a:scrgbClr r="0" g="0" b="0"/>
+        </a:lnRef>
+        <a:fillRef idx="1">
+          <a:scrgbClr r="0" g="0" b="0"/>
+        </a:fillRef>
+        <a:effectRef idx="0">
+          <a:scrgbClr r="0" g="0" b="0"/>
+        </a:effectRef>
+        <a:fontRef idx="minor">
+          <a:schemeClr val="lt1"/>
+        </a:fontRef>
+      </dsp:style>
+      <dsp:txBody>
+        <a:bodyPr spcFirstLastPara="0" vert="horz" wrap="square" lIns="64770" tIns="64770" rIns="64770" bIns="64770" numCol="1" spcCol="1270" anchor="ctr" anchorCtr="0">
+          <a:noAutofit/>
+        </a:bodyPr>
+        <a:lstStyle/>
+        <a:p>
+          <a:pPr lvl="0" algn="l" defTabSz="755650" rtl="0">
+            <a:lnSpc>
+              <a:spcPct val="90000"/>
+            </a:lnSpc>
+            <a:spcBef>
+              <a:spcPct val="0"/>
+            </a:spcBef>
+            <a:spcAft>
+              <a:spcPct val="35000"/>
+            </a:spcAft>
+          </a:pPr>
+          <a:r>
+            <a:rPr lang="fr-CH" sz="1700" kern="1200" dirty="0" smtClean="0"/>
+            <a:t>Zoom</a:t>
+          </a:r>
+          <a:endParaRPr lang="fr-CH" sz="1700" kern="1200" dirty="0"/>
+        </a:p>
+      </dsp:txBody>
+      <dsp:txXfrm>
+        <a:off x="18934" y="116353"/>
+        <a:ext cx="9868131" cy="349987"/>
+      </dsp:txXfrm>
+    </dsp:sp>
+    <dsp:sp modelId="{00E4CDF2-9FF2-49ED-938F-F0CE078C5E10}">
+      <dsp:nvSpPr>
+        <dsp:cNvPr id="0" name=""/>
+        <dsp:cNvSpPr/>
+      </dsp:nvSpPr>
+      <dsp:spPr>
+        <a:xfrm>
+          <a:off x="0" y="485274"/>
+          <a:ext cx="9905999" cy="281520"/>
+        </a:xfrm>
+        <a:prstGeom prst="rect">
+          <a:avLst/>
+        </a:prstGeom>
+        <a:noFill/>
+        <a:ln>
+          <a:noFill/>
+        </a:ln>
+        <a:effectLst/>
+      </dsp:spPr>
+      <dsp:style>
+        <a:lnRef idx="0">
+          <a:scrgbClr r="0" g="0" b="0"/>
+        </a:lnRef>
+        <a:fillRef idx="0">
+          <a:scrgbClr r="0" g="0" b="0"/>
+        </a:fillRef>
+        <a:effectRef idx="0">
+          <a:scrgbClr r="0" g="0" b="0"/>
+        </a:effectRef>
+        <a:fontRef idx="minor"/>
+      </dsp:style>
+      <dsp:txBody>
+        <a:bodyPr spcFirstLastPara="0" vert="horz" wrap="square" lIns="314515" tIns="21590" rIns="120904" bIns="21590" numCol="1" spcCol="1270" anchor="t" anchorCtr="0">
+          <a:noAutofit/>
+        </a:bodyPr>
+        <a:lstStyle/>
+        <a:p>
+          <a:pPr marL="114300" lvl="1" indent="-114300" algn="l" defTabSz="577850" rtl="0">
+            <a:lnSpc>
+              <a:spcPct val="90000"/>
+            </a:lnSpc>
+            <a:spcBef>
+              <a:spcPct val="0"/>
+            </a:spcBef>
+            <a:spcAft>
+              <a:spcPct val="20000"/>
+            </a:spcAft>
+            <a:buChar char="••"/>
+          </a:pPr>
+          <a:r>
+            <a:rPr lang="fr-CH" sz="1300" kern="1200" dirty="0" smtClean="0"/>
+            <a:t>Permet d’agrandir un portion de l’image</a:t>
+          </a:r>
+          <a:endParaRPr lang="fr-CH" sz="1300" kern="1200" dirty="0"/>
+        </a:p>
+      </dsp:txBody>
+      <dsp:txXfrm>
+        <a:off x="0" y="485274"/>
+        <a:ext cx="9905999" cy="281520"/>
+      </dsp:txXfrm>
+    </dsp:sp>
+    <dsp:sp modelId="{1D558807-FBC5-452C-835F-46C4456F6282}">
+      <dsp:nvSpPr>
+        <dsp:cNvPr id="0" name=""/>
+        <dsp:cNvSpPr/>
+      </dsp:nvSpPr>
+      <dsp:spPr>
+        <a:xfrm>
+          <a:off x="0" y="766794"/>
+          <a:ext cx="9905999" cy="387855"/>
+        </a:xfrm>
+        <a:prstGeom prst="roundRect">
+          <a:avLst/>
+        </a:prstGeom>
+        <a:solidFill>
+          <a:schemeClr val="accent1">
+            <a:hueOff val="0"/>
+            <a:satOff val="0"/>
+            <a:lumOff val="0"/>
+            <a:alphaOff val="0"/>
+          </a:schemeClr>
+        </a:solidFill>
+        <a:ln w="15875" cap="flat" cmpd="sng" algn="ctr">
+          <a:solidFill>
+            <a:schemeClr val="lt1">
+              <a:hueOff val="0"/>
+              <a:satOff val="0"/>
+              <a:lumOff val="0"/>
+              <a:alphaOff val="0"/>
+            </a:schemeClr>
+          </a:solidFill>
+          <a:prstDash val="solid"/>
+        </a:ln>
+        <a:effectLst/>
+      </dsp:spPr>
+      <dsp:style>
+        <a:lnRef idx="2">
+          <a:scrgbClr r="0" g="0" b="0"/>
+        </a:lnRef>
+        <a:fillRef idx="1">
+          <a:scrgbClr r="0" g="0" b="0"/>
+        </a:fillRef>
+        <a:effectRef idx="0">
+          <a:scrgbClr r="0" g="0" b="0"/>
+        </a:effectRef>
+        <a:fontRef idx="minor">
+          <a:schemeClr val="lt1"/>
+        </a:fontRef>
+      </dsp:style>
+      <dsp:txBody>
+        <a:bodyPr spcFirstLastPara="0" vert="horz" wrap="square" lIns="64770" tIns="64770" rIns="64770" bIns="64770" numCol="1" spcCol="1270" anchor="ctr" anchorCtr="0">
+          <a:noAutofit/>
+        </a:bodyPr>
+        <a:lstStyle/>
+        <a:p>
+          <a:pPr lvl="0" algn="l" defTabSz="755650" rtl="0">
+            <a:lnSpc>
+              <a:spcPct val="90000"/>
+            </a:lnSpc>
+            <a:spcBef>
+              <a:spcPct val="0"/>
+            </a:spcBef>
+            <a:spcAft>
+              <a:spcPct val="35000"/>
+            </a:spcAft>
+          </a:pPr>
+          <a:r>
+            <a:rPr lang="fr-CH" sz="1700" kern="1200" dirty="0" err="1" smtClean="0"/>
+            <a:t>Unzoom</a:t>
+          </a:r>
+          <a:endParaRPr lang="fr-CH" sz="1700" kern="1200" dirty="0"/>
+        </a:p>
+      </dsp:txBody>
+      <dsp:txXfrm>
+        <a:off x="18934" y="785728"/>
+        <a:ext cx="9868131" cy="349987"/>
+      </dsp:txXfrm>
+    </dsp:sp>
+    <dsp:sp modelId="{AF54CCFA-05DD-4460-AD87-92B78C9F96F7}">
+      <dsp:nvSpPr>
+        <dsp:cNvPr id="0" name=""/>
+        <dsp:cNvSpPr/>
+      </dsp:nvSpPr>
+      <dsp:spPr>
+        <a:xfrm>
+          <a:off x="0" y="1154649"/>
+          <a:ext cx="9905999" cy="281520"/>
+        </a:xfrm>
+        <a:prstGeom prst="rect">
+          <a:avLst/>
+        </a:prstGeom>
+        <a:noFill/>
+        <a:ln>
+          <a:noFill/>
+        </a:ln>
+        <a:effectLst/>
+      </dsp:spPr>
+      <dsp:style>
+        <a:lnRef idx="0">
+          <a:scrgbClr r="0" g="0" b="0"/>
+        </a:lnRef>
+        <a:fillRef idx="0">
+          <a:scrgbClr r="0" g="0" b="0"/>
+        </a:fillRef>
+        <a:effectRef idx="0">
+          <a:scrgbClr r="0" g="0" b="0"/>
+        </a:effectRef>
+        <a:fontRef idx="minor"/>
+      </dsp:style>
+      <dsp:txBody>
+        <a:bodyPr spcFirstLastPara="0" vert="horz" wrap="square" lIns="314515" tIns="21590" rIns="120904" bIns="21590" numCol="1" spcCol="1270" anchor="t" anchorCtr="0">
+          <a:noAutofit/>
+        </a:bodyPr>
+        <a:lstStyle/>
+        <a:p>
+          <a:pPr marL="114300" lvl="1" indent="-114300" algn="l" defTabSz="577850" rtl="0">
+            <a:lnSpc>
+              <a:spcPct val="90000"/>
+            </a:lnSpc>
+            <a:spcBef>
+              <a:spcPct val="0"/>
+            </a:spcBef>
+            <a:spcAft>
+              <a:spcPct val="20000"/>
+            </a:spcAft>
+            <a:buChar char="••"/>
+          </a:pPr>
+          <a:r>
+            <a:rPr lang="fr-CH" sz="1300" kern="1200" dirty="0" smtClean="0"/>
+            <a:t>Permet de reculer</a:t>
+          </a:r>
+          <a:endParaRPr lang="fr-CH" sz="1300" kern="1200" dirty="0"/>
+        </a:p>
+      </dsp:txBody>
+      <dsp:txXfrm>
+        <a:off x="0" y="1154649"/>
+        <a:ext cx="9905999" cy="281520"/>
+      </dsp:txXfrm>
+    </dsp:sp>
+    <dsp:sp modelId="{7AA5FD12-5B88-4E42-951D-D8CB4B46D4C5}">
+      <dsp:nvSpPr>
+        <dsp:cNvPr id="0" name=""/>
+        <dsp:cNvSpPr/>
+      </dsp:nvSpPr>
+      <dsp:spPr>
+        <a:xfrm>
+          <a:off x="0" y="1436169"/>
+          <a:ext cx="9905999" cy="387855"/>
+        </a:xfrm>
+        <a:prstGeom prst="roundRect">
+          <a:avLst/>
+        </a:prstGeom>
+        <a:solidFill>
+          <a:schemeClr val="accent1">
+            <a:hueOff val="0"/>
+            <a:satOff val="0"/>
+            <a:lumOff val="0"/>
+            <a:alphaOff val="0"/>
+          </a:schemeClr>
+        </a:solidFill>
+        <a:ln w="15875" cap="flat" cmpd="sng" algn="ctr">
+          <a:solidFill>
+            <a:schemeClr val="lt1">
+              <a:hueOff val="0"/>
+              <a:satOff val="0"/>
+              <a:lumOff val="0"/>
+              <a:alphaOff val="0"/>
+            </a:schemeClr>
+          </a:solidFill>
+          <a:prstDash val="solid"/>
+        </a:ln>
+        <a:effectLst/>
+      </dsp:spPr>
+      <dsp:style>
+        <a:lnRef idx="2">
+          <a:scrgbClr r="0" g="0" b="0"/>
+        </a:lnRef>
+        <a:fillRef idx="1">
+          <a:scrgbClr r="0" g="0" b="0"/>
+        </a:fillRef>
+        <a:effectRef idx="0">
+          <a:scrgbClr r="0" g="0" b="0"/>
+        </a:effectRef>
+        <a:fontRef idx="minor">
+          <a:schemeClr val="lt1"/>
+        </a:fontRef>
+      </dsp:style>
+      <dsp:txBody>
+        <a:bodyPr spcFirstLastPara="0" vert="horz" wrap="square" lIns="64770" tIns="64770" rIns="64770" bIns="64770" numCol="1" spcCol="1270" anchor="ctr" anchorCtr="0">
+          <a:noAutofit/>
+        </a:bodyPr>
+        <a:lstStyle/>
+        <a:p>
+          <a:pPr lvl="0" algn="l" defTabSz="755650" rtl="0">
+            <a:lnSpc>
+              <a:spcPct val="90000"/>
+            </a:lnSpc>
+            <a:spcBef>
+              <a:spcPct val="0"/>
+            </a:spcBef>
+            <a:spcAft>
+              <a:spcPct val="35000"/>
+            </a:spcAft>
+          </a:pPr>
+          <a:r>
+            <a:rPr lang="fr-CH" sz="1700" kern="1200" dirty="0" smtClean="0"/>
+            <a:t>Scroll</a:t>
+          </a:r>
+          <a:endParaRPr lang="fr-CH" sz="1700" kern="1200" dirty="0"/>
+        </a:p>
+      </dsp:txBody>
+      <dsp:txXfrm>
+        <a:off x="18934" y="1455103"/>
+        <a:ext cx="9868131" cy="349987"/>
+      </dsp:txXfrm>
+    </dsp:sp>
+    <dsp:sp modelId="{FD838E25-F184-4F66-B55F-92A7F788F069}">
+      <dsp:nvSpPr>
+        <dsp:cNvPr id="0" name=""/>
+        <dsp:cNvSpPr/>
+      </dsp:nvSpPr>
+      <dsp:spPr>
+        <a:xfrm>
+          <a:off x="0" y="1824024"/>
+          <a:ext cx="9905999" cy="281520"/>
+        </a:xfrm>
+        <a:prstGeom prst="rect">
+          <a:avLst/>
+        </a:prstGeom>
+        <a:noFill/>
+        <a:ln>
+          <a:noFill/>
+        </a:ln>
+        <a:effectLst/>
+      </dsp:spPr>
+      <dsp:style>
+        <a:lnRef idx="0">
+          <a:scrgbClr r="0" g="0" b="0"/>
+        </a:lnRef>
+        <a:fillRef idx="0">
+          <a:scrgbClr r="0" g="0" b="0"/>
+        </a:fillRef>
+        <a:effectRef idx="0">
+          <a:scrgbClr r="0" g="0" b="0"/>
+        </a:effectRef>
+        <a:fontRef idx="minor"/>
+      </dsp:style>
+      <dsp:txBody>
+        <a:bodyPr spcFirstLastPara="0" vert="horz" wrap="square" lIns="314515" tIns="21590" rIns="120904" bIns="21590" numCol="1" spcCol="1270" anchor="t" anchorCtr="0">
+          <a:noAutofit/>
+        </a:bodyPr>
+        <a:lstStyle/>
+        <a:p>
+          <a:pPr marL="114300" lvl="1" indent="-114300" algn="l" defTabSz="577850" rtl="0">
+            <a:lnSpc>
+              <a:spcPct val="90000"/>
+            </a:lnSpc>
+            <a:spcBef>
+              <a:spcPct val="0"/>
+            </a:spcBef>
+            <a:spcAft>
+              <a:spcPct val="20000"/>
+            </a:spcAft>
+            <a:buChar char="••"/>
+          </a:pPr>
+          <a:r>
+            <a:rPr lang="fr-CH" sz="1300" kern="1200" dirty="0" smtClean="0"/>
+            <a:t>Permet de se déplacer dans l’image</a:t>
+          </a:r>
+          <a:endParaRPr lang="fr-CH" sz="1300" kern="1200" dirty="0"/>
+        </a:p>
+      </dsp:txBody>
+      <dsp:txXfrm>
+        <a:off x="0" y="1824024"/>
+        <a:ext cx="9905999" cy="281520"/>
+      </dsp:txXfrm>
+    </dsp:sp>
+    <dsp:sp modelId="{AA192DF2-7B36-488A-8EA5-2B0223F6731E}">
+      <dsp:nvSpPr>
+        <dsp:cNvPr id="0" name=""/>
+        <dsp:cNvSpPr/>
+      </dsp:nvSpPr>
+      <dsp:spPr>
+        <a:xfrm>
+          <a:off x="0" y="2105544"/>
+          <a:ext cx="9905999" cy="387855"/>
+        </a:xfrm>
+        <a:prstGeom prst="roundRect">
+          <a:avLst/>
+        </a:prstGeom>
+        <a:solidFill>
+          <a:schemeClr val="accent1">
+            <a:hueOff val="0"/>
+            <a:satOff val="0"/>
+            <a:lumOff val="0"/>
+            <a:alphaOff val="0"/>
+          </a:schemeClr>
+        </a:solidFill>
+        <a:ln w="15875" cap="flat" cmpd="sng" algn="ctr">
+          <a:solidFill>
+            <a:schemeClr val="lt1">
+              <a:hueOff val="0"/>
+              <a:satOff val="0"/>
+              <a:lumOff val="0"/>
+              <a:alphaOff val="0"/>
+            </a:schemeClr>
+          </a:solidFill>
+          <a:prstDash val="solid"/>
+        </a:ln>
+        <a:effectLst/>
+      </dsp:spPr>
+      <dsp:style>
+        <a:lnRef idx="2">
+          <a:scrgbClr r="0" g="0" b="0"/>
+        </a:lnRef>
+        <a:fillRef idx="1">
+          <a:scrgbClr r="0" g="0" b="0"/>
+        </a:fillRef>
+        <a:effectRef idx="0">
+          <a:scrgbClr r="0" g="0" b="0"/>
+        </a:effectRef>
+        <a:fontRef idx="minor">
+          <a:schemeClr val="lt1"/>
+        </a:fontRef>
+      </dsp:style>
+      <dsp:txBody>
+        <a:bodyPr spcFirstLastPara="0" vert="horz" wrap="square" lIns="64770" tIns="64770" rIns="64770" bIns="64770" numCol="1" spcCol="1270" anchor="ctr" anchorCtr="0">
+          <a:noAutofit/>
+        </a:bodyPr>
+        <a:lstStyle/>
+        <a:p>
+          <a:pPr lvl="0" algn="l" defTabSz="755650" rtl="0">
+            <a:lnSpc>
+              <a:spcPct val="90000"/>
+            </a:lnSpc>
+            <a:spcBef>
+              <a:spcPct val="0"/>
+            </a:spcBef>
+            <a:spcAft>
+              <a:spcPct val="35000"/>
+            </a:spcAft>
+          </a:pPr>
+          <a:r>
+            <a:rPr lang="fr-CH" sz="1700" kern="1200" dirty="0" smtClean="0"/>
+            <a:t>Watch</a:t>
+          </a:r>
+          <a:endParaRPr lang="fr-CH" sz="1700" kern="1200" dirty="0"/>
+        </a:p>
+      </dsp:txBody>
+      <dsp:txXfrm>
+        <a:off x="18934" y="2124478"/>
+        <a:ext cx="9868131" cy="349987"/>
+      </dsp:txXfrm>
+    </dsp:sp>
+    <dsp:sp modelId="{380CBBCF-B408-458A-AFC2-5D9221427B97}">
+      <dsp:nvSpPr>
+        <dsp:cNvPr id="0" name=""/>
+        <dsp:cNvSpPr/>
+      </dsp:nvSpPr>
+      <dsp:spPr>
+        <a:xfrm>
+          <a:off x="0" y="2493399"/>
+          <a:ext cx="9905999" cy="281520"/>
+        </a:xfrm>
+        <a:prstGeom prst="rect">
+          <a:avLst/>
+        </a:prstGeom>
+        <a:noFill/>
+        <a:ln>
+          <a:noFill/>
+        </a:ln>
+        <a:effectLst/>
+      </dsp:spPr>
+      <dsp:style>
+        <a:lnRef idx="0">
+          <a:scrgbClr r="0" g="0" b="0"/>
+        </a:lnRef>
+        <a:fillRef idx="0">
+          <a:scrgbClr r="0" g="0" b="0"/>
+        </a:fillRef>
+        <a:effectRef idx="0">
+          <a:scrgbClr r="0" g="0" b="0"/>
+        </a:effectRef>
+        <a:fontRef idx="minor"/>
+      </dsp:style>
+      <dsp:txBody>
+        <a:bodyPr spcFirstLastPara="0" vert="horz" wrap="square" lIns="314515" tIns="21590" rIns="120904" bIns="21590" numCol="1" spcCol="1270" anchor="t" anchorCtr="0">
+          <a:noAutofit/>
+        </a:bodyPr>
+        <a:lstStyle/>
+        <a:p>
+          <a:pPr marL="114300" lvl="1" indent="-114300" algn="l" defTabSz="577850" rtl="0">
+            <a:lnSpc>
+              <a:spcPct val="90000"/>
+            </a:lnSpc>
+            <a:spcBef>
+              <a:spcPct val="0"/>
+            </a:spcBef>
+            <a:spcAft>
+              <a:spcPct val="20000"/>
+            </a:spcAft>
+            <a:buChar char="••"/>
+          </a:pPr>
+          <a:r>
+            <a:rPr lang="fr-CH" sz="1300" kern="1200" dirty="0" smtClean="0"/>
+            <a:t>Permet de regarder un élément</a:t>
+          </a:r>
+          <a:endParaRPr lang="fr-CH" sz="1300" kern="1200" dirty="0"/>
+        </a:p>
+      </dsp:txBody>
+      <dsp:txXfrm>
+        <a:off x="0" y="2493399"/>
+        <a:ext cx="9905999" cy="281520"/>
+      </dsp:txXfrm>
+    </dsp:sp>
+    <dsp:sp modelId="{801D391A-848D-41DE-B4D3-749409F1EF93}">
+      <dsp:nvSpPr>
+        <dsp:cNvPr id="0" name=""/>
+        <dsp:cNvSpPr/>
+      </dsp:nvSpPr>
+      <dsp:spPr>
+        <a:xfrm>
+          <a:off x="0" y="2774919"/>
+          <a:ext cx="9905999" cy="387855"/>
+        </a:xfrm>
+        <a:prstGeom prst="roundRect">
+          <a:avLst/>
+        </a:prstGeom>
+        <a:solidFill>
+          <a:schemeClr val="accent1">
+            <a:hueOff val="0"/>
+            <a:satOff val="0"/>
+            <a:lumOff val="0"/>
+            <a:alphaOff val="0"/>
+          </a:schemeClr>
+        </a:solidFill>
+        <a:ln w="15875" cap="flat" cmpd="sng" algn="ctr">
+          <a:solidFill>
+            <a:schemeClr val="lt1">
+              <a:hueOff val="0"/>
+              <a:satOff val="0"/>
+              <a:lumOff val="0"/>
+              <a:alphaOff val="0"/>
+            </a:schemeClr>
+          </a:solidFill>
+          <a:prstDash val="solid"/>
+        </a:ln>
+        <a:effectLst/>
+      </dsp:spPr>
+      <dsp:style>
+        <a:lnRef idx="2">
+          <a:scrgbClr r="0" g="0" b="0"/>
+        </a:lnRef>
+        <a:fillRef idx="1">
+          <a:scrgbClr r="0" g="0" b="0"/>
+        </a:fillRef>
+        <a:effectRef idx="0">
+          <a:scrgbClr r="0" g="0" b="0"/>
+        </a:effectRef>
+        <a:fontRef idx="minor">
+          <a:schemeClr val="lt1"/>
+        </a:fontRef>
+      </dsp:style>
+      <dsp:txBody>
+        <a:bodyPr spcFirstLastPara="0" vert="horz" wrap="square" lIns="64770" tIns="64770" rIns="64770" bIns="64770" numCol="1" spcCol="1270" anchor="ctr" anchorCtr="0">
+          <a:noAutofit/>
+        </a:bodyPr>
+        <a:lstStyle/>
+        <a:p>
+          <a:pPr lvl="0" algn="l" defTabSz="755650" rtl="0">
+            <a:lnSpc>
+              <a:spcPct val="90000"/>
+            </a:lnSpc>
+            <a:spcBef>
+              <a:spcPct val="0"/>
+            </a:spcBef>
+            <a:spcAft>
+              <a:spcPct val="35000"/>
+            </a:spcAft>
+          </a:pPr>
+          <a:r>
+            <a:rPr lang="fr-CH" sz="1700" kern="1200" dirty="0" smtClean="0"/>
+            <a:t>Select</a:t>
+          </a:r>
+          <a:endParaRPr lang="fr-CH" sz="1700" kern="1200" dirty="0"/>
+        </a:p>
+      </dsp:txBody>
+      <dsp:txXfrm>
+        <a:off x="18934" y="2793853"/>
+        <a:ext cx="9868131" cy="349987"/>
+      </dsp:txXfrm>
+    </dsp:sp>
+    <dsp:sp modelId="{49B9DF12-9398-4471-9250-4C285CF14218}">
+      <dsp:nvSpPr>
+        <dsp:cNvPr id="0" name=""/>
+        <dsp:cNvSpPr/>
+      </dsp:nvSpPr>
+      <dsp:spPr>
+        <a:xfrm>
+          <a:off x="0" y="3162774"/>
+          <a:ext cx="9905999" cy="281520"/>
+        </a:xfrm>
+        <a:prstGeom prst="rect">
+          <a:avLst/>
+        </a:prstGeom>
+        <a:noFill/>
+        <a:ln>
+          <a:noFill/>
+        </a:ln>
+        <a:effectLst/>
+      </dsp:spPr>
+      <dsp:style>
+        <a:lnRef idx="0">
+          <a:scrgbClr r="0" g="0" b="0"/>
+        </a:lnRef>
+        <a:fillRef idx="0">
+          <a:scrgbClr r="0" g="0" b="0"/>
+        </a:fillRef>
+        <a:effectRef idx="0">
+          <a:scrgbClr r="0" g="0" b="0"/>
+        </a:effectRef>
+        <a:fontRef idx="minor"/>
+      </dsp:style>
+      <dsp:txBody>
+        <a:bodyPr spcFirstLastPara="0" vert="horz" wrap="square" lIns="314515" tIns="21590" rIns="120904" bIns="21590" numCol="1" spcCol="1270" anchor="t" anchorCtr="0">
+          <a:noAutofit/>
+        </a:bodyPr>
+        <a:lstStyle/>
+        <a:p>
+          <a:pPr marL="114300" lvl="1" indent="-114300" algn="l" defTabSz="577850" rtl="0">
+            <a:lnSpc>
+              <a:spcPct val="90000"/>
+            </a:lnSpc>
+            <a:spcBef>
+              <a:spcPct val="0"/>
+            </a:spcBef>
+            <a:spcAft>
+              <a:spcPct val="20000"/>
+            </a:spcAft>
+            <a:buChar char="••"/>
+          </a:pPr>
+          <a:r>
+            <a:rPr lang="fr-CH" sz="1300" kern="1200" dirty="0" smtClean="0"/>
+            <a:t>Permet de sélectionner un élément</a:t>
+          </a:r>
+          <a:endParaRPr lang="fr-CH" sz="1300" kern="1200" dirty="0"/>
+        </a:p>
+      </dsp:txBody>
+      <dsp:txXfrm>
+        <a:off x="0" y="3162774"/>
+        <a:ext cx="9905999" cy="281520"/>
+      </dsp:txXfrm>
+    </dsp:sp>
   </dsp:spTree>
 </dsp:drawing>
 </file>
@@ -6179,6 +8502,314 @@
       <dsp:cNvGrpSpPr/>
     </dsp:nvGrpSpPr>
     <dsp:grpSpPr/>
+    <dsp:sp modelId="{2AAA2E23-6F4D-42E5-A641-5C3B8047E137}">
+      <dsp:nvSpPr>
+        <dsp:cNvPr id="0" name=""/>
+        <dsp:cNvSpPr/>
+      </dsp:nvSpPr>
+      <dsp:spPr>
+        <a:xfrm>
+          <a:off x="0" y="22607"/>
+          <a:ext cx="9905999" cy="798524"/>
+        </a:xfrm>
+        <a:prstGeom prst="roundRect">
+          <a:avLst/>
+        </a:prstGeom>
+        <a:solidFill>
+          <a:schemeClr val="accent1">
+            <a:hueOff val="0"/>
+            <a:satOff val="0"/>
+            <a:lumOff val="0"/>
+            <a:alphaOff val="0"/>
+          </a:schemeClr>
+        </a:solidFill>
+        <a:ln w="15875" cap="flat" cmpd="sng" algn="ctr">
+          <a:solidFill>
+            <a:schemeClr val="lt1">
+              <a:hueOff val="0"/>
+              <a:satOff val="0"/>
+              <a:lumOff val="0"/>
+              <a:alphaOff val="0"/>
+            </a:schemeClr>
+          </a:solidFill>
+          <a:prstDash val="solid"/>
+        </a:ln>
+        <a:effectLst/>
+      </dsp:spPr>
+      <dsp:style>
+        <a:lnRef idx="2">
+          <a:scrgbClr r="0" g="0" b="0"/>
+        </a:lnRef>
+        <a:fillRef idx="1">
+          <a:scrgbClr r="0" g="0" b="0"/>
+        </a:fillRef>
+        <a:effectRef idx="0">
+          <a:scrgbClr r="0" g="0" b="0"/>
+        </a:effectRef>
+        <a:fontRef idx="minor">
+          <a:schemeClr val="lt1"/>
+        </a:fontRef>
+      </dsp:style>
+      <dsp:txBody>
+        <a:bodyPr spcFirstLastPara="0" vert="horz" wrap="square" lIns="133350" tIns="133350" rIns="133350" bIns="133350" numCol="1" spcCol="1270" anchor="ctr" anchorCtr="0">
+          <a:noAutofit/>
+        </a:bodyPr>
+        <a:lstStyle/>
+        <a:p>
+          <a:pPr lvl="0" algn="l" defTabSz="1555750" rtl="0">
+            <a:lnSpc>
+              <a:spcPct val="90000"/>
+            </a:lnSpc>
+            <a:spcBef>
+              <a:spcPct val="0"/>
+            </a:spcBef>
+            <a:spcAft>
+              <a:spcPct val="35000"/>
+            </a:spcAft>
+          </a:pPr>
+          <a:r>
+            <a:rPr lang="fr-CH" sz="3500" kern="1200" smtClean="0"/>
+            <a:t>Gestions des erreurs</a:t>
+          </a:r>
+          <a:endParaRPr lang="fr-CH" sz="3500" kern="1200"/>
+        </a:p>
+      </dsp:txBody>
+      <dsp:txXfrm>
+        <a:off x="38981" y="61588"/>
+        <a:ext cx="9828037" cy="720562"/>
+      </dsp:txXfrm>
+    </dsp:sp>
+    <dsp:sp modelId="{A05AB10D-CE9E-4740-9961-7CA2052E4C39}">
+      <dsp:nvSpPr>
+        <dsp:cNvPr id="0" name=""/>
+        <dsp:cNvSpPr/>
+      </dsp:nvSpPr>
+      <dsp:spPr>
+        <a:xfrm>
+          <a:off x="0" y="921932"/>
+          <a:ext cx="9905999" cy="798524"/>
+        </a:xfrm>
+        <a:prstGeom prst="roundRect">
+          <a:avLst/>
+        </a:prstGeom>
+        <a:solidFill>
+          <a:schemeClr val="accent1">
+            <a:hueOff val="0"/>
+            <a:satOff val="0"/>
+            <a:lumOff val="0"/>
+            <a:alphaOff val="0"/>
+          </a:schemeClr>
+        </a:solidFill>
+        <a:ln w="15875" cap="flat" cmpd="sng" algn="ctr">
+          <a:solidFill>
+            <a:schemeClr val="lt1">
+              <a:hueOff val="0"/>
+              <a:satOff val="0"/>
+              <a:lumOff val="0"/>
+              <a:alphaOff val="0"/>
+            </a:schemeClr>
+          </a:solidFill>
+          <a:prstDash val="solid"/>
+        </a:ln>
+        <a:effectLst/>
+      </dsp:spPr>
+      <dsp:style>
+        <a:lnRef idx="2">
+          <a:scrgbClr r="0" g="0" b="0"/>
+        </a:lnRef>
+        <a:fillRef idx="1">
+          <a:scrgbClr r="0" g="0" b="0"/>
+        </a:fillRef>
+        <a:effectRef idx="0">
+          <a:scrgbClr r="0" g="0" b="0"/>
+        </a:effectRef>
+        <a:fontRef idx="minor">
+          <a:schemeClr val="lt1"/>
+        </a:fontRef>
+      </dsp:style>
+      <dsp:txBody>
+        <a:bodyPr spcFirstLastPara="0" vert="horz" wrap="square" lIns="133350" tIns="133350" rIns="133350" bIns="133350" numCol="1" spcCol="1270" anchor="ctr" anchorCtr="0">
+          <a:noAutofit/>
+        </a:bodyPr>
+        <a:lstStyle/>
+        <a:p>
+          <a:pPr lvl="0" algn="l" defTabSz="1555750" rtl="0">
+            <a:lnSpc>
+              <a:spcPct val="90000"/>
+            </a:lnSpc>
+            <a:spcBef>
+              <a:spcPct val="0"/>
+            </a:spcBef>
+            <a:spcAft>
+              <a:spcPct val="35000"/>
+            </a:spcAft>
+          </a:pPr>
+          <a:r>
+            <a:rPr lang="fr-CH" sz="3500" kern="1200" smtClean="0"/>
+            <a:t>Corrections des bugs</a:t>
+          </a:r>
+          <a:endParaRPr lang="fr-CH" sz="3500" kern="1200"/>
+        </a:p>
+      </dsp:txBody>
+      <dsp:txXfrm>
+        <a:off x="38981" y="960913"/>
+        <a:ext cx="9828037" cy="720562"/>
+      </dsp:txXfrm>
+    </dsp:sp>
+    <dsp:sp modelId="{7530D3B1-44E6-4305-A75F-5317E8518830}">
+      <dsp:nvSpPr>
+        <dsp:cNvPr id="0" name=""/>
+        <dsp:cNvSpPr/>
+      </dsp:nvSpPr>
+      <dsp:spPr>
+        <a:xfrm>
+          <a:off x="0" y="1821257"/>
+          <a:ext cx="9905999" cy="798524"/>
+        </a:xfrm>
+        <a:prstGeom prst="roundRect">
+          <a:avLst/>
+        </a:prstGeom>
+        <a:solidFill>
+          <a:schemeClr val="accent1">
+            <a:hueOff val="0"/>
+            <a:satOff val="0"/>
+            <a:lumOff val="0"/>
+            <a:alphaOff val="0"/>
+          </a:schemeClr>
+        </a:solidFill>
+        <a:ln w="15875" cap="flat" cmpd="sng" algn="ctr">
+          <a:solidFill>
+            <a:schemeClr val="lt1">
+              <a:hueOff val="0"/>
+              <a:satOff val="0"/>
+              <a:lumOff val="0"/>
+              <a:alphaOff val="0"/>
+            </a:schemeClr>
+          </a:solidFill>
+          <a:prstDash val="solid"/>
+        </a:ln>
+        <a:effectLst/>
+      </dsp:spPr>
+      <dsp:style>
+        <a:lnRef idx="2">
+          <a:scrgbClr r="0" g="0" b="0"/>
+        </a:lnRef>
+        <a:fillRef idx="1">
+          <a:scrgbClr r="0" g="0" b="0"/>
+        </a:fillRef>
+        <a:effectRef idx="0">
+          <a:scrgbClr r="0" g="0" b="0"/>
+        </a:effectRef>
+        <a:fontRef idx="minor">
+          <a:schemeClr val="lt1"/>
+        </a:fontRef>
+      </dsp:style>
+      <dsp:txBody>
+        <a:bodyPr spcFirstLastPara="0" vert="horz" wrap="square" lIns="133350" tIns="133350" rIns="133350" bIns="133350" numCol="1" spcCol="1270" anchor="ctr" anchorCtr="0">
+          <a:noAutofit/>
+        </a:bodyPr>
+        <a:lstStyle/>
+        <a:p>
+          <a:pPr lvl="0" algn="l" defTabSz="1555750" rtl="0">
+            <a:lnSpc>
+              <a:spcPct val="90000"/>
+            </a:lnSpc>
+            <a:spcBef>
+              <a:spcPct val="0"/>
+            </a:spcBef>
+            <a:spcAft>
+              <a:spcPct val="35000"/>
+            </a:spcAft>
+          </a:pPr>
+          <a:r>
+            <a:rPr lang="fr-CH" sz="3500" kern="1200" smtClean="0"/>
+            <a:t>Navigateur complet</a:t>
+          </a:r>
+          <a:endParaRPr lang="fr-CH" sz="3500" kern="1200"/>
+        </a:p>
+      </dsp:txBody>
+      <dsp:txXfrm>
+        <a:off x="38981" y="1860238"/>
+        <a:ext cx="9828037" cy="720562"/>
+      </dsp:txXfrm>
+    </dsp:sp>
+    <dsp:sp modelId="{75776410-8455-4E3F-9111-3F65B4013C9D}">
+      <dsp:nvSpPr>
+        <dsp:cNvPr id="0" name=""/>
+        <dsp:cNvSpPr/>
+      </dsp:nvSpPr>
+      <dsp:spPr>
+        <a:xfrm>
+          <a:off x="0" y="2720581"/>
+          <a:ext cx="9905999" cy="798524"/>
+        </a:xfrm>
+        <a:prstGeom prst="roundRect">
+          <a:avLst/>
+        </a:prstGeom>
+        <a:solidFill>
+          <a:schemeClr val="accent1">
+            <a:hueOff val="0"/>
+            <a:satOff val="0"/>
+            <a:lumOff val="0"/>
+            <a:alphaOff val="0"/>
+          </a:schemeClr>
+        </a:solidFill>
+        <a:ln w="15875" cap="flat" cmpd="sng" algn="ctr">
+          <a:solidFill>
+            <a:schemeClr val="lt1">
+              <a:hueOff val="0"/>
+              <a:satOff val="0"/>
+              <a:lumOff val="0"/>
+              <a:alphaOff val="0"/>
+            </a:schemeClr>
+          </a:solidFill>
+          <a:prstDash val="solid"/>
+        </a:ln>
+        <a:effectLst/>
+      </dsp:spPr>
+      <dsp:style>
+        <a:lnRef idx="2">
+          <a:scrgbClr r="0" g="0" b="0"/>
+        </a:lnRef>
+        <a:fillRef idx="1">
+          <a:scrgbClr r="0" g="0" b="0"/>
+        </a:fillRef>
+        <a:effectRef idx="0">
+          <a:scrgbClr r="0" g="0" b="0"/>
+        </a:effectRef>
+        <a:fontRef idx="minor">
+          <a:schemeClr val="lt1"/>
+        </a:fontRef>
+      </dsp:style>
+      <dsp:txBody>
+        <a:bodyPr spcFirstLastPara="0" vert="horz" wrap="square" lIns="133350" tIns="133350" rIns="133350" bIns="133350" numCol="1" spcCol="1270" anchor="ctr" anchorCtr="0">
+          <a:noAutofit/>
+        </a:bodyPr>
+        <a:lstStyle/>
+        <a:p>
+          <a:pPr lvl="0" algn="l" defTabSz="1555750" rtl="0">
+            <a:lnSpc>
+              <a:spcPct val="90000"/>
+            </a:lnSpc>
+            <a:spcBef>
+              <a:spcPct val="0"/>
+            </a:spcBef>
+            <a:spcAft>
+              <a:spcPct val="35000"/>
+            </a:spcAft>
+          </a:pPr>
+          <a:r>
+            <a:rPr lang="fr-CH" sz="3500" kern="1200" smtClean="0"/>
+            <a:t>Bac-à-sable</a:t>
+          </a:r>
+          <a:endParaRPr lang="fr-CH" sz="3500" kern="1200"/>
+        </a:p>
+      </dsp:txBody>
+      <dsp:txXfrm>
+        <a:off x="38981" y="2759562"/>
+        <a:ext cx="9828037" cy="720562"/>
+      </dsp:txXfrm>
+    </dsp:sp>
   </dsp:spTree>
 </dsp:drawing>
 </file>
@@ -12292,7 +14923,7 @@
           <a:p>
             <a:fld id="{3C565982-0E77-45AA-8E05-8448D4A648BD}" type="datetimeFigureOut">
               <a:rPr lang="fr-CH" smtClean="0"/>
-              <a:t>03.06.2014</a:t>
+              <a:t>05.06.2014</a:t>
             </a:fld>
             <a:endParaRPr lang="fr-CH"/>
           </a:p>
@@ -12877,7 +15508,7 @@
           <a:noFill/>
           <a:extLst>
             <a:ext uri="{909E8E84-426E-40dd-AFC4-6F175D3DCCD1}">
-              <a14:hiddenFill xmlns:a14="http://schemas.microsoft.com/office/drawing/2010/main" xmlns="">
+              <a14:hiddenFill xmlns="" xmlns:a14="http://schemas.microsoft.com/office/drawing/2010/main">
                 <a:solidFill>
                   <a:srgbClr val="FFFFFF"/>
                 </a:solidFill>
@@ -12936,7 +15567,7 @@
             </a:ln>
             <a:extLst>
               <a:ext uri="{91240B29-F687-4f45-9708-019B960494DF}">
-                <a14:hiddenLine xmlns:a14="http://schemas.microsoft.com/office/drawing/2010/main" xmlns="" w="9525">
+                <a14:hiddenLine xmlns="" xmlns:a14="http://schemas.microsoft.com/office/drawing/2010/main" w="9525">
                   <a:solidFill>
                     <a:srgbClr val="000000"/>
                   </a:solidFill>
@@ -13026,7 +15657,7 @@
             </a:ln>
             <a:extLst>
               <a:ext uri="{91240B29-F687-4f45-9708-019B960494DF}">
-                <a14:hiddenLine xmlns:a14="http://schemas.microsoft.com/office/drawing/2010/main" xmlns="" w="9525">
+                <a14:hiddenLine xmlns="" xmlns:a14="http://schemas.microsoft.com/office/drawing/2010/main" w="9525">
                   <a:solidFill>
                     <a:srgbClr val="000000"/>
                   </a:solidFill>
@@ -13116,7 +15747,7 @@
             </a:ln>
             <a:extLst>
               <a:ext uri="{91240B29-F687-4f45-9708-019B960494DF}">
-                <a14:hiddenLine xmlns:a14="http://schemas.microsoft.com/office/drawing/2010/main" xmlns="" w="9525">
+                <a14:hiddenLine xmlns="" xmlns:a14="http://schemas.microsoft.com/office/drawing/2010/main" w="9525">
                   <a:solidFill>
                     <a:srgbClr val="000000"/>
                   </a:solidFill>
@@ -13150,7 +15781,7 @@
             </a:ln>
             <a:extLst>
               <a:ext uri="{91240B29-F687-4f45-9708-019B960494DF}">
-                <a14:hiddenLine xmlns:a14="http://schemas.microsoft.com/office/drawing/2010/main" xmlns="" w="9525">
+                <a14:hiddenLine xmlns="" xmlns:a14="http://schemas.microsoft.com/office/drawing/2010/main" w="9525">
                   <a:solidFill>
                     <a:srgbClr val="000000"/>
                   </a:solidFill>
@@ -13240,7 +15871,7 @@
             </a:ln>
             <a:extLst>
               <a:ext uri="{91240B29-F687-4f45-9708-019B960494DF}">
-                <a14:hiddenLine xmlns:a14="http://schemas.microsoft.com/office/drawing/2010/main" xmlns="" w="9525">
+                <a14:hiddenLine xmlns="" xmlns:a14="http://schemas.microsoft.com/office/drawing/2010/main" w="9525">
                   <a:solidFill>
                     <a:srgbClr val="000000"/>
                   </a:solidFill>
@@ -13302,7 +15933,7 @@
             </a:ln>
             <a:extLst>
               <a:ext uri="{91240B29-F687-4f45-9708-019B960494DF}">
-                <a14:hiddenLine xmlns:a14="http://schemas.microsoft.com/office/drawing/2010/main" xmlns="" w="9525">
+                <a14:hiddenLine xmlns="" xmlns:a14="http://schemas.microsoft.com/office/drawing/2010/main" w="9525">
                   <a:solidFill>
                     <a:srgbClr val="000000"/>
                   </a:solidFill>
@@ -13364,7 +15995,7 @@
             </a:ln>
             <a:extLst>
               <a:ext uri="{91240B29-F687-4f45-9708-019B960494DF}">
-                <a14:hiddenLine xmlns:a14="http://schemas.microsoft.com/office/drawing/2010/main" xmlns="" w="9525">
+                <a14:hiddenLine xmlns="" xmlns:a14="http://schemas.microsoft.com/office/drawing/2010/main" w="9525">
                   <a:solidFill>
                     <a:srgbClr val="000000"/>
                   </a:solidFill>
@@ -13454,7 +16085,7 @@
             </a:ln>
             <a:extLst>
               <a:ext uri="{91240B29-F687-4f45-9708-019B960494DF}">
-                <a14:hiddenLine xmlns:a14="http://schemas.microsoft.com/office/drawing/2010/main" xmlns="" w="9525">
+                <a14:hiddenLine xmlns="" xmlns:a14="http://schemas.microsoft.com/office/drawing/2010/main" w="9525">
                   <a:solidFill>
                     <a:srgbClr val="000000"/>
                   </a:solidFill>
@@ -13516,7 +16147,7 @@
             </a:ln>
             <a:extLst>
               <a:ext uri="{91240B29-F687-4f45-9708-019B960494DF}">
-                <a14:hiddenLine xmlns:a14="http://schemas.microsoft.com/office/drawing/2010/main" xmlns="" w="9525">
+                <a14:hiddenLine xmlns="" xmlns:a14="http://schemas.microsoft.com/office/drawing/2010/main" w="9525">
                   <a:solidFill>
                     <a:srgbClr val="000000"/>
                   </a:solidFill>
@@ -13578,7 +16209,7 @@
             </a:ln>
             <a:extLst>
               <a:ext uri="{91240B29-F687-4f45-9708-019B960494DF}">
-                <a14:hiddenLine xmlns:a14="http://schemas.microsoft.com/office/drawing/2010/main" xmlns="" w="9525">
+                <a14:hiddenLine xmlns="" xmlns:a14="http://schemas.microsoft.com/office/drawing/2010/main" w="9525">
                   <a:solidFill>
                     <a:srgbClr val="000000"/>
                   </a:solidFill>
@@ -13668,7 +16299,7 @@
             </a:ln>
             <a:extLst>
               <a:ext uri="{91240B29-F687-4f45-9708-019B960494DF}">
-                <a14:hiddenLine xmlns:a14="http://schemas.microsoft.com/office/drawing/2010/main" xmlns="" w="9525">
+                <a14:hiddenLine xmlns="" xmlns:a14="http://schemas.microsoft.com/office/drawing/2010/main" w="9525">
                   <a:solidFill>
                     <a:srgbClr val="000000"/>
                   </a:solidFill>
@@ -13758,7 +16389,7 @@
             </a:ln>
             <a:extLst>
               <a:ext uri="{91240B29-F687-4f45-9708-019B960494DF}">
-                <a14:hiddenLine xmlns:a14="http://schemas.microsoft.com/office/drawing/2010/main" xmlns="" w="9525">
+                <a14:hiddenLine xmlns="" xmlns:a14="http://schemas.microsoft.com/office/drawing/2010/main" w="9525">
                   <a:solidFill>
                     <a:srgbClr val="000000"/>
                   </a:solidFill>
@@ -13820,7 +16451,7 @@
             </a:ln>
             <a:extLst>
               <a:ext uri="{91240B29-F687-4f45-9708-019B960494DF}">
-                <a14:hiddenLine xmlns:a14="http://schemas.microsoft.com/office/drawing/2010/main" xmlns="" w="9525">
+                <a14:hiddenLine xmlns="" xmlns:a14="http://schemas.microsoft.com/office/drawing/2010/main" w="9525">
                   <a:solidFill>
                     <a:srgbClr val="000000"/>
                   </a:solidFill>
@@ -13930,7 +16561,7 @@
             </a:ln>
             <a:extLst>
               <a:ext uri="{91240B29-F687-4f45-9708-019B960494DF}">
-                <a14:hiddenLine xmlns:a14="http://schemas.microsoft.com/office/drawing/2010/main" xmlns="" w="9525">
+                <a14:hiddenLine xmlns="" xmlns:a14="http://schemas.microsoft.com/office/drawing/2010/main" w="9525">
                   <a:solidFill>
                     <a:srgbClr val="000000"/>
                   </a:solidFill>
@@ -13992,7 +16623,7 @@
             </a:ln>
             <a:extLst>
               <a:ext uri="{91240B29-F687-4f45-9708-019B960494DF}">
-                <a14:hiddenLine xmlns:a14="http://schemas.microsoft.com/office/drawing/2010/main" xmlns="" w="9525">
+                <a14:hiddenLine xmlns="" xmlns:a14="http://schemas.microsoft.com/office/drawing/2010/main" w="9525">
                   <a:solidFill>
                     <a:srgbClr val="000000"/>
                   </a:solidFill>
@@ -14082,7 +16713,7 @@
             </a:ln>
             <a:extLst>
               <a:ext uri="{91240B29-F687-4f45-9708-019B960494DF}">
-                <a14:hiddenLine xmlns:a14="http://schemas.microsoft.com/office/drawing/2010/main" xmlns="" w="9525">
+                <a14:hiddenLine xmlns="" xmlns:a14="http://schemas.microsoft.com/office/drawing/2010/main" w="9525">
                   <a:solidFill>
                     <a:srgbClr val="000000"/>
                   </a:solidFill>
@@ -14172,7 +16803,7 @@
             </a:ln>
             <a:extLst>
               <a:ext uri="{91240B29-F687-4f45-9708-019B960494DF}">
-                <a14:hiddenLine xmlns:a14="http://schemas.microsoft.com/office/drawing/2010/main" xmlns="" w="9525">
+                <a14:hiddenLine xmlns="" xmlns:a14="http://schemas.microsoft.com/office/drawing/2010/main" w="9525">
                   <a:solidFill>
                     <a:srgbClr val="000000"/>
                   </a:solidFill>
@@ -14234,7 +16865,7 @@
             </a:ln>
             <a:extLst>
               <a:ext uri="{91240B29-F687-4f45-9708-019B960494DF}">
-                <a14:hiddenLine xmlns:a14="http://schemas.microsoft.com/office/drawing/2010/main" xmlns="" w="9525">
+                <a14:hiddenLine xmlns="" xmlns:a14="http://schemas.microsoft.com/office/drawing/2010/main" w="9525">
                   <a:solidFill>
                     <a:srgbClr val="000000"/>
                   </a:solidFill>
@@ -14324,7 +16955,7 @@
             </a:ln>
             <a:extLst>
               <a:ext uri="{91240B29-F687-4f45-9708-019B960494DF}">
-                <a14:hiddenLine xmlns:a14="http://schemas.microsoft.com/office/drawing/2010/main" xmlns="" w="9525">
+                <a14:hiddenLine xmlns="" xmlns:a14="http://schemas.microsoft.com/office/drawing/2010/main" w="9525">
                   <a:solidFill>
                     <a:srgbClr val="000000"/>
                   </a:solidFill>
@@ -14414,7 +17045,7 @@
             </a:ln>
             <a:extLst>
               <a:ext uri="{91240B29-F687-4f45-9708-019B960494DF}">
-                <a14:hiddenLine xmlns:a14="http://schemas.microsoft.com/office/drawing/2010/main" xmlns="" w="9525">
+                <a14:hiddenLine xmlns="" xmlns:a14="http://schemas.microsoft.com/office/drawing/2010/main" w="9525">
                   <a:solidFill>
                     <a:srgbClr val="000000"/>
                   </a:solidFill>
@@ -14470,7 +17101,7 @@
             </a:ln>
             <a:extLst>
               <a:ext uri="{91240B29-F687-4f45-9708-019B960494DF}">
-                <a14:hiddenLine xmlns:a14="http://schemas.microsoft.com/office/drawing/2010/main" xmlns="" w="9525">
+                <a14:hiddenLine xmlns="" xmlns:a14="http://schemas.microsoft.com/office/drawing/2010/main" w="9525">
                   <a:solidFill>
                     <a:srgbClr val="000000"/>
                   </a:solidFill>
@@ -14560,7 +17191,7 @@
             </a:ln>
             <a:extLst>
               <a:ext uri="{91240B29-F687-4f45-9708-019B960494DF}">
-                <a14:hiddenLine xmlns:a14="http://schemas.microsoft.com/office/drawing/2010/main" xmlns="" w="9525">
+                <a14:hiddenLine xmlns="" xmlns:a14="http://schemas.microsoft.com/office/drawing/2010/main" w="9525">
                   <a:solidFill>
                     <a:srgbClr val="000000"/>
                   </a:solidFill>
@@ -14616,7 +17247,7 @@
             </a:ln>
             <a:extLst>
               <a:ext uri="{91240B29-F687-4f45-9708-019B960494DF}">
-                <a14:hiddenLine xmlns:a14="http://schemas.microsoft.com/office/drawing/2010/main" xmlns="" w="9525">
+                <a14:hiddenLine xmlns="" xmlns:a14="http://schemas.microsoft.com/office/drawing/2010/main" w="9525">
                   <a:solidFill>
                     <a:srgbClr val="000000"/>
                   </a:solidFill>
@@ -14706,7 +17337,7 @@
             </a:ln>
             <a:extLst>
               <a:ext uri="{91240B29-F687-4f45-9708-019B960494DF}">
-                <a14:hiddenLine xmlns:a14="http://schemas.microsoft.com/office/drawing/2010/main" xmlns="" w="9525">
+                <a14:hiddenLine xmlns="" xmlns:a14="http://schemas.microsoft.com/office/drawing/2010/main" w="9525">
                   <a:solidFill>
                     <a:srgbClr val="000000"/>
                   </a:solidFill>
@@ -14774,7 +17405,7 @@
             </a:ln>
             <a:extLst>
               <a:ext uri="{91240B29-F687-4f45-9708-019B960494DF}">
-                <a14:hiddenLine xmlns:a14="http://schemas.microsoft.com/office/drawing/2010/main" xmlns="" w="9525">
+                <a14:hiddenLine xmlns="" xmlns:a14="http://schemas.microsoft.com/office/drawing/2010/main" w="9525">
                   <a:solidFill>
                     <a:srgbClr val="000000"/>
                   </a:solidFill>
@@ -14864,7 +17495,7 @@
             </a:ln>
             <a:extLst>
               <a:ext uri="{91240B29-F687-4f45-9708-019B960494DF}">
-                <a14:hiddenLine xmlns:a14="http://schemas.microsoft.com/office/drawing/2010/main" xmlns="" w="9525">
+                <a14:hiddenLine xmlns="" xmlns:a14="http://schemas.microsoft.com/office/drawing/2010/main" w="9525">
                   <a:solidFill>
                     <a:srgbClr val="000000"/>
                   </a:solidFill>
@@ -14932,7 +17563,7 @@
             </a:ln>
             <a:extLst>
               <a:ext uri="{91240B29-F687-4f45-9708-019B960494DF}">
-                <a14:hiddenLine xmlns:a14="http://schemas.microsoft.com/office/drawing/2010/main" xmlns="" w="9525">
+                <a14:hiddenLine xmlns="" xmlns:a14="http://schemas.microsoft.com/office/drawing/2010/main" w="9525">
                   <a:solidFill>
                     <a:srgbClr val="000000"/>
                   </a:solidFill>
@@ -15022,7 +17653,7 @@
             </a:ln>
             <a:extLst>
               <a:ext uri="{91240B29-F687-4f45-9708-019B960494DF}">
-                <a14:hiddenLine xmlns:a14="http://schemas.microsoft.com/office/drawing/2010/main" xmlns="" w="9525">
+                <a14:hiddenLine xmlns="" xmlns:a14="http://schemas.microsoft.com/office/drawing/2010/main" w="9525">
                   <a:solidFill>
                     <a:srgbClr val="000000"/>
                   </a:solidFill>
@@ -15056,7 +17687,7 @@
             </a:ln>
             <a:extLst>
               <a:ext uri="{91240B29-F687-4f45-9708-019B960494DF}">
-                <a14:hiddenLine xmlns:a14="http://schemas.microsoft.com/office/drawing/2010/main" xmlns="" w="9525">
+                <a14:hiddenLine xmlns="" xmlns:a14="http://schemas.microsoft.com/office/drawing/2010/main" w="9525">
                   <a:solidFill>
                     <a:srgbClr val="000000"/>
                   </a:solidFill>
@@ -15146,7 +17777,7 @@
             </a:ln>
             <a:extLst>
               <a:ext uri="{91240B29-F687-4f45-9708-019B960494DF}">
-                <a14:hiddenLine xmlns:a14="http://schemas.microsoft.com/office/drawing/2010/main" xmlns="" w="9525">
+                <a14:hiddenLine xmlns="" xmlns:a14="http://schemas.microsoft.com/office/drawing/2010/main" w="9525">
                   <a:solidFill>
                     <a:srgbClr val="000000"/>
                   </a:solidFill>
@@ -15208,7 +17839,7 @@
             </a:ln>
             <a:extLst>
               <a:ext uri="{91240B29-F687-4f45-9708-019B960494DF}">
-                <a14:hiddenLine xmlns:a14="http://schemas.microsoft.com/office/drawing/2010/main" xmlns="" w="9525">
+                <a14:hiddenLine xmlns="" xmlns:a14="http://schemas.microsoft.com/office/drawing/2010/main" w="9525">
                   <a:solidFill>
                     <a:srgbClr val="000000"/>
                   </a:solidFill>
@@ -15270,7 +17901,7 @@
             </a:ln>
             <a:extLst>
               <a:ext uri="{91240B29-F687-4f45-9708-019B960494DF}">
-                <a14:hiddenLine xmlns:a14="http://schemas.microsoft.com/office/drawing/2010/main" xmlns="" w="9525">
+                <a14:hiddenLine xmlns="" xmlns:a14="http://schemas.microsoft.com/office/drawing/2010/main" w="9525">
                   <a:solidFill>
                     <a:srgbClr val="000000"/>
                   </a:solidFill>
@@ -15360,7 +17991,7 @@
             </a:ln>
             <a:extLst>
               <a:ext uri="{91240B29-F687-4f45-9708-019B960494DF}">
-                <a14:hiddenLine xmlns:a14="http://schemas.microsoft.com/office/drawing/2010/main" xmlns="" w="9525">
+                <a14:hiddenLine xmlns="" xmlns:a14="http://schemas.microsoft.com/office/drawing/2010/main" w="9525">
                   <a:solidFill>
                     <a:srgbClr val="000000"/>
                   </a:solidFill>
@@ -15428,7 +18059,7 @@
             </a:ln>
             <a:extLst>
               <a:ext uri="{91240B29-F687-4f45-9708-019B960494DF}">
-                <a14:hiddenLine xmlns:a14="http://schemas.microsoft.com/office/drawing/2010/main" xmlns="" w="9525">
+                <a14:hiddenLine xmlns="" xmlns:a14="http://schemas.microsoft.com/office/drawing/2010/main" w="9525">
                   <a:solidFill>
                     <a:srgbClr val="000000"/>
                   </a:solidFill>
@@ -15490,7 +18121,7 @@
             </a:ln>
             <a:extLst>
               <a:ext uri="{91240B29-F687-4f45-9708-019B960494DF}">
-                <a14:hiddenLine xmlns:a14="http://schemas.microsoft.com/office/drawing/2010/main" xmlns="" w="9525">
+                <a14:hiddenLine xmlns="" xmlns:a14="http://schemas.microsoft.com/office/drawing/2010/main" w="9525">
                   <a:solidFill>
                     <a:srgbClr val="000000"/>
                   </a:solidFill>
@@ -15580,7 +18211,7 @@
             </a:ln>
             <a:extLst>
               <a:ext uri="{91240B29-F687-4f45-9708-019B960494DF}">
-                <a14:hiddenLine xmlns:a14="http://schemas.microsoft.com/office/drawing/2010/main" xmlns="" w="9525">
+                <a14:hiddenLine xmlns="" xmlns:a14="http://schemas.microsoft.com/office/drawing/2010/main" w="9525">
                   <a:solidFill>
                     <a:srgbClr val="000000"/>
                   </a:solidFill>
@@ -15642,7 +18273,7 @@
             </a:ln>
             <a:extLst>
               <a:ext uri="{91240B29-F687-4f45-9708-019B960494DF}">
-                <a14:hiddenLine xmlns:a14="http://schemas.microsoft.com/office/drawing/2010/main" xmlns="" w="9525">
+                <a14:hiddenLine xmlns="" xmlns:a14="http://schemas.microsoft.com/office/drawing/2010/main" w="9525">
                   <a:solidFill>
                     <a:srgbClr val="000000"/>
                   </a:solidFill>
@@ -15732,7 +18363,7 @@
             </a:ln>
             <a:extLst>
               <a:ext uri="{91240B29-F687-4f45-9708-019B960494DF}">
-                <a14:hiddenLine xmlns:a14="http://schemas.microsoft.com/office/drawing/2010/main" xmlns="" w="9525">
+                <a14:hiddenLine xmlns="" xmlns:a14="http://schemas.microsoft.com/office/drawing/2010/main" w="9525">
                   <a:solidFill>
                     <a:srgbClr val="000000"/>
                   </a:solidFill>
@@ -15794,7 +18425,7 @@
             </a:ln>
             <a:extLst>
               <a:ext uri="{91240B29-F687-4f45-9708-019B960494DF}">
-                <a14:hiddenLine xmlns:a14="http://schemas.microsoft.com/office/drawing/2010/main" xmlns="" w="9525">
+                <a14:hiddenLine xmlns="" xmlns:a14="http://schemas.microsoft.com/office/drawing/2010/main" w="9525">
                   <a:solidFill>
                     <a:srgbClr val="000000"/>
                   </a:solidFill>
@@ -15884,7 +18515,7 @@
             </a:ln>
             <a:extLst>
               <a:ext uri="{91240B29-F687-4f45-9708-019B960494DF}">
-                <a14:hiddenLine xmlns:a14="http://schemas.microsoft.com/office/drawing/2010/main" xmlns="" w="9525">
+                <a14:hiddenLine xmlns="" xmlns:a14="http://schemas.microsoft.com/office/drawing/2010/main" w="9525">
                   <a:solidFill>
                     <a:srgbClr val="000000"/>
                   </a:solidFill>
@@ -15918,7 +18549,7 @@
             </a:ln>
             <a:extLst>
               <a:ext uri="{91240B29-F687-4f45-9708-019B960494DF}">
-                <a14:hiddenLine xmlns:a14="http://schemas.microsoft.com/office/drawing/2010/main" xmlns="" w="9525">
+                <a14:hiddenLine xmlns="" xmlns:a14="http://schemas.microsoft.com/office/drawing/2010/main" w="9525">
                   <a:solidFill>
                     <a:srgbClr val="000000"/>
                   </a:solidFill>
@@ -15983,7 +18614,7 @@
             </a:ln>
             <a:extLst>
               <a:ext uri="{91240B29-F687-4f45-9708-019B960494DF}">
-                <a14:hiddenLine xmlns:a14="http://schemas.microsoft.com/office/drawing/2010/main" xmlns="" w="9525">
+                <a14:hiddenLine xmlns="" xmlns:a14="http://schemas.microsoft.com/office/drawing/2010/main" w="9525">
                   <a:solidFill>
                     <a:srgbClr val="000000"/>
                   </a:solidFill>
@@ -16073,7 +18704,7 @@
             </a:ln>
             <a:extLst>
               <a:ext uri="{91240B29-F687-4f45-9708-019B960494DF}">
-                <a14:hiddenLine xmlns:a14="http://schemas.microsoft.com/office/drawing/2010/main" xmlns="" w="9525">
+                <a14:hiddenLine xmlns="" xmlns:a14="http://schemas.microsoft.com/office/drawing/2010/main" w="9525">
                   <a:solidFill>
                     <a:srgbClr val="000000"/>
                   </a:solidFill>
@@ -16135,7 +18766,7 @@
             </a:ln>
             <a:extLst>
               <a:ext uri="{91240B29-F687-4f45-9708-019B960494DF}">
-                <a14:hiddenLine xmlns:a14="http://schemas.microsoft.com/office/drawing/2010/main" xmlns="" w="9525">
+                <a14:hiddenLine xmlns="" xmlns:a14="http://schemas.microsoft.com/office/drawing/2010/main" w="9525">
                   <a:solidFill>
                     <a:srgbClr val="000000"/>
                   </a:solidFill>
@@ -16225,7 +18856,7 @@
             </a:ln>
             <a:extLst>
               <a:ext uri="{91240B29-F687-4f45-9708-019B960494DF}">
-                <a14:hiddenLine xmlns:a14="http://schemas.microsoft.com/office/drawing/2010/main" xmlns="" w="9525">
+                <a14:hiddenLine xmlns="" xmlns:a14="http://schemas.microsoft.com/office/drawing/2010/main" w="9525">
                   <a:solidFill>
                     <a:srgbClr val="000000"/>
                   </a:solidFill>
@@ -16315,7 +18946,7 @@
             </a:ln>
             <a:extLst>
               <a:ext uri="{91240B29-F687-4f45-9708-019B960494DF}">
-                <a14:hiddenLine xmlns:a14="http://schemas.microsoft.com/office/drawing/2010/main" xmlns="" w="9525">
+                <a14:hiddenLine xmlns="" xmlns:a14="http://schemas.microsoft.com/office/drawing/2010/main" w="9525">
                   <a:solidFill>
                     <a:srgbClr val="000000"/>
                   </a:solidFill>
@@ -16380,7 +19011,7 @@
             </a:ln>
             <a:extLst>
               <a:ext uri="{91240B29-F687-4f45-9708-019B960494DF}">
-                <a14:hiddenLine xmlns:a14="http://schemas.microsoft.com/office/drawing/2010/main" xmlns="" w="9525">
+                <a14:hiddenLine xmlns="" xmlns:a14="http://schemas.microsoft.com/office/drawing/2010/main" w="9525">
                   <a:solidFill>
                     <a:srgbClr val="000000"/>
                   </a:solidFill>
@@ -16442,7 +19073,7 @@
             </a:ln>
             <a:extLst>
               <a:ext uri="{91240B29-F687-4f45-9708-019B960494DF}">
-                <a14:hiddenLine xmlns:a14="http://schemas.microsoft.com/office/drawing/2010/main" xmlns="" w="9525">
+                <a14:hiddenLine xmlns="" xmlns:a14="http://schemas.microsoft.com/office/drawing/2010/main" w="9525">
                   <a:solidFill>
                     <a:srgbClr val="000000"/>
                   </a:solidFill>
@@ -16532,7 +19163,7 @@
             </a:ln>
             <a:extLst>
               <a:ext uri="{91240B29-F687-4f45-9708-019B960494DF}">
-                <a14:hiddenLine xmlns:a14="http://schemas.microsoft.com/office/drawing/2010/main" xmlns="" w="9525">
+                <a14:hiddenLine xmlns="" xmlns:a14="http://schemas.microsoft.com/office/drawing/2010/main" w="9525">
                   <a:solidFill>
                     <a:srgbClr val="000000"/>
                   </a:solidFill>
@@ -16622,7 +19253,7 @@
             </a:ln>
             <a:extLst>
               <a:ext uri="{91240B29-F687-4f45-9708-019B960494DF}">
-                <a14:hiddenLine xmlns:a14="http://schemas.microsoft.com/office/drawing/2010/main" xmlns="" w="9525">
+                <a14:hiddenLine xmlns="" xmlns:a14="http://schemas.microsoft.com/office/drawing/2010/main" w="9525">
                   <a:solidFill>
                     <a:srgbClr val="000000"/>
                   </a:solidFill>
@@ -16684,7 +19315,7 @@
             </a:ln>
             <a:extLst>
               <a:ext uri="{91240B29-F687-4f45-9708-019B960494DF}">
-                <a14:hiddenLine xmlns:a14="http://schemas.microsoft.com/office/drawing/2010/main" xmlns="" w="9525">
+                <a14:hiddenLine xmlns="" xmlns:a14="http://schemas.microsoft.com/office/drawing/2010/main" w="9525">
                   <a:solidFill>
                     <a:srgbClr val="000000"/>
                   </a:solidFill>
@@ -16804,7 +19435,7 @@
             </a:ln>
             <a:extLst>
               <a:ext uri="{91240B29-F687-4f45-9708-019B960494DF}">
-                <a14:hiddenLine xmlns:a14="http://schemas.microsoft.com/office/drawing/2010/main" xmlns="" w="9525">
+                <a14:hiddenLine xmlns="" xmlns:a14="http://schemas.microsoft.com/office/drawing/2010/main" w="9525">
                   <a:solidFill>
                     <a:srgbClr val="000000"/>
                   </a:solidFill>
@@ -16872,7 +19503,7 @@
             </a:ln>
             <a:extLst>
               <a:ext uri="{91240B29-F687-4f45-9708-019B960494DF}">
-                <a14:hiddenLine xmlns:a14="http://schemas.microsoft.com/office/drawing/2010/main" xmlns="" w="9525">
+                <a14:hiddenLine xmlns="" xmlns:a14="http://schemas.microsoft.com/office/drawing/2010/main" w="9525">
                   <a:solidFill>
                     <a:srgbClr val="000000"/>
                   </a:solidFill>
@@ -16962,7 +19593,7 @@
             </a:ln>
             <a:extLst>
               <a:ext uri="{91240B29-F687-4f45-9708-019B960494DF}">
-                <a14:hiddenLine xmlns:a14="http://schemas.microsoft.com/office/drawing/2010/main" xmlns="" w="9525">
+                <a14:hiddenLine xmlns="" xmlns:a14="http://schemas.microsoft.com/office/drawing/2010/main" w="9525">
                   <a:solidFill>
                     <a:srgbClr val="000000"/>
                   </a:solidFill>
@@ -17102,7 +19733,7 @@
           <a:p>
             <a:fld id="{B161ED54-F92D-43DD-9F3A-305F709C4501}" type="datetimeFigureOut">
               <a:rPr lang="fr-CH" smtClean="0"/>
-              <a:t>03.06.2014</a:t>
+              <a:t>05.06.2014</a:t>
             </a:fld>
             <a:endParaRPr lang="fr-CH"/>
           </a:p>
@@ -17369,7 +20000,7 @@
           <a:p>
             <a:fld id="{B161ED54-F92D-43DD-9F3A-305F709C4501}" type="datetimeFigureOut">
               <a:rPr lang="fr-CH" smtClean="0"/>
-              <a:t>03.06.2014</a:t>
+              <a:t>05.06.2014</a:t>
             </a:fld>
             <a:endParaRPr lang="fr-CH"/>
           </a:p>
@@ -17565,7 +20196,7 @@
           <a:p>
             <a:fld id="{B161ED54-F92D-43DD-9F3A-305F709C4501}" type="datetimeFigureOut">
               <a:rPr lang="fr-CH" smtClean="0"/>
-              <a:t>03.06.2014</a:t>
+              <a:t>05.06.2014</a:t>
             </a:fld>
             <a:endParaRPr lang="fr-CH"/>
           </a:p>
@@ -17828,7 +20459,7 @@
           <a:p>
             <a:fld id="{B161ED54-F92D-43DD-9F3A-305F709C4501}" type="datetimeFigureOut">
               <a:rPr lang="fr-CH" smtClean="0"/>
-              <a:t>03.06.2014</a:t>
+              <a:t>05.06.2014</a:t>
             </a:fld>
             <a:endParaRPr lang="fr-CH"/>
           </a:p>
@@ -18262,7 +20893,7 @@
           <a:p>
             <a:fld id="{B161ED54-F92D-43DD-9F3A-305F709C4501}" type="datetimeFigureOut">
               <a:rPr lang="fr-CH" smtClean="0"/>
-              <a:t>03.06.2014</a:t>
+              <a:t>05.06.2014</a:t>
             </a:fld>
             <a:endParaRPr lang="fr-CH"/>
           </a:p>
@@ -18808,7 +21439,7 @@
           <a:p>
             <a:fld id="{B161ED54-F92D-43DD-9F3A-305F709C4501}" type="datetimeFigureOut">
               <a:rPr lang="fr-CH" smtClean="0"/>
-              <a:t>03.06.2014</a:t>
+              <a:t>05.06.2014</a:t>
             </a:fld>
             <a:endParaRPr lang="fr-CH"/>
           </a:p>
@@ -19528,7 +22159,7 @@
           <a:p>
             <a:fld id="{B161ED54-F92D-43DD-9F3A-305F709C4501}" type="datetimeFigureOut">
               <a:rPr lang="fr-CH" smtClean="0"/>
-              <a:t>03.06.2014</a:t>
+              <a:t>05.06.2014</a:t>
             </a:fld>
             <a:endParaRPr lang="fr-CH"/>
           </a:p>
@@ -19698,7 +22329,7 @@
           <a:p>
             <a:fld id="{B161ED54-F92D-43DD-9F3A-305F709C4501}" type="datetimeFigureOut">
               <a:rPr lang="fr-CH" smtClean="0"/>
-              <a:t>03.06.2014</a:t>
+              <a:t>05.06.2014</a:t>
             </a:fld>
             <a:endParaRPr lang="fr-CH"/>
           </a:p>
@@ -19878,7 +22509,7 @@
           <a:p>
             <a:fld id="{B161ED54-F92D-43DD-9F3A-305F709C4501}" type="datetimeFigureOut">
               <a:rPr lang="fr-CH" smtClean="0"/>
-              <a:t>03.06.2014</a:t>
+              <a:t>05.06.2014</a:t>
             </a:fld>
             <a:endParaRPr lang="fr-CH"/>
           </a:p>
@@ -20048,7 +22679,7 @@
           <a:p>
             <a:fld id="{B161ED54-F92D-43DD-9F3A-305F709C4501}" type="datetimeFigureOut">
               <a:rPr lang="fr-CH" smtClean="0"/>
-              <a:t>03.06.2014</a:t>
+              <a:t>05.06.2014</a:t>
             </a:fld>
             <a:endParaRPr lang="fr-CH"/>
           </a:p>
@@ -20298,7 +22929,7 @@
           <a:p>
             <a:fld id="{B161ED54-F92D-43DD-9F3A-305F709C4501}" type="datetimeFigureOut">
               <a:rPr lang="fr-CH" smtClean="0"/>
-              <a:t>03.06.2014</a:t>
+              <a:t>05.06.2014</a:t>
             </a:fld>
             <a:endParaRPr lang="fr-CH"/>
           </a:p>
@@ -20530,7 +23161,7 @@
           <a:p>
             <a:fld id="{B161ED54-F92D-43DD-9F3A-305F709C4501}" type="datetimeFigureOut">
               <a:rPr lang="fr-CH" smtClean="0"/>
-              <a:t>03.06.2014</a:t>
+              <a:t>05.06.2014</a:t>
             </a:fld>
             <a:endParaRPr lang="fr-CH"/>
           </a:p>
@@ -20911,7 +23542,7 @@
           <a:p>
             <a:fld id="{B161ED54-F92D-43DD-9F3A-305F709C4501}" type="datetimeFigureOut">
               <a:rPr lang="fr-CH" smtClean="0"/>
-              <a:t>03.06.2014</a:t>
+              <a:t>05.06.2014</a:t>
             </a:fld>
             <a:endParaRPr lang="fr-CH"/>
           </a:p>
@@ -21029,7 +23660,7 @@
           <a:p>
             <a:fld id="{B161ED54-F92D-43DD-9F3A-305F709C4501}" type="datetimeFigureOut">
               <a:rPr lang="fr-CH" smtClean="0"/>
-              <a:t>03.06.2014</a:t>
+              <a:t>05.06.2014</a:t>
             </a:fld>
             <a:endParaRPr lang="fr-CH"/>
           </a:p>
@@ -21124,7 +23755,7 @@
           <a:p>
             <a:fld id="{B161ED54-F92D-43DD-9F3A-305F709C4501}" type="datetimeFigureOut">
               <a:rPr lang="fr-CH" smtClean="0"/>
-              <a:t>03.06.2014</a:t>
+              <a:t>05.06.2014</a:t>
             </a:fld>
             <a:endParaRPr lang="fr-CH"/>
           </a:p>
@@ -21373,7 +24004,7 @@
           <a:p>
             <a:fld id="{B161ED54-F92D-43DD-9F3A-305F709C4501}" type="datetimeFigureOut">
               <a:rPr lang="fr-CH" smtClean="0"/>
-              <a:t>03.06.2014</a:t>
+              <a:t>05.06.2014</a:t>
             </a:fld>
             <a:endParaRPr lang="fr-CH"/>
           </a:p>
@@ -21653,7 +24284,7 @@
           <a:p>
             <a:fld id="{B161ED54-F92D-43DD-9F3A-305F709C4501}" type="datetimeFigureOut">
               <a:rPr lang="fr-CH" smtClean="0"/>
-              <a:t>03.06.2014</a:t>
+              <a:t>05.06.2014</a:t>
             </a:fld>
             <a:endParaRPr lang="fr-CH"/>
           </a:p>
@@ -21776,7 +24407,7 @@
           <a:noFill/>
           <a:extLst>
             <a:ext uri="{909E8E84-426E-40dd-AFC4-6F175D3DCCD1}">
-              <a14:hiddenFill xmlns:a14="http://schemas.microsoft.com/office/drawing/2010/main" xmlns="">
+              <a14:hiddenFill xmlns="" xmlns:a14="http://schemas.microsoft.com/office/drawing/2010/main">
                 <a:solidFill>
                   <a:srgbClr val="FFFFFF"/>
                 </a:solidFill>
@@ -21850,7 +24481,7 @@
               </a:ln>
               <a:extLst>
                 <a:ext uri="{91240B29-F687-4f45-9708-019B960494DF}">
-                  <a14:hiddenLine xmlns:a14="http://schemas.microsoft.com/office/drawing/2010/main" xmlns="" w="9525">
+                  <a14:hiddenLine xmlns="" xmlns:a14="http://schemas.microsoft.com/office/drawing/2010/main" w="9525">
                     <a:solidFill>
                       <a:srgbClr val="000000"/>
                     </a:solidFill>
@@ -21940,7 +24571,7 @@
               </a:ln>
               <a:extLst>
                 <a:ext uri="{91240B29-F687-4f45-9708-019B960494DF}">
-                  <a14:hiddenLine xmlns:a14="http://schemas.microsoft.com/office/drawing/2010/main" xmlns="" w="9525">
+                  <a14:hiddenLine xmlns="" xmlns:a14="http://schemas.microsoft.com/office/drawing/2010/main" w="9525">
                     <a:solidFill>
                       <a:srgbClr val="000000"/>
                     </a:solidFill>
@@ -22030,7 +24661,7 @@
               </a:ln>
               <a:extLst>
                 <a:ext uri="{91240B29-F687-4f45-9708-019B960494DF}">
-                  <a14:hiddenLine xmlns:a14="http://schemas.microsoft.com/office/drawing/2010/main" xmlns="" w="9525">
+                  <a14:hiddenLine xmlns="" xmlns:a14="http://schemas.microsoft.com/office/drawing/2010/main" w="9525">
                     <a:solidFill>
                       <a:srgbClr val="000000"/>
                     </a:solidFill>
@@ -22092,7 +24723,7 @@
               </a:ln>
               <a:extLst>
                 <a:ext uri="{91240B29-F687-4f45-9708-019B960494DF}">
-                  <a14:hiddenLine xmlns:a14="http://schemas.microsoft.com/office/drawing/2010/main" xmlns="" w="9525">
+                  <a14:hiddenLine xmlns="" xmlns:a14="http://schemas.microsoft.com/office/drawing/2010/main" w="9525">
                     <a:solidFill>
                       <a:srgbClr val="000000"/>
                     </a:solidFill>
@@ -22182,7 +24813,7 @@
               </a:ln>
               <a:extLst>
                 <a:ext uri="{91240B29-F687-4f45-9708-019B960494DF}">
-                  <a14:hiddenLine xmlns:a14="http://schemas.microsoft.com/office/drawing/2010/main" xmlns="" w="9525">
+                  <a14:hiddenLine xmlns="" xmlns:a14="http://schemas.microsoft.com/office/drawing/2010/main" w="9525">
                     <a:solidFill>
                       <a:srgbClr val="000000"/>
                     </a:solidFill>
@@ -22244,7 +24875,7 @@
               </a:ln>
               <a:extLst>
                 <a:ext uri="{91240B29-F687-4f45-9708-019B960494DF}">
-                  <a14:hiddenLine xmlns:a14="http://schemas.microsoft.com/office/drawing/2010/main" xmlns="" w="9525">
+                  <a14:hiddenLine xmlns="" xmlns:a14="http://schemas.microsoft.com/office/drawing/2010/main" w="9525">
                     <a:solidFill>
                       <a:srgbClr val="000000"/>
                     </a:solidFill>
@@ -22306,7 +24937,7 @@
               </a:ln>
               <a:extLst>
                 <a:ext uri="{91240B29-F687-4f45-9708-019B960494DF}">
-                  <a14:hiddenLine xmlns:a14="http://schemas.microsoft.com/office/drawing/2010/main" xmlns="" w="9525">
+                  <a14:hiddenLine xmlns="" xmlns:a14="http://schemas.microsoft.com/office/drawing/2010/main" w="9525">
                     <a:solidFill>
                       <a:srgbClr val="000000"/>
                     </a:solidFill>
@@ -22396,7 +25027,7 @@
               </a:ln>
               <a:extLst>
                 <a:ext uri="{91240B29-F687-4f45-9708-019B960494DF}">
-                  <a14:hiddenLine xmlns:a14="http://schemas.microsoft.com/office/drawing/2010/main" xmlns="" w="9525">
+                  <a14:hiddenLine xmlns="" xmlns:a14="http://schemas.microsoft.com/office/drawing/2010/main" w="9525">
                     <a:solidFill>
                       <a:srgbClr val="000000"/>
                     </a:solidFill>
@@ -22486,7 +25117,7 @@
               </a:ln>
               <a:extLst>
                 <a:ext uri="{91240B29-F687-4f45-9708-019B960494DF}">
-                  <a14:hiddenLine xmlns:a14="http://schemas.microsoft.com/office/drawing/2010/main" xmlns="" w="9525">
+                  <a14:hiddenLine xmlns="" xmlns:a14="http://schemas.microsoft.com/office/drawing/2010/main" w="9525">
                     <a:solidFill>
                       <a:srgbClr val="000000"/>
                     </a:solidFill>
@@ -22548,7 +25179,7 @@
               </a:ln>
               <a:extLst>
                 <a:ext uri="{91240B29-F687-4f45-9708-019B960494DF}">
-                  <a14:hiddenLine xmlns:a14="http://schemas.microsoft.com/office/drawing/2010/main" xmlns="" w="9525">
+                  <a14:hiddenLine xmlns="" xmlns:a14="http://schemas.microsoft.com/office/drawing/2010/main" w="9525">
                     <a:solidFill>
                       <a:srgbClr val="000000"/>
                     </a:solidFill>
@@ -22658,7 +25289,7 @@
               </a:ln>
               <a:extLst>
                 <a:ext uri="{91240B29-F687-4f45-9708-019B960494DF}">
-                  <a14:hiddenLine xmlns:a14="http://schemas.microsoft.com/office/drawing/2010/main" xmlns="" w="9525">
+                  <a14:hiddenLine xmlns="" xmlns:a14="http://schemas.microsoft.com/office/drawing/2010/main" w="9525">
                     <a:solidFill>
                       <a:srgbClr val="000000"/>
                     </a:solidFill>
@@ -22742,7 +25373,7 @@
               </a:ln>
               <a:extLst>
                 <a:ext uri="{91240B29-F687-4f45-9708-019B960494DF}">
-                  <a14:hiddenLine xmlns:a14="http://schemas.microsoft.com/office/drawing/2010/main" xmlns="" w="9525">
+                  <a14:hiddenLine xmlns="" xmlns:a14="http://schemas.microsoft.com/office/drawing/2010/main" w="9525">
                     <a:solidFill>
                       <a:srgbClr val="000000"/>
                     </a:solidFill>
@@ -22804,7 +25435,7 @@
               </a:ln>
               <a:extLst>
                 <a:ext uri="{91240B29-F687-4f45-9708-019B960494DF}">
-                  <a14:hiddenLine xmlns:a14="http://schemas.microsoft.com/office/drawing/2010/main" xmlns="" w="9525">
+                  <a14:hiddenLine xmlns="" xmlns:a14="http://schemas.microsoft.com/office/drawing/2010/main" w="9525">
                     <a:solidFill>
                       <a:srgbClr val="000000"/>
                     </a:solidFill>
@@ -22866,7 +25497,7 @@
               </a:ln>
               <a:extLst>
                 <a:ext uri="{91240B29-F687-4f45-9708-019B960494DF}">
-                  <a14:hiddenLine xmlns:a14="http://schemas.microsoft.com/office/drawing/2010/main" xmlns="" w="9525">
+                  <a14:hiddenLine xmlns="" xmlns:a14="http://schemas.microsoft.com/office/drawing/2010/main" w="9525">
                     <a:solidFill>
                       <a:srgbClr val="000000"/>
                     </a:solidFill>
@@ -22956,7 +25587,7 @@
               </a:ln>
               <a:extLst>
                 <a:ext uri="{91240B29-F687-4f45-9708-019B960494DF}">
-                  <a14:hiddenLine xmlns:a14="http://schemas.microsoft.com/office/drawing/2010/main" xmlns="" w="9525">
+                  <a14:hiddenLine xmlns="" xmlns:a14="http://schemas.microsoft.com/office/drawing/2010/main" w="9525">
                     <a:solidFill>
                       <a:srgbClr val="000000"/>
                     </a:solidFill>
@@ -22990,7 +25621,7 @@
               </a:ln>
               <a:extLst>
                 <a:ext uri="{91240B29-F687-4f45-9708-019B960494DF}">
-                  <a14:hiddenLine xmlns:a14="http://schemas.microsoft.com/office/drawing/2010/main" xmlns="" w="9525">
+                  <a14:hiddenLine xmlns="" xmlns:a14="http://schemas.microsoft.com/office/drawing/2010/main" w="9525">
                     <a:solidFill>
                       <a:srgbClr val="000000"/>
                     </a:solidFill>
@@ -23055,7 +25686,7 @@
               </a:ln>
               <a:extLst>
                 <a:ext uri="{91240B29-F687-4f45-9708-019B960494DF}">
-                  <a14:hiddenLine xmlns:a14="http://schemas.microsoft.com/office/drawing/2010/main" xmlns="" w="9525">
+                  <a14:hiddenLine xmlns="" xmlns:a14="http://schemas.microsoft.com/office/drawing/2010/main" w="9525">
                     <a:solidFill>
                       <a:srgbClr val="000000"/>
                     </a:solidFill>
@@ -23145,7 +25776,7 @@
               </a:ln>
               <a:extLst>
                 <a:ext uri="{91240B29-F687-4f45-9708-019B960494DF}">
-                  <a14:hiddenLine xmlns:a14="http://schemas.microsoft.com/office/drawing/2010/main" xmlns="" w="9525">
+                  <a14:hiddenLine xmlns="" xmlns:a14="http://schemas.microsoft.com/office/drawing/2010/main" w="9525">
                     <a:solidFill>
                       <a:srgbClr val="000000"/>
                     </a:solidFill>
@@ -23207,7 +25838,7 @@
               </a:ln>
               <a:extLst>
                 <a:ext uri="{91240B29-F687-4f45-9708-019B960494DF}">
-                  <a14:hiddenLine xmlns:a14="http://schemas.microsoft.com/office/drawing/2010/main" xmlns="" w="9525">
+                  <a14:hiddenLine xmlns="" xmlns:a14="http://schemas.microsoft.com/office/drawing/2010/main" w="9525">
                     <a:solidFill>
                       <a:srgbClr val="000000"/>
                     </a:solidFill>
@@ -23297,7 +25928,7 @@
               </a:ln>
               <a:extLst>
                 <a:ext uri="{91240B29-F687-4f45-9708-019B960494DF}">
-                  <a14:hiddenLine xmlns:a14="http://schemas.microsoft.com/office/drawing/2010/main" xmlns="" w="9525">
+                  <a14:hiddenLine xmlns="" xmlns:a14="http://schemas.microsoft.com/office/drawing/2010/main" w="9525">
                     <a:solidFill>
                       <a:srgbClr val="000000"/>
                     </a:solidFill>
@@ -23362,7 +25993,7 @@
               </a:ln>
               <a:extLst>
                 <a:ext uri="{91240B29-F687-4f45-9708-019B960494DF}">
-                  <a14:hiddenLine xmlns:a14="http://schemas.microsoft.com/office/drawing/2010/main" xmlns="" w="9525">
+                  <a14:hiddenLine xmlns="" xmlns:a14="http://schemas.microsoft.com/office/drawing/2010/main" w="9525">
                     <a:solidFill>
                       <a:srgbClr val="000000"/>
                     </a:solidFill>
@@ -23424,7 +26055,7 @@
               </a:ln>
               <a:extLst>
                 <a:ext uri="{91240B29-F687-4f45-9708-019B960494DF}">
-                  <a14:hiddenLine xmlns:a14="http://schemas.microsoft.com/office/drawing/2010/main" xmlns="" w="9525">
+                  <a14:hiddenLine xmlns="" xmlns:a14="http://schemas.microsoft.com/office/drawing/2010/main" w="9525">
                     <a:solidFill>
                       <a:srgbClr val="000000"/>
                     </a:solidFill>
@@ -23514,7 +26145,7 @@
               </a:ln>
               <a:extLst>
                 <a:ext uri="{91240B29-F687-4f45-9708-019B960494DF}">
-                  <a14:hiddenLine xmlns:a14="http://schemas.microsoft.com/office/drawing/2010/main" xmlns="" w="9525">
+                  <a14:hiddenLine xmlns="" xmlns:a14="http://schemas.microsoft.com/office/drawing/2010/main" w="9525">
                     <a:solidFill>
                       <a:srgbClr val="000000"/>
                     </a:solidFill>
@@ -23604,7 +26235,7 @@
               </a:ln>
               <a:extLst>
                 <a:ext uri="{91240B29-F687-4f45-9708-019B960494DF}">
-                  <a14:hiddenLine xmlns:a14="http://schemas.microsoft.com/office/drawing/2010/main" xmlns="" w="9525">
+                  <a14:hiddenLine xmlns="" xmlns:a14="http://schemas.microsoft.com/office/drawing/2010/main" w="9525">
                     <a:solidFill>
                       <a:srgbClr val="000000"/>
                     </a:solidFill>
@@ -23669,7 +26300,7 @@
               </a:ln>
               <a:extLst>
                 <a:ext uri="{91240B29-F687-4f45-9708-019B960494DF}">
-                  <a14:hiddenLine xmlns:a14="http://schemas.microsoft.com/office/drawing/2010/main" xmlns="" w="9525">
+                  <a14:hiddenLine xmlns="" xmlns:a14="http://schemas.microsoft.com/office/drawing/2010/main" w="9525">
                     <a:solidFill>
                       <a:srgbClr val="000000"/>
                     </a:solidFill>
@@ -23789,7 +26420,7 @@
               </a:ln>
               <a:extLst>
                 <a:ext uri="{91240B29-F687-4f45-9708-019B960494DF}">
-                  <a14:hiddenLine xmlns:a14="http://schemas.microsoft.com/office/drawing/2010/main" xmlns="" w="9525">
+                  <a14:hiddenLine xmlns="" xmlns:a14="http://schemas.microsoft.com/office/drawing/2010/main" w="9525">
                     <a:solidFill>
                       <a:srgbClr val="000000"/>
                     </a:solidFill>
@@ -23870,7 +26501,7 @@
               </a:ln>
               <a:extLst>
                 <a:ext uri="{91240B29-F687-4f45-9708-019B960494DF}">
-                  <a14:hiddenLine xmlns:a14="http://schemas.microsoft.com/office/drawing/2010/main" xmlns="" w="9525">
+                  <a14:hiddenLine xmlns="" xmlns:a14="http://schemas.microsoft.com/office/drawing/2010/main" w="9525">
                     <a:solidFill>
                       <a:srgbClr val="000000"/>
                     </a:solidFill>
@@ -23985,7 +26616,7 @@
               </a:ln>
               <a:extLst>
                 <a:ext uri="{91240B29-F687-4f45-9708-019B960494DF}">
-                  <a14:hiddenLine xmlns:a14="http://schemas.microsoft.com/office/drawing/2010/main" xmlns="" w="9525">
+                  <a14:hiddenLine xmlns="" xmlns:a14="http://schemas.microsoft.com/office/drawing/2010/main" w="9525">
                     <a:solidFill>
                       <a:srgbClr val="000000"/>
                     </a:solidFill>
@@ -24075,7 +26706,7 @@
               </a:ln>
               <a:extLst>
                 <a:ext uri="{91240B29-F687-4f45-9708-019B960494DF}">
-                  <a14:hiddenLine xmlns:a14="http://schemas.microsoft.com/office/drawing/2010/main" xmlns="" w="9525">
+                  <a14:hiddenLine xmlns="" xmlns:a14="http://schemas.microsoft.com/office/drawing/2010/main" w="9525">
                     <a:solidFill>
                       <a:srgbClr val="000000"/>
                     </a:solidFill>
@@ -24140,7 +26771,7 @@
               </a:ln>
               <a:extLst>
                 <a:ext uri="{91240B29-F687-4f45-9708-019B960494DF}">
-                  <a14:hiddenLine xmlns:a14="http://schemas.microsoft.com/office/drawing/2010/main" xmlns="" w="9525">
+                  <a14:hiddenLine xmlns="" xmlns:a14="http://schemas.microsoft.com/office/drawing/2010/main" w="9525">
                     <a:solidFill>
                       <a:srgbClr val="000000"/>
                     </a:solidFill>
@@ -24230,7 +26861,7 @@
               </a:ln>
               <a:extLst>
                 <a:ext uri="{91240B29-F687-4f45-9708-019B960494DF}">
-                  <a14:hiddenLine xmlns:a14="http://schemas.microsoft.com/office/drawing/2010/main" xmlns="" w="9525">
+                  <a14:hiddenLine xmlns="" xmlns:a14="http://schemas.microsoft.com/office/drawing/2010/main" w="9525">
                     <a:solidFill>
                       <a:srgbClr val="000000"/>
                     </a:solidFill>
@@ -24298,7 +26929,7 @@
               </a:ln>
               <a:extLst>
                 <a:ext uri="{91240B29-F687-4f45-9708-019B960494DF}">
-                  <a14:hiddenLine xmlns:a14="http://schemas.microsoft.com/office/drawing/2010/main" xmlns="" w="9525">
+                  <a14:hiddenLine xmlns="" xmlns:a14="http://schemas.microsoft.com/office/drawing/2010/main" w="9525">
                     <a:solidFill>
                       <a:srgbClr val="000000"/>
                     </a:solidFill>
@@ -24388,7 +27019,7 @@
               </a:ln>
               <a:extLst>
                 <a:ext uri="{91240B29-F687-4f45-9708-019B960494DF}">
-                  <a14:hiddenLine xmlns:a14="http://schemas.microsoft.com/office/drawing/2010/main" xmlns="" w="9525">
+                  <a14:hiddenLine xmlns="" xmlns:a14="http://schemas.microsoft.com/office/drawing/2010/main" w="9525">
                     <a:solidFill>
                       <a:srgbClr val="000000"/>
                     </a:solidFill>
@@ -24456,7 +27087,7 @@
               </a:ln>
               <a:extLst>
                 <a:ext uri="{91240B29-F687-4f45-9708-019B960494DF}">
-                  <a14:hiddenLine xmlns:a14="http://schemas.microsoft.com/office/drawing/2010/main" xmlns="" w="9525">
+                  <a14:hiddenLine xmlns="" xmlns:a14="http://schemas.microsoft.com/office/drawing/2010/main" w="9525">
                     <a:solidFill>
                       <a:srgbClr val="000000"/>
                     </a:solidFill>
@@ -24546,7 +27177,7 @@
               </a:ln>
               <a:extLst>
                 <a:ext uri="{91240B29-F687-4f45-9708-019B960494DF}">
-                  <a14:hiddenLine xmlns:a14="http://schemas.microsoft.com/office/drawing/2010/main" xmlns="" w="9525">
+                  <a14:hiddenLine xmlns="" xmlns:a14="http://schemas.microsoft.com/office/drawing/2010/main" w="9525">
                     <a:solidFill>
                       <a:srgbClr val="000000"/>
                     </a:solidFill>
@@ -24580,7 +27211,7 @@
               </a:ln>
               <a:extLst>
                 <a:ext uri="{91240B29-F687-4f45-9708-019B960494DF}">
-                  <a14:hiddenLine xmlns:a14="http://schemas.microsoft.com/office/drawing/2010/main" xmlns="" w="9525">
+                  <a14:hiddenLine xmlns="" xmlns:a14="http://schemas.microsoft.com/office/drawing/2010/main" w="9525">
                     <a:solidFill>
                       <a:srgbClr val="000000"/>
                     </a:solidFill>
@@ -24720,7 +27351,7 @@
           <a:p>
             <a:fld id="{B161ED54-F92D-43DD-9F3A-305F709C4501}" type="datetimeFigureOut">
               <a:rPr lang="fr-CH" smtClean="0"/>
-              <a:t>03.06.2014</a:t>
+              <a:t>05.06.2014</a:t>
             </a:fld>
             <a:endParaRPr lang="fr-CH"/>
           </a:p>
@@ -26008,6 +28639,43 @@
           </a:p>
         </p:txBody>
       </p:sp>
+      <p:pic>
+        <p:nvPicPr>
+          <p:cNvPr id="3" name="Image 2"/>
+          <p:cNvPicPr>
+            <a:picLocks noChangeAspect="1"/>
+          </p:cNvPicPr>
+          <p:nvPr/>
+        </p:nvPicPr>
+        <p:blipFill>
+          <a:blip r:embed="rId3"/>
+          <a:stretch>
+            <a:fillRect/>
+          </a:stretch>
+        </p:blipFill>
+        <p:spPr>
+          <a:xfrm>
+            <a:off x="1546284" y="1785258"/>
+            <a:ext cx="7910142" cy="4449455"/>
+          </a:xfrm>
+          <a:prstGeom prst="roundRect">
+            <a:avLst>
+              <a:gd name="adj" fmla="val 8594"/>
+            </a:avLst>
+          </a:prstGeom>
+          <a:solidFill>
+            <a:srgbClr val="FFFFFF">
+              <a:shade val="85000"/>
+            </a:srgbClr>
+          </a:solidFill>
+          <a:ln>
+            <a:noFill/>
+          </a:ln>
+          <a:effectLst>
+            <a:reflection blurRad="12700" stA="38000" endPos="28000" dist="5000" dir="5400000" sy="-100000" algn="bl" rotWithShape="0"/>
+          </a:effectLst>
+        </p:spPr>
+      </p:pic>
     </p:spTree>
     <p:extLst>
       <p:ext uri="{BB962C8B-B14F-4D97-AF65-F5344CB8AC3E}">
@@ -26068,25 +28736,56 @@
           </a:p>
         </p:txBody>
       </p:sp>
-      <p:sp>
-        <p:nvSpPr>
-          <p:cNvPr id="3" name="Espace réservé du contenu 2"/>
-          <p:cNvSpPr>
-            <a:spLocks noGrp="1"/>
-          </p:cNvSpPr>
-          <p:nvPr>
-            <p:ph idx="1"/>
-          </p:nvPr>
-        </p:nvSpPr>
-        <p:spPr/>
-        <p:txBody>
-          <a:bodyPr/>
-          <a:lstStyle/>
-          <a:p>
-            <a:endParaRPr lang="fr-CH"/>
-          </a:p>
-        </p:txBody>
-      </p:sp>
+      <p:pic>
+        <p:nvPicPr>
+          <p:cNvPr id="4" name="Image 3"/>
+          <p:cNvPicPr>
+            <a:picLocks noChangeAspect="1"/>
+          </p:cNvPicPr>
+          <p:nvPr/>
+        </p:nvPicPr>
+        <p:blipFill>
+          <a:blip r:embed="rId3"/>
+          <a:stretch>
+            <a:fillRect/>
+          </a:stretch>
+        </p:blipFill>
+        <p:spPr>
+          <a:xfrm>
+            <a:off x="2725783" y="1902546"/>
+            <a:ext cx="5564406" cy="4306665"/>
+          </a:xfrm>
+          <a:prstGeom prst="roundRect">
+            <a:avLst>
+              <a:gd name="adj" fmla="val 4167"/>
+            </a:avLst>
+          </a:prstGeom>
+          <a:solidFill>
+            <a:srgbClr val="FFFFFF"/>
+          </a:solidFill>
+          <a:ln w="76200" cap="sq">
+            <a:solidFill>
+              <a:srgbClr val="292929"/>
+            </a:solidFill>
+            <a:miter lim="800000"/>
+          </a:ln>
+          <a:effectLst>
+            <a:reflection blurRad="12700" stA="28000" endPos="28000" dist="5000" dir="5400000" sy="-100000" algn="bl" rotWithShape="0"/>
+          </a:effectLst>
+          <a:scene3d>
+            <a:camera prst="orthographicFront"/>
+            <a:lightRig rig="threePt" dir="t">
+              <a:rot lat="0" lon="0" rev="2700000"/>
+            </a:lightRig>
+          </a:scene3d>
+          <a:sp3d>
+            <a:bevelT h="38100"/>
+            <a:contourClr>
+              <a:srgbClr val="C0C0C0"/>
+            </a:contourClr>
+          </a:sp3d>
+        </p:spPr>
+      </p:pic>
     </p:spTree>
     <p:extLst>
       <p:ext uri="{BB962C8B-B14F-4D97-AF65-F5344CB8AC3E}">
@@ -26251,9 +28950,35 @@
             <a:off x="3905793" y="2655026"/>
             <a:ext cx="3352800" cy="1600200"/>
           </a:xfrm>
-          <a:prstGeom prst="rect">
-            <a:avLst/>
+          <a:prstGeom prst="roundRect">
+            <a:avLst>
+              <a:gd name="adj" fmla="val 4167"/>
+            </a:avLst>
           </a:prstGeom>
+          <a:solidFill>
+            <a:srgbClr val="FFFFFF"/>
+          </a:solidFill>
+          <a:ln w="76200" cap="sq">
+            <a:solidFill>
+              <a:srgbClr val="292929"/>
+            </a:solidFill>
+            <a:miter lim="800000"/>
+          </a:ln>
+          <a:effectLst>
+            <a:reflection blurRad="12700" stA="28000" endPos="28000" dist="5000" dir="5400000" sy="-100000" algn="bl" rotWithShape="0"/>
+          </a:effectLst>
+          <a:scene3d>
+            <a:camera prst="orthographicFront"/>
+            <a:lightRig rig="threePt" dir="t">
+              <a:rot lat="0" lon="0" rev="2700000"/>
+            </a:lightRig>
+          </a:scene3d>
+          <a:sp3d>
+            <a:bevelT h="38100"/>
+            <a:contourClr>
+              <a:srgbClr val="C0C0C0"/>
+            </a:contourClr>
+          </a:sp3d>
         </p:spPr>
       </p:pic>
     </p:spTree>
@@ -26335,9 +29060,35 @@
             <a:off x="1889759" y="1863167"/>
             <a:ext cx="7106058" cy="4307127"/>
           </a:xfrm>
-          <a:prstGeom prst="rect">
-            <a:avLst/>
+          <a:prstGeom prst="roundRect">
+            <a:avLst>
+              <a:gd name="adj" fmla="val 4167"/>
+            </a:avLst>
           </a:prstGeom>
+          <a:solidFill>
+            <a:srgbClr val="FFFFFF"/>
+          </a:solidFill>
+          <a:ln w="76200" cap="sq">
+            <a:solidFill>
+              <a:srgbClr val="292929"/>
+            </a:solidFill>
+            <a:miter lim="800000"/>
+          </a:ln>
+          <a:effectLst>
+            <a:reflection blurRad="12700" stA="28000" endPos="28000" dist="5000" dir="5400000" sy="-100000" algn="bl" rotWithShape="0"/>
+          </a:effectLst>
+          <a:scene3d>
+            <a:camera prst="orthographicFront"/>
+            <a:lightRig rig="threePt" dir="t">
+              <a:rot lat="0" lon="0" rev="2700000"/>
+            </a:lightRig>
+          </a:scene3d>
+          <a:sp3d>
+            <a:bevelT h="38100"/>
+            <a:contourClr>
+              <a:srgbClr val="C0C0C0"/>
+            </a:contourClr>
+          </a:sp3d>
         </p:spPr>
       </p:pic>
     </p:spTree>

--- a/documentation/présentation.pptx
+++ b/documentation/présentation.pptx
@@ -3117,6 +3117,753 @@
 </file>
 
 <file path=ppt/diagrams/colors5.xml><?xml version="1.0" encoding="utf-8"?>
+<dgm:colorsDef xmlns:dgm="http://schemas.openxmlformats.org/drawingml/2006/diagram" xmlns:a="http://schemas.openxmlformats.org/drawingml/2006/main" uniqueId="urn:microsoft.com/office/officeart/2005/8/colors/accent1_2">
+  <dgm:title val=""/>
+  <dgm:desc val=""/>
+  <dgm:catLst>
+    <dgm:cat type="accent1" pri="11200"/>
+  </dgm:catLst>
+  <dgm:styleLbl name="node0">
+    <dgm:fillClrLst meth="repeat">
+      <a:schemeClr val="accent1"/>
+    </dgm:fillClrLst>
+    <dgm:linClrLst meth="repeat">
+      <a:schemeClr val="lt1"/>
+    </dgm:linClrLst>
+    <dgm:effectClrLst/>
+    <dgm:txLinClrLst/>
+    <dgm:txFillClrLst/>
+    <dgm:txEffectClrLst/>
+  </dgm:styleLbl>
+  <dgm:styleLbl name="alignNode1">
+    <dgm:fillClrLst meth="repeat">
+      <a:schemeClr val="accent1"/>
+    </dgm:fillClrLst>
+    <dgm:linClrLst meth="repeat">
+      <a:schemeClr val="accent1"/>
+    </dgm:linClrLst>
+    <dgm:effectClrLst/>
+    <dgm:txLinClrLst/>
+    <dgm:txFillClrLst/>
+    <dgm:txEffectClrLst/>
+  </dgm:styleLbl>
+  <dgm:styleLbl name="node1">
+    <dgm:fillClrLst meth="repeat">
+      <a:schemeClr val="accent1"/>
+    </dgm:fillClrLst>
+    <dgm:linClrLst meth="repeat">
+      <a:schemeClr val="lt1"/>
+    </dgm:linClrLst>
+    <dgm:effectClrLst/>
+    <dgm:txLinClrLst/>
+    <dgm:txFillClrLst/>
+    <dgm:txEffectClrLst/>
+  </dgm:styleLbl>
+  <dgm:styleLbl name="lnNode1">
+    <dgm:fillClrLst meth="repeat">
+      <a:schemeClr val="accent1"/>
+    </dgm:fillClrLst>
+    <dgm:linClrLst meth="repeat">
+      <a:schemeClr val="lt1"/>
+    </dgm:linClrLst>
+    <dgm:effectClrLst/>
+    <dgm:txLinClrLst/>
+    <dgm:txFillClrLst/>
+    <dgm:txEffectClrLst/>
+  </dgm:styleLbl>
+  <dgm:styleLbl name="vennNode1">
+    <dgm:fillClrLst meth="repeat">
+      <a:schemeClr val="accent1">
+        <a:alpha val="50000"/>
+      </a:schemeClr>
+    </dgm:fillClrLst>
+    <dgm:linClrLst meth="repeat">
+      <a:schemeClr val="lt1"/>
+    </dgm:linClrLst>
+    <dgm:effectClrLst/>
+    <dgm:txLinClrLst/>
+    <dgm:txFillClrLst/>
+    <dgm:txEffectClrLst/>
+  </dgm:styleLbl>
+  <dgm:styleLbl name="node2">
+    <dgm:fillClrLst meth="repeat">
+      <a:schemeClr val="accent1"/>
+    </dgm:fillClrLst>
+    <dgm:linClrLst meth="repeat">
+      <a:schemeClr val="lt1"/>
+    </dgm:linClrLst>
+    <dgm:effectClrLst/>
+    <dgm:txLinClrLst/>
+    <dgm:txFillClrLst/>
+    <dgm:txEffectClrLst/>
+  </dgm:styleLbl>
+  <dgm:styleLbl name="node3">
+    <dgm:fillClrLst meth="repeat">
+      <a:schemeClr val="accent1"/>
+    </dgm:fillClrLst>
+    <dgm:linClrLst meth="repeat">
+      <a:schemeClr val="lt1"/>
+    </dgm:linClrLst>
+    <dgm:effectClrLst/>
+    <dgm:txLinClrLst/>
+    <dgm:txFillClrLst/>
+    <dgm:txEffectClrLst/>
+  </dgm:styleLbl>
+  <dgm:styleLbl name="node4">
+    <dgm:fillClrLst meth="repeat">
+      <a:schemeClr val="accent1"/>
+    </dgm:fillClrLst>
+    <dgm:linClrLst meth="repeat">
+      <a:schemeClr val="lt1"/>
+    </dgm:linClrLst>
+    <dgm:effectClrLst/>
+    <dgm:txLinClrLst/>
+    <dgm:txFillClrLst/>
+    <dgm:txEffectClrLst/>
+  </dgm:styleLbl>
+  <dgm:styleLbl name="fgImgPlace1">
+    <dgm:fillClrLst meth="repeat">
+      <a:schemeClr val="accent1">
+        <a:tint val="50000"/>
+      </a:schemeClr>
+    </dgm:fillClrLst>
+    <dgm:linClrLst meth="repeat">
+      <a:schemeClr val="lt1"/>
+    </dgm:linClrLst>
+    <dgm:effectClrLst/>
+    <dgm:txLinClrLst/>
+    <dgm:txFillClrLst meth="repeat">
+      <a:schemeClr val="lt1"/>
+    </dgm:txFillClrLst>
+    <dgm:txEffectClrLst/>
+  </dgm:styleLbl>
+  <dgm:styleLbl name="alignImgPlace1">
+    <dgm:fillClrLst meth="repeat">
+      <a:schemeClr val="accent1">
+        <a:tint val="50000"/>
+      </a:schemeClr>
+    </dgm:fillClrLst>
+    <dgm:linClrLst meth="repeat">
+      <a:schemeClr val="lt1"/>
+    </dgm:linClrLst>
+    <dgm:effectClrLst/>
+    <dgm:txLinClrLst/>
+    <dgm:txFillClrLst meth="repeat">
+      <a:schemeClr val="lt1"/>
+    </dgm:txFillClrLst>
+    <dgm:txEffectClrLst/>
+  </dgm:styleLbl>
+  <dgm:styleLbl name="bgImgPlace1">
+    <dgm:fillClrLst meth="repeat">
+      <a:schemeClr val="accent1">
+        <a:tint val="50000"/>
+      </a:schemeClr>
+    </dgm:fillClrLst>
+    <dgm:linClrLst meth="repeat">
+      <a:schemeClr val="lt1"/>
+    </dgm:linClrLst>
+    <dgm:effectClrLst/>
+    <dgm:txLinClrLst/>
+    <dgm:txFillClrLst meth="repeat">
+      <a:schemeClr val="lt1"/>
+    </dgm:txFillClrLst>
+    <dgm:txEffectClrLst/>
+  </dgm:styleLbl>
+  <dgm:styleLbl name="sibTrans2D1">
+    <dgm:fillClrLst meth="repeat">
+      <a:schemeClr val="accent1">
+        <a:tint val="60000"/>
+      </a:schemeClr>
+    </dgm:fillClrLst>
+    <dgm:linClrLst meth="repeat">
+      <a:schemeClr val="accent1">
+        <a:tint val="60000"/>
+      </a:schemeClr>
+    </dgm:linClrLst>
+    <dgm:effectClrLst/>
+    <dgm:txLinClrLst/>
+    <dgm:txFillClrLst/>
+    <dgm:txEffectClrLst/>
+  </dgm:styleLbl>
+  <dgm:styleLbl name="fgSibTrans2D1">
+    <dgm:fillClrLst meth="repeat">
+      <a:schemeClr val="accent1">
+        <a:tint val="60000"/>
+      </a:schemeClr>
+    </dgm:fillClrLst>
+    <dgm:linClrLst meth="repeat">
+      <a:schemeClr val="accent1">
+        <a:tint val="60000"/>
+      </a:schemeClr>
+    </dgm:linClrLst>
+    <dgm:effectClrLst/>
+    <dgm:txLinClrLst/>
+    <dgm:txFillClrLst/>
+    <dgm:txEffectClrLst/>
+  </dgm:styleLbl>
+  <dgm:styleLbl name="bgSibTrans2D1">
+    <dgm:fillClrLst meth="repeat">
+      <a:schemeClr val="accent1">
+        <a:tint val="60000"/>
+      </a:schemeClr>
+    </dgm:fillClrLst>
+    <dgm:linClrLst meth="repeat">
+      <a:schemeClr val="accent1">
+        <a:tint val="60000"/>
+      </a:schemeClr>
+    </dgm:linClrLst>
+    <dgm:effectClrLst/>
+    <dgm:txLinClrLst/>
+    <dgm:txFillClrLst/>
+    <dgm:txEffectClrLst/>
+  </dgm:styleLbl>
+  <dgm:styleLbl name="sibTrans1D1">
+    <dgm:fillClrLst meth="repeat">
+      <a:schemeClr val="accent1"/>
+    </dgm:fillClrLst>
+    <dgm:linClrLst meth="repeat">
+      <a:schemeClr val="accent1"/>
+    </dgm:linClrLst>
+    <dgm:effectClrLst/>
+    <dgm:txLinClrLst/>
+    <dgm:txFillClrLst meth="repeat">
+      <a:schemeClr val="tx1"/>
+    </dgm:txFillClrLst>
+    <dgm:txEffectClrLst/>
+  </dgm:styleLbl>
+  <dgm:styleLbl name="callout">
+    <dgm:fillClrLst meth="repeat">
+      <a:schemeClr val="accent1"/>
+    </dgm:fillClrLst>
+    <dgm:linClrLst meth="repeat">
+      <a:schemeClr val="accent1">
+        <a:tint val="50000"/>
+      </a:schemeClr>
+    </dgm:linClrLst>
+    <dgm:effectClrLst/>
+    <dgm:txLinClrLst/>
+    <dgm:txFillClrLst meth="repeat">
+      <a:schemeClr val="tx1"/>
+    </dgm:txFillClrLst>
+    <dgm:txEffectClrLst/>
+  </dgm:styleLbl>
+  <dgm:styleLbl name="asst0">
+    <dgm:fillClrLst meth="repeat">
+      <a:schemeClr val="accent1"/>
+    </dgm:fillClrLst>
+    <dgm:linClrLst meth="repeat">
+      <a:schemeClr val="lt1"/>
+    </dgm:linClrLst>
+    <dgm:effectClrLst/>
+    <dgm:txLinClrLst/>
+    <dgm:txFillClrLst/>
+    <dgm:txEffectClrLst/>
+  </dgm:styleLbl>
+  <dgm:styleLbl name="asst1">
+    <dgm:fillClrLst meth="repeat">
+      <a:schemeClr val="accent1"/>
+    </dgm:fillClrLst>
+    <dgm:linClrLst meth="repeat">
+      <a:schemeClr val="lt1"/>
+    </dgm:linClrLst>
+    <dgm:effectClrLst/>
+    <dgm:txLinClrLst/>
+    <dgm:txFillClrLst/>
+    <dgm:txEffectClrLst/>
+  </dgm:styleLbl>
+  <dgm:styleLbl name="asst2">
+    <dgm:fillClrLst meth="repeat">
+      <a:schemeClr val="accent1"/>
+    </dgm:fillClrLst>
+    <dgm:linClrLst meth="repeat">
+      <a:schemeClr val="lt1"/>
+    </dgm:linClrLst>
+    <dgm:effectClrLst/>
+    <dgm:txLinClrLst/>
+    <dgm:txFillClrLst/>
+    <dgm:txEffectClrLst/>
+  </dgm:styleLbl>
+  <dgm:styleLbl name="asst3">
+    <dgm:fillClrLst meth="repeat">
+      <a:schemeClr val="accent1"/>
+    </dgm:fillClrLst>
+    <dgm:linClrLst meth="repeat">
+      <a:schemeClr val="lt1"/>
+    </dgm:linClrLst>
+    <dgm:effectClrLst/>
+    <dgm:txLinClrLst/>
+    <dgm:txFillClrLst/>
+    <dgm:txEffectClrLst/>
+  </dgm:styleLbl>
+  <dgm:styleLbl name="asst4">
+    <dgm:fillClrLst meth="repeat">
+      <a:schemeClr val="accent1"/>
+    </dgm:fillClrLst>
+    <dgm:linClrLst meth="repeat">
+      <a:schemeClr val="lt1"/>
+    </dgm:linClrLst>
+    <dgm:effectClrLst/>
+    <dgm:txLinClrLst/>
+    <dgm:txFillClrLst/>
+    <dgm:txEffectClrLst/>
+  </dgm:styleLbl>
+  <dgm:styleLbl name="parChTrans2D1">
+    <dgm:fillClrLst meth="repeat">
+      <a:schemeClr val="accent1">
+        <a:tint val="60000"/>
+      </a:schemeClr>
+    </dgm:fillClrLst>
+    <dgm:linClrLst meth="repeat">
+      <a:schemeClr val="accent1">
+        <a:tint val="60000"/>
+      </a:schemeClr>
+    </dgm:linClrLst>
+    <dgm:effectClrLst/>
+    <dgm:txLinClrLst/>
+    <dgm:txFillClrLst meth="repeat">
+      <a:schemeClr val="lt1"/>
+    </dgm:txFillClrLst>
+    <dgm:txEffectClrLst/>
+  </dgm:styleLbl>
+  <dgm:styleLbl name="parChTrans2D2">
+    <dgm:fillClrLst meth="repeat">
+      <a:schemeClr val="accent1"/>
+    </dgm:fillClrLst>
+    <dgm:linClrLst meth="repeat">
+      <a:schemeClr val="accent1"/>
+    </dgm:linClrLst>
+    <dgm:effectClrLst/>
+    <dgm:txLinClrLst/>
+    <dgm:txFillClrLst meth="repeat">
+      <a:schemeClr val="lt1"/>
+    </dgm:txFillClrLst>
+    <dgm:txEffectClrLst/>
+  </dgm:styleLbl>
+  <dgm:styleLbl name="parChTrans2D3">
+    <dgm:fillClrLst meth="repeat">
+      <a:schemeClr val="accent1"/>
+    </dgm:fillClrLst>
+    <dgm:linClrLst meth="repeat">
+      <a:schemeClr val="accent1"/>
+    </dgm:linClrLst>
+    <dgm:effectClrLst/>
+    <dgm:txLinClrLst/>
+    <dgm:txFillClrLst meth="repeat">
+      <a:schemeClr val="lt1"/>
+    </dgm:txFillClrLst>
+    <dgm:txEffectClrLst/>
+  </dgm:styleLbl>
+  <dgm:styleLbl name="parChTrans2D4">
+    <dgm:fillClrLst meth="repeat">
+      <a:schemeClr val="accent1"/>
+    </dgm:fillClrLst>
+    <dgm:linClrLst meth="repeat">
+      <a:schemeClr val="accent1"/>
+    </dgm:linClrLst>
+    <dgm:effectClrLst/>
+    <dgm:txLinClrLst/>
+    <dgm:txFillClrLst meth="repeat">
+      <a:schemeClr val="lt1"/>
+    </dgm:txFillClrLst>
+    <dgm:txEffectClrLst/>
+  </dgm:styleLbl>
+  <dgm:styleLbl name="parChTrans1D1">
+    <dgm:fillClrLst meth="repeat">
+      <a:schemeClr val="accent1"/>
+    </dgm:fillClrLst>
+    <dgm:linClrLst meth="repeat">
+      <a:schemeClr val="accent1">
+        <a:shade val="60000"/>
+      </a:schemeClr>
+    </dgm:linClrLst>
+    <dgm:effectClrLst/>
+    <dgm:txLinClrLst/>
+    <dgm:txFillClrLst meth="repeat">
+      <a:schemeClr val="tx1"/>
+    </dgm:txFillClrLst>
+    <dgm:txEffectClrLst/>
+  </dgm:styleLbl>
+  <dgm:styleLbl name="parChTrans1D2">
+    <dgm:fillClrLst meth="repeat">
+      <a:schemeClr val="accent1"/>
+    </dgm:fillClrLst>
+    <dgm:linClrLst meth="repeat">
+      <a:schemeClr val="accent1">
+        <a:shade val="60000"/>
+      </a:schemeClr>
+    </dgm:linClrLst>
+    <dgm:effectClrLst/>
+    <dgm:txLinClrLst/>
+    <dgm:txFillClrLst meth="repeat">
+      <a:schemeClr val="tx1"/>
+    </dgm:txFillClrLst>
+    <dgm:txEffectClrLst/>
+  </dgm:styleLbl>
+  <dgm:styleLbl name="parChTrans1D3">
+    <dgm:fillClrLst meth="repeat">
+      <a:schemeClr val="accent1"/>
+    </dgm:fillClrLst>
+    <dgm:linClrLst meth="repeat">
+      <a:schemeClr val="accent1">
+        <a:shade val="80000"/>
+      </a:schemeClr>
+    </dgm:linClrLst>
+    <dgm:effectClrLst/>
+    <dgm:txLinClrLst/>
+    <dgm:txFillClrLst meth="repeat">
+      <a:schemeClr val="tx1"/>
+    </dgm:txFillClrLst>
+    <dgm:txEffectClrLst/>
+  </dgm:styleLbl>
+  <dgm:styleLbl name="parChTrans1D4">
+    <dgm:fillClrLst meth="repeat">
+      <a:schemeClr val="accent1"/>
+    </dgm:fillClrLst>
+    <dgm:linClrLst meth="repeat">
+      <a:schemeClr val="accent1">
+        <a:shade val="80000"/>
+      </a:schemeClr>
+    </dgm:linClrLst>
+    <dgm:effectClrLst/>
+    <dgm:txLinClrLst/>
+    <dgm:txFillClrLst meth="repeat">
+      <a:schemeClr val="tx1"/>
+    </dgm:txFillClrLst>
+    <dgm:txEffectClrLst/>
+  </dgm:styleLbl>
+  <dgm:styleLbl name="fgAcc1">
+    <dgm:fillClrLst meth="repeat">
+      <a:schemeClr val="lt1">
+        <a:alpha val="90000"/>
+      </a:schemeClr>
+    </dgm:fillClrLst>
+    <dgm:linClrLst meth="repeat">
+      <a:schemeClr val="accent1"/>
+    </dgm:linClrLst>
+    <dgm:effectClrLst/>
+    <dgm:txLinClrLst/>
+    <dgm:txFillClrLst meth="repeat">
+      <a:schemeClr val="dk1"/>
+    </dgm:txFillClrLst>
+    <dgm:txEffectClrLst/>
+  </dgm:styleLbl>
+  <dgm:styleLbl name="conFgAcc1">
+    <dgm:fillClrLst meth="repeat">
+      <a:schemeClr val="lt1">
+        <a:alpha val="90000"/>
+      </a:schemeClr>
+    </dgm:fillClrLst>
+    <dgm:linClrLst meth="repeat">
+      <a:schemeClr val="accent1"/>
+    </dgm:linClrLst>
+    <dgm:effectClrLst/>
+    <dgm:txLinClrLst/>
+    <dgm:txFillClrLst meth="repeat">
+      <a:schemeClr val="dk1"/>
+    </dgm:txFillClrLst>
+    <dgm:txEffectClrLst/>
+  </dgm:styleLbl>
+  <dgm:styleLbl name="alignAcc1">
+    <dgm:fillClrLst meth="repeat">
+      <a:schemeClr val="lt1">
+        <a:alpha val="90000"/>
+      </a:schemeClr>
+    </dgm:fillClrLst>
+    <dgm:linClrLst meth="repeat">
+      <a:schemeClr val="accent1"/>
+    </dgm:linClrLst>
+    <dgm:effectClrLst/>
+    <dgm:txLinClrLst/>
+    <dgm:txFillClrLst meth="repeat">
+      <a:schemeClr val="dk1"/>
+    </dgm:txFillClrLst>
+    <dgm:txEffectClrLst/>
+  </dgm:styleLbl>
+  <dgm:styleLbl name="trAlignAcc1">
+    <dgm:fillClrLst meth="repeat">
+      <a:schemeClr val="lt1">
+        <a:alpha val="40000"/>
+      </a:schemeClr>
+    </dgm:fillClrLst>
+    <dgm:linClrLst meth="repeat">
+      <a:schemeClr val="accent1"/>
+    </dgm:linClrLst>
+    <dgm:effectClrLst/>
+    <dgm:txLinClrLst/>
+    <dgm:txFillClrLst meth="repeat">
+      <a:schemeClr val="dk1"/>
+    </dgm:txFillClrLst>
+    <dgm:txEffectClrLst/>
+  </dgm:styleLbl>
+  <dgm:styleLbl name="bgAcc1">
+    <dgm:fillClrLst meth="repeat">
+      <a:schemeClr val="lt1">
+        <a:alpha val="90000"/>
+      </a:schemeClr>
+    </dgm:fillClrLst>
+    <dgm:linClrLst meth="repeat">
+      <a:schemeClr val="accent1"/>
+    </dgm:linClrLst>
+    <dgm:effectClrLst/>
+    <dgm:txLinClrLst/>
+    <dgm:txFillClrLst meth="repeat">
+      <a:schemeClr val="dk1"/>
+    </dgm:txFillClrLst>
+    <dgm:txEffectClrLst/>
+  </dgm:styleLbl>
+  <dgm:styleLbl name="solidFgAcc1">
+    <dgm:fillClrLst meth="repeat">
+      <a:schemeClr val="lt1"/>
+    </dgm:fillClrLst>
+    <dgm:linClrLst meth="repeat">
+      <a:schemeClr val="accent1"/>
+    </dgm:linClrLst>
+    <dgm:effectClrLst/>
+    <dgm:txLinClrLst/>
+    <dgm:txFillClrLst meth="repeat">
+      <a:schemeClr val="dk1"/>
+    </dgm:txFillClrLst>
+    <dgm:txEffectClrLst/>
+  </dgm:styleLbl>
+  <dgm:styleLbl name="solidAlignAcc1">
+    <dgm:fillClrLst meth="repeat">
+      <a:schemeClr val="lt1"/>
+    </dgm:fillClrLst>
+    <dgm:linClrLst meth="repeat">
+      <a:schemeClr val="accent1"/>
+    </dgm:linClrLst>
+    <dgm:effectClrLst/>
+    <dgm:txLinClrLst/>
+    <dgm:txFillClrLst meth="repeat">
+      <a:schemeClr val="dk1"/>
+    </dgm:txFillClrLst>
+    <dgm:txEffectClrLst/>
+  </dgm:styleLbl>
+  <dgm:styleLbl name="solidBgAcc1">
+    <dgm:fillClrLst meth="repeat">
+      <a:schemeClr val="lt1"/>
+    </dgm:fillClrLst>
+    <dgm:linClrLst meth="repeat">
+      <a:schemeClr val="accent1"/>
+    </dgm:linClrLst>
+    <dgm:effectClrLst/>
+    <dgm:txLinClrLst/>
+    <dgm:txFillClrLst meth="repeat">
+      <a:schemeClr val="dk1"/>
+    </dgm:txFillClrLst>
+    <dgm:txEffectClrLst/>
+  </dgm:styleLbl>
+  <dgm:styleLbl name="fgAccFollowNode1">
+    <dgm:fillClrLst meth="repeat">
+      <a:schemeClr val="accent1">
+        <a:alpha val="90000"/>
+        <a:tint val="40000"/>
+      </a:schemeClr>
+    </dgm:fillClrLst>
+    <dgm:linClrLst meth="repeat">
+      <a:schemeClr val="accent1">
+        <a:alpha val="90000"/>
+        <a:tint val="40000"/>
+      </a:schemeClr>
+    </dgm:linClrLst>
+    <dgm:effectClrLst/>
+    <dgm:txLinClrLst/>
+    <dgm:txFillClrLst meth="repeat">
+      <a:schemeClr val="dk1"/>
+    </dgm:txFillClrLst>
+    <dgm:txEffectClrLst/>
+  </dgm:styleLbl>
+  <dgm:styleLbl name="alignAccFollowNode1">
+    <dgm:fillClrLst meth="repeat">
+      <a:schemeClr val="accent1">
+        <a:alpha val="90000"/>
+        <a:tint val="40000"/>
+      </a:schemeClr>
+    </dgm:fillClrLst>
+    <dgm:linClrLst meth="repeat">
+      <a:schemeClr val="accent1">
+        <a:alpha val="90000"/>
+        <a:tint val="40000"/>
+      </a:schemeClr>
+    </dgm:linClrLst>
+    <dgm:effectClrLst/>
+    <dgm:txLinClrLst/>
+    <dgm:txFillClrLst meth="repeat">
+      <a:schemeClr val="dk1"/>
+    </dgm:txFillClrLst>
+    <dgm:txEffectClrLst/>
+  </dgm:styleLbl>
+  <dgm:styleLbl name="bgAccFollowNode1">
+    <dgm:fillClrLst meth="repeat">
+      <a:schemeClr val="accent1">
+        <a:alpha val="90000"/>
+        <a:tint val="40000"/>
+      </a:schemeClr>
+    </dgm:fillClrLst>
+    <dgm:linClrLst meth="repeat">
+      <a:schemeClr val="accent1">
+        <a:alpha val="90000"/>
+        <a:tint val="40000"/>
+      </a:schemeClr>
+    </dgm:linClrLst>
+    <dgm:effectClrLst/>
+    <dgm:txLinClrLst/>
+    <dgm:txFillClrLst meth="repeat">
+      <a:schemeClr val="dk1"/>
+    </dgm:txFillClrLst>
+    <dgm:txEffectClrLst/>
+  </dgm:styleLbl>
+  <dgm:styleLbl name="fgAcc0">
+    <dgm:fillClrLst meth="repeat">
+      <a:schemeClr val="lt1">
+        <a:alpha val="90000"/>
+      </a:schemeClr>
+    </dgm:fillClrLst>
+    <dgm:linClrLst meth="repeat">
+      <a:schemeClr val="accent1"/>
+    </dgm:linClrLst>
+    <dgm:effectClrLst/>
+    <dgm:txLinClrLst/>
+    <dgm:txFillClrLst meth="repeat">
+      <a:schemeClr val="dk1"/>
+    </dgm:txFillClrLst>
+    <dgm:txEffectClrLst/>
+  </dgm:styleLbl>
+  <dgm:styleLbl name="fgAcc2">
+    <dgm:fillClrLst meth="repeat">
+      <a:schemeClr val="lt1">
+        <a:alpha val="90000"/>
+      </a:schemeClr>
+    </dgm:fillClrLst>
+    <dgm:linClrLst meth="repeat">
+      <a:schemeClr val="accent1"/>
+    </dgm:linClrLst>
+    <dgm:effectClrLst/>
+    <dgm:txLinClrLst/>
+    <dgm:txFillClrLst meth="repeat">
+      <a:schemeClr val="dk1"/>
+    </dgm:txFillClrLst>
+    <dgm:txEffectClrLst/>
+  </dgm:styleLbl>
+  <dgm:styleLbl name="fgAcc3">
+    <dgm:fillClrLst meth="repeat">
+      <a:schemeClr val="lt1">
+        <a:alpha val="90000"/>
+      </a:schemeClr>
+    </dgm:fillClrLst>
+    <dgm:linClrLst meth="repeat">
+      <a:schemeClr val="accent1"/>
+    </dgm:linClrLst>
+    <dgm:effectClrLst/>
+    <dgm:txLinClrLst/>
+    <dgm:txFillClrLst meth="repeat">
+      <a:schemeClr val="dk1"/>
+    </dgm:txFillClrLst>
+    <dgm:txEffectClrLst/>
+  </dgm:styleLbl>
+  <dgm:styleLbl name="fgAcc4">
+    <dgm:fillClrLst meth="repeat">
+      <a:schemeClr val="lt1">
+        <a:alpha val="90000"/>
+      </a:schemeClr>
+    </dgm:fillClrLst>
+    <dgm:linClrLst meth="repeat">
+      <a:schemeClr val="accent1"/>
+    </dgm:linClrLst>
+    <dgm:effectClrLst/>
+    <dgm:txLinClrLst/>
+    <dgm:txFillClrLst meth="repeat">
+      <a:schemeClr val="dk1"/>
+    </dgm:txFillClrLst>
+    <dgm:txEffectClrLst/>
+  </dgm:styleLbl>
+  <dgm:styleLbl name="bgShp">
+    <dgm:fillClrLst meth="repeat">
+      <a:schemeClr val="accent1">
+        <a:tint val="40000"/>
+      </a:schemeClr>
+    </dgm:fillClrLst>
+    <dgm:linClrLst meth="repeat">
+      <a:schemeClr val="accent1"/>
+    </dgm:linClrLst>
+    <dgm:effectClrLst/>
+    <dgm:txLinClrLst/>
+    <dgm:txFillClrLst meth="repeat">
+      <a:schemeClr val="dk1"/>
+    </dgm:txFillClrLst>
+    <dgm:txEffectClrLst/>
+  </dgm:styleLbl>
+  <dgm:styleLbl name="dkBgShp">
+    <dgm:fillClrLst meth="repeat">
+      <a:schemeClr val="accent1">
+        <a:shade val="80000"/>
+      </a:schemeClr>
+    </dgm:fillClrLst>
+    <dgm:linClrLst meth="repeat">
+      <a:schemeClr val="accent1"/>
+    </dgm:linClrLst>
+    <dgm:effectClrLst/>
+    <dgm:txLinClrLst/>
+    <dgm:txFillClrLst meth="repeat">
+      <a:schemeClr val="lt1"/>
+    </dgm:txFillClrLst>
+    <dgm:txEffectClrLst/>
+  </dgm:styleLbl>
+  <dgm:styleLbl name="trBgShp">
+    <dgm:fillClrLst meth="repeat">
+      <a:schemeClr val="accent1">
+        <a:tint val="50000"/>
+        <a:alpha val="40000"/>
+      </a:schemeClr>
+    </dgm:fillClrLst>
+    <dgm:linClrLst meth="repeat">
+      <a:schemeClr val="accent1"/>
+    </dgm:linClrLst>
+    <dgm:effectClrLst/>
+    <dgm:txLinClrLst/>
+    <dgm:txFillClrLst meth="repeat">
+      <a:schemeClr val="lt1"/>
+    </dgm:txFillClrLst>
+    <dgm:txEffectClrLst/>
+  </dgm:styleLbl>
+  <dgm:styleLbl name="fgShp">
+    <dgm:fillClrLst meth="repeat">
+      <a:schemeClr val="accent1">
+        <a:tint val="60000"/>
+      </a:schemeClr>
+    </dgm:fillClrLst>
+    <dgm:linClrLst meth="repeat">
+      <a:schemeClr val="lt1"/>
+    </dgm:linClrLst>
+    <dgm:effectClrLst/>
+    <dgm:txLinClrLst/>
+    <dgm:txFillClrLst meth="repeat">
+      <a:schemeClr val="dk1"/>
+    </dgm:txFillClrLst>
+    <dgm:txEffectClrLst/>
+  </dgm:styleLbl>
+  <dgm:styleLbl name="revTx">
+    <dgm:fillClrLst meth="repeat">
+      <a:schemeClr val="lt1">
+        <a:alpha val="0"/>
+      </a:schemeClr>
+    </dgm:fillClrLst>
+    <dgm:linClrLst meth="repeat">
+      <a:schemeClr val="dk1">
+        <a:alpha val="0"/>
+      </a:schemeClr>
+    </dgm:linClrLst>
+    <dgm:effectClrLst/>
+    <dgm:txLinClrLst/>
+    <dgm:txFillClrLst meth="repeat">
+      <a:schemeClr val="tx1"/>
+    </dgm:txFillClrLst>
+    <dgm:txEffectClrLst/>
+  </dgm:styleLbl>
+</dgm:colorsDef>
+</file>
+
+<file path=ppt/diagrams/colors6.xml><?xml version="1.0" encoding="utf-8"?>
 <dgm:colorsDef xmlns:dgm="http://schemas.openxmlformats.org/drawingml/2006/diagram" xmlns:a="http://schemas.openxmlformats.org/drawingml/2006/main" uniqueId="urn:microsoft.com/office/officeart/2005/8/colors/accent1_2">
   <dgm:title val=""/>
   <dgm:desc val=""/>
@@ -4010,8 +4757,8 @@
     <dgm:cxn modelId="{FF87B51C-36E8-48F0-A7E6-059F27C81ABE}" type="presOf" srcId="{846A27A0-4872-4AE0-96A3-17AC8C92513A}" destId="{514E9CCD-C288-437D-9FD9-2588A7E2DEFD}" srcOrd="0" destOrd="0" presId="urn:microsoft.com/office/officeart/2005/8/layout/vList2"/>
     <dgm:cxn modelId="{15AEDB2F-1018-4846-956D-1BD24431A1F3}" srcId="{7F672234-2035-4029-9680-33EBF42FC025}" destId="{C6338679-8D54-4FCE-AA7D-67D7310C39C1}" srcOrd="0" destOrd="0" parTransId="{52435F38-0FE0-4DB4-A399-1DB678AA18A8}" sibTransId="{979A6E7A-6778-4102-9554-E7750B0F8E7B}"/>
     <dgm:cxn modelId="{E9AEF5EC-375E-4695-8B6E-3F8A565EF872}" srcId="{7F672234-2035-4029-9680-33EBF42FC025}" destId="{846A27A0-4872-4AE0-96A3-17AC8C92513A}" srcOrd="1" destOrd="0" parTransId="{BF7FF322-380C-41DC-98A0-938046941D50}" sibTransId="{D21487F6-B7DA-4BA7-BDD7-D208D8B7CAA3}"/>
+    <dgm:cxn modelId="{8274723E-FF70-45D6-9F88-E9D6E8862B79}" type="presOf" srcId="{7F672234-2035-4029-9680-33EBF42FC025}" destId="{99CE30CC-E9C8-49C1-AE60-957B3871D152}" srcOrd="0" destOrd="0" presId="urn:microsoft.com/office/officeart/2005/8/layout/vList2"/>
     <dgm:cxn modelId="{93341FB0-25A9-4D08-A48D-01A79EA38762}" type="presOf" srcId="{C6338679-8D54-4FCE-AA7D-67D7310C39C1}" destId="{129E72CC-3FE6-425B-B060-E108414AEF92}" srcOrd="0" destOrd="0" presId="urn:microsoft.com/office/officeart/2005/8/layout/vList2"/>
-    <dgm:cxn modelId="{8274723E-FF70-45D6-9F88-E9D6E8862B79}" type="presOf" srcId="{7F672234-2035-4029-9680-33EBF42FC025}" destId="{99CE30CC-E9C8-49C1-AE60-957B3871D152}" srcOrd="0" destOrd="0" presId="urn:microsoft.com/office/officeart/2005/8/layout/vList2"/>
     <dgm:cxn modelId="{E205BF2B-5CE3-435C-88CE-92A644936BCC}" type="presParOf" srcId="{99CE30CC-E9C8-49C1-AE60-957B3871D152}" destId="{129E72CC-3FE6-425B-B060-E108414AEF92}" srcOrd="0" destOrd="0" presId="urn:microsoft.com/office/officeart/2005/8/layout/vList2"/>
     <dgm:cxn modelId="{C44A1DC7-3DDB-4EDF-9A07-CB66AC4B3EDC}" type="presParOf" srcId="{99CE30CC-E9C8-49C1-AE60-957B3871D152}" destId="{B809310B-C095-4490-B385-598E27C0421A}" srcOrd="1" destOrd="0" presId="urn:microsoft.com/office/officeart/2005/8/layout/vList2"/>
     <dgm:cxn modelId="{1B6AA39F-924F-45B9-9020-584264CEC622}" type="presParOf" srcId="{99CE30CC-E9C8-49C1-AE60-957B3871D152}" destId="{514E9CCD-C288-437D-9FD9-2588A7E2DEFD}" srcOrd="2" destOrd="0" presId="urn:microsoft.com/office/officeart/2005/8/layout/vList2"/>
@@ -5462,7 +6209,15 @@
           <a:pPr rtl="0"/>
           <a:r>
             <a:rPr lang="fr-CH" dirty="0" smtClean="0"/>
-            <a:t>Permet d’agrandir un portion de l’image</a:t>
+            <a:t>Permet d’agrandir </a:t>
+          </a:r>
+          <a:r>
+            <a:rPr lang="fr-CH" dirty="0" smtClean="0"/>
+            <a:t>une </a:t>
+          </a:r>
+          <a:r>
+            <a:rPr lang="fr-CH" dirty="0" smtClean="0"/>
+            <a:t>portion de l’image</a:t>
           </a:r>
           <a:endParaRPr lang="fr-CH" dirty="0"/>
         </a:p>
@@ -6133,6 +6888,272 @@
     <dgm:cxn modelId="{4E536B05-C781-4239-BFD7-B381D228E0EA}" type="presParOf" srcId="{6DDAEA67-559B-4317-A1A9-8C04ED0E7189}" destId="{7530D3B1-44E6-4305-A75F-5317E8518830}" srcOrd="4" destOrd="0" presId="urn:microsoft.com/office/officeart/2005/8/layout/vList2"/>
     <dgm:cxn modelId="{85B2AB80-4A12-4988-9416-0FD4C5182885}" type="presParOf" srcId="{6DDAEA67-559B-4317-A1A9-8C04ED0E7189}" destId="{EBA5B6F6-A8BD-4EB7-B6F6-A4FC3B39B3A7}" srcOrd="5" destOrd="0" presId="urn:microsoft.com/office/officeart/2005/8/layout/vList2"/>
     <dgm:cxn modelId="{C4BD7F5A-29AA-4144-9D76-2E635188C177}" type="presParOf" srcId="{6DDAEA67-559B-4317-A1A9-8C04ED0E7189}" destId="{75776410-8455-4E3F-9111-3F65B4013C9D}" srcOrd="6" destOrd="0" presId="urn:microsoft.com/office/officeart/2005/8/layout/vList2"/>
+  </dgm:cxnLst>
+  <dgm:bg/>
+  <dgm:whole/>
+  <dgm:extLst>
+    <a:ext uri="http://schemas.microsoft.com/office/drawing/2008/diagram">
+      <dsp:dataModelExt xmlns:dsp="http://schemas.microsoft.com/office/drawing/2008/diagram" relId="rId6" minVer="http://schemas.openxmlformats.org/drawingml/2006/diagram"/>
+    </a:ext>
+  </dgm:extLst>
+</dgm:dataModel>
+</file>
+
+<file path=ppt/diagrams/data6.xml><?xml version="1.0" encoding="utf-8"?>
+<dgm:dataModel xmlns:dgm="http://schemas.openxmlformats.org/drawingml/2006/diagram" xmlns:a="http://schemas.openxmlformats.org/drawingml/2006/main">
+  <dgm:ptLst>
+    <dgm:pt modelId="{2CFF12CF-5584-430F-A565-88C9ACEBE70B}" type="doc">
+      <dgm:prSet loTypeId="urn:microsoft.com/office/officeart/2005/8/layout/vList3" loCatId="list" qsTypeId="urn:microsoft.com/office/officeart/2005/8/quickstyle/simple1" qsCatId="simple" csTypeId="urn:microsoft.com/office/officeart/2005/8/colors/accent1_2" csCatId="accent1" phldr="1"/>
+      <dgm:spPr/>
+      <dgm:t>
+        <a:bodyPr/>
+        <a:lstStyle/>
+        <a:p>
+          <a:endParaRPr lang="fr-CH"/>
+        </a:p>
+      </dgm:t>
+    </dgm:pt>
+    <dgm:pt modelId="{EA1AB411-89AB-4ECC-ABF4-3B0EF222C678}">
+      <dgm:prSet/>
+      <dgm:spPr/>
+      <dgm:t>
+        <a:bodyPr/>
+        <a:lstStyle/>
+        <a:p>
+          <a:pPr rtl="0"/>
+          <a:r>
+            <a:rPr lang="fr-CH" smtClean="0"/>
+            <a:t>Concevoir les interfaces différemment</a:t>
+          </a:r>
+          <a:endParaRPr lang="fr-CH"/>
+        </a:p>
+      </dgm:t>
+    </dgm:pt>
+    <dgm:pt modelId="{9C9252BD-FE79-4F7E-96DC-FC57346498DB}" type="parTrans" cxnId="{B66D905E-54B3-46BA-AD3E-B350DDE96D9B}">
+      <dgm:prSet/>
+      <dgm:spPr/>
+      <dgm:t>
+        <a:bodyPr/>
+        <a:lstStyle/>
+        <a:p>
+          <a:endParaRPr lang="fr-CH"/>
+        </a:p>
+      </dgm:t>
+    </dgm:pt>
+    <dgm:pt modelId="{CF39E731-8559-4690-B3F6-9C314A1D3E91}" type="sibTrans" cxnId="{B66D905E-54B3-46BA-AD3E-B350DDE96D9B}">
+      <dgm:prSet/>
+      <dgm:spPr/>
+      <dgm:t>
+        <a:bodyPr/>
+        <a:lstStyle/>
+        <a:p>
+          <a:endParaRPr lang="fr-CH"/>
+        </a:p>
+      </dgm:t>
+    </dgm:pt>
+    <dgm:pt modelId="{E7845CE9-B209-422E-87BE-9986155442DD}">
+      <dgm:prSet/>
+      <dgm:spPr/>
+      <dgm:t>
+        <a:bodyPr/>
+        <a:lstStyle/>
+        <a:p>
+          <a:pPr rtl="0"/>
+          <a:r>
+            <a:rPr lang="fr-CH" smtClean="0"/>
+            <a:t>Difficile de remplacer la souris</a:t>
+          </a:r>
+          <a:endParaRPr lang="fr-CH"/>
+        </a:p>
+      </dgm:t>
+    </dgm:pt>
+    <dgm:pt modelId="{B7A7E87D-1D3E-4831-9E66-58858E01392F}" type="parTrans" cxnId="{AB6E235C-5383-4A2B-B831-741966503976}">
+      <dgm:prSet/>
+      <dgm:spPr/>
+      <dgm:t>
+        <a:bodyPr/>
+        <a:lstStyle/>
+        <a:p>
+          <a:endParaRPr lang="fr-CH"/>
+        </a:p>
+      </dgm:t>
+    </dgm:pt>
+    <dgm:pt modelId="{0F8AB0C1-6230-49EE-A634-D33BEB9F16A5}" type="sibTrans" cxnId="{AB6E235C-5383-4A2B-B831-741966503976}">
+      <dgm:prSet/>
+      <dgm:spPr/>
+      <dgm:t>
+        <a:bodyPr/>
+        <a:lstStyle/>
+        <a:p>
+          <a:endParaRPr lang="fr-CH"/>
+        </a:p>
+      </dgm:t>
+    </dgm:pt>
+    <dgm:pt modelId="{F67F76AB-B206-4CC0-B616-CA28E9EA4B2A}">
+      <dgm:prSet/>
+      <dgm:spPr/>
+      <dgm:t>
+        <a:bodyPr/>
+        <a:lstStyle/>
+        <a:p>
+          <a:pPr rtl="0"/>
+          <a:r>
+            <a:rPr lang="fr-CH" smtClean="0"/>
+            <a:t>Avenir intéressant</a:t>
+          </a:r>
+          <a:endParaRPr lang="fr-CH"/>
+        </a:p>
+      </dgm:t>
+    </dgm:pt>
+    <dgm:pt modelId="{A48300CC-A80C-4014-A7FD-240CC622CE4E}" type="parTrans" cxnId="{6194FE1F-04B7-43E9-8DD8-66EA8E866269}">
+      <dgm:prSet/>
+      <dgm:spPr/>
+      <dgm:t>
+        <a:bodyPr/>
+        <a:lstStyle/>
+        <a:p>
+          <a:endParaRPr lang="fr-CH"/>
+        </a:p>
+      </dgm:t>
+    </dgm:pt>
+    <dgm:pt modelId="{D3365597-F157-43F4-BC07-092DE0B6AE4D}" type="sibTrans" cxnId="{6194FE1F-04B7-43E9-8DD8-66EA8E866269}">
+      <dgm:prSet/>
+      <dgm:spPr/>
+      <dgm:t>
+        <a:bodyPr/>
+        <a:lstStyle/>
+        <a:p>
+          <a:endParaRPr lang="fr-CH"/>
+        </a:p>
+      </dgm:t>
+    </dgm:pt>
+    <dgm:pt modelId="{E4020254-C53A-41F1-94E6-371161FC9C66}" type="pres">
+      <dgm:prSet presAssocID="{2CFF12CF-5584-430F-A565-88C9ACEBE70B}" presName="linearFlow" presStyleCnt="0">
+        <dgm:presLayoutVars>
+          <dgm:dir/>
+          <dgm:resizeHandles val="exact"/>
+        </dgm:presLayoutVars>
+      </dgm:prSet>
+      <dgm:spPr/>
+    </dgm:pt>
+    <dgm:pt modelId="{B834AC10-985C-4D2B-AAF2-C3C9CA7DAF24}" type="pres">
+      <dgm:prSet presAssocID="{EA1AB411-89AB-4ECC-ABF4-3B0EF222C678}" presName="composite" presStyleCnt="0"/>
+      <dgm:spPr/>
+    </dgm:pt>
+    <dgm:pt modelId="{F7A065B9-2C75-4577-8C4E-AC802EFE89C0}" type="pres">
+      <dgm:prSet presAssocID="{EA1AB411-89AB-4ECC-ABF4-3B0EF222C678}" presName="imgShp" presStyleLbl="fgImgPlace1" presStyleIdx="0" presStyleCnt="3"/>
+      <dgm:spPr>
+        <a:blipFill>
+          <a:blip xmlns:r="http://schemas.openxmlformats.org/officeDocument/2006/relationships" r:embed="rId1">
+            <a:extLst>
+              <a:ext uri="{28A0092B-C50C-407E-A947-70E740481C1C}">
+                <a14:useLocalDpi xmlns:a14="http://schemas.microsoft.com/office/drawing/2010/main" val="0"/>
+              </a:ext>
+            </a:extLst>
+          </a:blip>
+          <a:srcRect/>
+          <a:stretch>
+            <a:fillRect t="-10000" b="-10000"/>
+          </a:stretch>
+        </a:blipFill>
+      </dgm:spPr>
+    </dgm:pt>
+    <dgm:pt modelId="{E086FE53-26E6-4660-952C-42628FE91B24}" type="pres">
+      <dgm:prSet presAssocID="{EA1AB411-89AB-4ECC-ABF4-3B0EF222C678}" presName="txShp" presStyleLbl="node1" presStyleIdx="0" presStyleCnt="3">
+        <dgm:presLayoutVars>
+          <dgm:bulletEnabled val="1"/>
+        </dgm:presLayoutVars>
+      </dgm:prSet>
+      <dgm:spPr/>
+    </dgm:pt>
+    <dgm:pt modelId="{7113AC7F-EEAA-4E4A-83DC-B3F3CEE53708}" type="pres">
+      <dgm:prSet presAssocID="{CF39E731-8559-4690-B3F6-9C314A1D3E91}" presName="spacing" presStyleCnt="0"/>
+      <dgm:spPr/>
+    </dgm:pt>
+    <dgm:pt modelId="{F27AAD06-8A3B-4A61-8554-B589917C4708}" type="pres">
+      <dgm:prSet presAssocID="{E7845CE9-B209-422E-87BE-9986155442DD}" presName="composite" presStyleCnt="0"/>
+      <dgm:spPr/>
+    </dgm:pt>
+    <dgm:pt modelId="{9D40D275-4C74-41E3-BD4B-3FC74F1CB589}" type="pres">
+      <dgm:prSet presAssocID="{E7845CE9-B209-422E-87BE-9986155442DD}" presName="imgShp" presStyleLbl="fgImgPlace1" presStyleIdx="1" presStyleCnt="3"/>
+      <dgm:spPr>
+        <a:blipFill>
+          <a:blip xmlns:r="http://schemas.openxmlformats.org/officeDocument/2006/relationships" r:embed="rId2" cstate="print">
+            <a:extLst>
+              <a:ext uri="{28A0092B-C50C-407E-A947-70E740481C1C}">
+                <a14:useLocalDpi xmlns:a14="http://schemas.microsoft.com/office/drawing/2010/main" val="0"/>
+              </a:ext>
+            </a:extLst>
+          </a:blip>
+          <a:srcRect/>
+          <a:stretch>
+            <a:fillRect l="-25000" r="-25000"/>
+          </a:stretch>
+        </a:blipFill>
+      </dgm:spPr>
+    </dgm:pt>
+    <dgm:pt modelId="{0C9551BF-5C46-4A2D-91D6-63E6BE9C4E03}" type="pres">
+      <dgm:prSet presAssocID="{E7845CE9-B209-422E-87BE-9986155442DD}" presName="txShp" presStyleLbl="node1" presStyleIdx="1" presStyleCnt="3">
+        <dgm:presLayoutVars>
+          <dgm:bulletEnabled val="1"/>
+        </dgm:presLayoutVars>
+      </dgm:prSet>
+      <dgm:spPr/>
+    </dgm:pt>
+    <dgm:pt modelId="{3DC9B983-B0AE-4081-9203-F795C659057D}" type="pres">
+      <dgm:prSet presAssocID="{0F8AB0C1-6230-49EE-A634-D33BEB9F16A5}" presName="spacing" presStyleCnt="0"/>
+      <dgm:spPr/>
+    </dgm:pt>
+    <dgm:pt modelId="{A871C071-8F2D-47DD-8EE0-17F67A80E8D3}" type="pres">
+      <dgm:prSet presAssocID="{F67F76AB-B206-4CC0-B616-CA28E9EA4B2A}" presName="composite" presStyleCnt="0"/>
+      <dgm:spPr/>
+    </dgm:pt>
+    <dgm:pt modelId="{0A4E6996-050D-4A86-A200-2323B487759E}" type="pres">
+      <dgm:prSet presAssocID="{F67F76AB-B206-4CC0-B616-CA28E9EA4B2A}" presName="imgShp" presStyleLbl="fgImgPlace1" presStyleIdx="2" presStyleCnt="3"/>
+      <dgm:spPr>
+        <a:blipFill>
+          <a:blip xmlns:r="http://schemas.openxmlformats.org/officeDocument/2006/relationships" r:embed="rId3" cstate="print">
+            <a:extLst>
+              <a:ext uri="{28A0092B-C50C-407E-A947-70E740481C1C}">
+                <a14:useLocalDpi xmlns:a14="http://schemas.microsoft.com/office/drawing/2010/main" val="0"/>
+              </a:ext>
+            </a:extLst>
+          </a:blip>
+          <a:srcRect/>
+          <a:stretch>
+            <a:fillRect l="-17000" r="-17000"/>
+          </a:stretch>
+        </a:blipFill>
+      </dgm:spPr>
+    </dgm:pt>
+    <dgm:pt modelId="{629210DA-AD5E-4203-AAB5-0E2CC54D5CBD}" type="pres">
+      <dgm:prSet presAssocID="{F67F76AB-B206-4CC0-B616-CA28E9EA4B2A}" presName="txShp" presStyleLbl="node1" presStyleIdx="2" presStyleCnt="3">
+        <dgm:presLayoutVars>
+          <dgm:bulletEnabled val="1"/>
+        </dgm:presLayoutVars>
+      </dgm:prSet>
+      <dgm:spPr/>
+    </dgm:pt>
+  </dgm:ptLst>
+  <dgm:cxnLst>
+    <dgm:cxn modelId="{FC1784D6-6756-4AD6-A510-97CB182A173B}" type="presOf" srcId="{2CFF12CF-5584-430F-A565-88C9ACEBE70B}" destId="{E4020254-C53A-41F1-94E6-371161FC9C66}" srcOrd="0" destOrd="0" presId="urn:microsoft.com/office/officeart/2005/8/layout/vList3"/>
+    <dgm:cxn modelId="{6194FE1F-04B7-43E9-8DD8-66EA8E866269}" srcId="{2CFF12CF-5584-430F-A565-88C9ACEBE70B}" destId="{F67F76AB-B206-4CC0-B616-CA28E9EA4B2A}" srcOrd="2" destOrd="0" parTransId="{A48300CC-A80C-4014-A7FD-240CC622CE4E}" sibTransId="{D3365597-F157-43F4-BC07-092DE0B6AE4D}"/>
+    <dgm:cxn modelId="{A90267CA-3A3A-4C41-A079-BBB44123AB3A}" type="presOf" srcId="{F67F76AB-B206-4CC0-B616-CA28E9EA4B2A}" destId="{629210DA-AD5E-4203-AAB5-0E2CC54D5CBD}" srcOrd="0" destOrd="0" presId="urn:microsoft.com/office/officeart/2005/8/layout/vList3"/>
+    <dgm:cxn modelId="{B66D905E-54B3-46BA-AD3E-B350DDE96D9B}" srcId="{2CFF12CF-5584-430F-A565-88C9ACEBE70B}" destId="{EA1AB411-89AB-4ECC-ABF4-3B0EF222C678}" srcOrd="0" destOrd="0" parTransId="{9C9252BD-FE79-4F7E-96DC-FC57346498DB}" sibTransId="{CF39E731-8559-4690-B3F6-9C314A1D3E91}"/>
+    <dgm:cxn modelId="{D5623C88-EC5A-46CB-A955-2658BE279994}" type="presOf" srcId="{E7845CE9-B209-422E-87BE-9986155442DD}" destId="{0C9551BF-5C46-4A2D-91D6-63E6BE9C4E03}" srcOrd="0" destOrd="0" presId="urn:microsoft.com/office/officeart/2005/8/layout/vList3"/>
+    <dgm:cxn modelId="{AB6E235C-5383-4A2B-B831-741966503976}" srcId="{2CFF12CF-5584-430F-A565-88C9ACEBE70B}" destId="{E7845CE9-B209-422E-87BE-9986155442DD}" srcOrd="1" destOrd="0" parTransId="{B7A7E87D-1D3E-4831-9E66-58858E01392F}" sibTransId="{0F8AB0C1-6230-49EE-A634-D33BEB9F16A5}"/>
+    <dgm:cxn modelId="{97064A54-4363-4C39-A012-86EDF01E92D6}" type="presOf" srcId="{EA1AB411-89AB-4ECC-ABF4-3B0EF222C678}" destId="{E086FE53-26E6-4660-952C-42628FE91B24}" srcOrd="0" destOrd="0" presId="urn:microsoft.com/office/officeart/2005/8/layout/vList3"/>
+    <dgm:cxn modelId="{71A55429-A92E-47FE-94C9-E402D767A938}" type="presParOf" srcId="{E4020254-C53A-41F1-94E6-371161FC9C66}" destId="{B834AC10-985C-4D2B-AAF2-C3C9CA7DAF24}" srcOrd="0" destOrd="0" presId="urn:microsoft.com/office/officeart/2005/8/layout/vList3"/>
+    <dgm:cxn modelId="{3B735E8D-2532-4B4E-9B01-850F19197E68}" type="presParOf" srcId="{B834AC10-985C-4D2B-AAF2-C3C9CA7DAF24}" destId="{F7A065B9-2C75-4577-8C4E-AC802EFE89C0}" srcOrd="0" destOrd="0" presId="urn:microsoft.com/office/officeart/2005/8/layout/vList3"/>
+    <dgm:cxn modelId="{6097BD10-B0AE-4594-86AC-A5A1B2F33EA4}" type="presParOf" srcId="{B834AC10-985C-4D2B-AAF2-C3C9CA7DAF24}" destId="{E086FE53-26E6-4660-952C-42628FE91B24}" srcOrd="1" destOrd="0" presId="urn:microsoft.com/office/officeart/2005/8/layout/vList3"/>
+    <dgm:cxn modelId="{8EDC6ADA-851A-4EBC-B6D4-B9C3D37679A8}" type="presParOf" srcId="{E4020254-C53A-41F1-94E6-371161FC9C66}" destId="{7113AC7F-EEAA-4E4A-83DC-B3F3CEE53708}" srcOrd="1" destOrd="0" presId="urn:microsoft.com/office/officeart/2005/8/layout/vList3"/>
+    <dgm:cxn modelId="{E5C60287-0C9A-45E3-8179-606DB50DE0DE}" type="presParOf" srcId="{E4020254-C53A-41F1-94E6-371161FC9C66}" destId="{F27AAD06-8A3B-4A61-8554-B589917C4708}" srcOrd="2" destOrd="0" presId="urn:microsoft.com/office/officeart/2005/8/layout/vList3"/>
+    <dgm:cxn modelId="{D6DBA6B1-00A9-463B-B00A-A0E801D2EFFE}" type="presParOf" srcId="{F27AAD06-8A3B-4A61-8554-B589917C4708}" destId="{9D40D275-4C74-41E3-BD4B-3FC74F1CB589}" srcOrd="0" destOrd="0" presId="urn:microsoft.com/office/officeart/2005/8/layout/vList3"/>
+    <dgm:cxn modelId="{8A4681C2-CAB1-422B-9F57-85E208799DDA}" type="presParOf" srcId="{F27AAD06-8A3B-4A61-8554-B589917C4708}" destId="{0C9551BF-5C46-4A2D-91D6-63E6BE9C4E03}" srcOrd="1" destOrd="0" presId="urn:microsoft.com/office/officeart/2005/8/layout/vList3"/>
+    <dgm:cxn modelId="{689E2FE9-5C48-4956-A607-FFB46F70975B}" type="presParOf" srcId="{E4020254-C53A-41F1-94E6-371161FC9C66}" destId="{3DC9B983-B0AE-4081-9203-F795C659057D}" srcOrd="3" destOrd="0" presId="urn:microsoft.com/office/officeart/2005/8/layout/vList3"/>
+    <dgm:cxn modelId="{85F17ABC-2416-4C48-9B7C-0EB665EEC9EA}" type="presParOf" srcId="{E4020254-C53A-41F1-94E6-371161FC9C66}" destId="{A871C071-8F2D-47DD-8EE0-17F67A80E8D3}" srcOrd="4" destOrd="0" presId="urn:microsoft.com/office/officeart/2005/8/layout/vList3"/>
+    <dgm:cxn modelId="{F94CA17E-D184-449D-9761-A5FB29F88147}" type="presParOf" srcId="{A871C071-8F2D-47DD-8EE0-17F67A80E8D3}" destId="{0A4E6996-050D-4A86-A200-2323B487759E}" srcOrd="0" destOrd="0" presId="urn:microsoft.com/office/officeart/2005/8/layout/vList3"/>
+    <dgm:cxn modelId="{156E6098-4F07-41BD-AB2D-060AD8CE9BF2}" type="presParOf" srcId="{A871C071-8F2D-47DD-8EE0-17F67A80E8D3}" destId="{629210DA-AD5E-4203-AAB5-0E2CC54D5CBD}" srcOrd="1" destOrd="0" presId="urn:microsoft.com/office/officeart/2005/8/layout/vList3"/>
   </dgm:cxnLst>
   <dgm:bg/>
   <dgm:whole/>
@@ -7928,7 +8949,15 @@
           </a:pPr>
           <a:r>
             <a:rPr lang="fr-CH" sz="1300" kern="1200" dirty="0" smtClean="0"/>
-            <a:t>Permet d’agrandir un portion de l’image</a:t>
+            <a:t>Permet d’agrandir </a:t>
+          </a:r>
+          <a:r>
+            <a:rPr lang="fr-CH" sz="1300" kern="1200" dirty="0" smtClean="0"/>
+            <a:t>une </a:t>
+          </a:r>
+          <a:r>
+            <a:rPr lang="fr-CH" sz="1300" kern="1200" dirty="0" smtClean="0"/>
+            <a:t>portion de l’image</a:t>
           </a:r>
           <a:endParaRPr lang="fr-CH" sz="1300" kern="1200" dirty="0"/>
         </a:p>
@@ -8814,6 +9843,405 @@
 </dsp:drawing>
 </file>
 
+<file path=ppt/diagrams/drawing6.xml><?xml version="1.0" encoding="utf-8"?>
+<dsp:drawing xmlns:dgm="http://schemas.openxmlformats.org/drawingml/2006/diagram" xmlns:dsp="http://schemas.microsoft.com/office/drawing/2008/diagram" xmlns:a="http://schemas.openxmlformats.org/drawingml/2006/main">
+  <dsp:spTree>
+    <dsp:nvGrpSpPr>
+      <dsp:cNvPr id="0" name=""/>
+      <dsp:cNvGrpSpPr/>
+    </dsp:nvGrpSpPr>
+    <dsp:grpSpPr/>
+    <dsp:sp modelId="{E086FE53-26E6-4660-952C-42628FE91B24}">
+      <dsp:nvSpPr>
+        <dsp:cNvPr id="0" name=""/>
+        <dsp:cNvSpPr/>
+      </dsp:nvSpPr>
+      <dsp:spPr>
+        <a:xfrm rot="10800000">
+          <a:off x="1909601" y="1592"/>
+          <a:ext cx="6587489" cy="1001386"/>
+        </a:xfrm>
+        <a:prstGeom prst="homePlate">
+          <a:avLst/>
+        </a:prstGeom>
+        <a:solidFill>
+          <a:schemeClr val="accent1">
+            <a:hueOff val="0"/>
+            <a:satOff val="0"/>
+            <a:lumOff val="0"/>
+            <a:alphaOff val="0"/>
+          </a:schemeClr>
+        </a:solidFill>
+        <a:ln w="15875" cap="flat" cmpd="sng" algn="ctr">
+          <a:solidFill>
+            <a:schemeClr val="lt1">
+              <a:hueOff val="0"/>
+              <a:satOff val="0"/>
+              <a:lumOff val="0"/>
+              <a:alphaOff val="0"/>
+            </a:schemeClr>
+          </a:solidFill>
+          <a:prstDash val="solid"/>
+        </a:ln>
+        <a:effectLst/>
+      </dsp:spPr>
+      <dsp:style>
+        <a:lnRef idx="2">
+          <a:scrgbClr r="0" g="0" b="0"/>
+        </a:lnRef>
+        <a:fillRef idx="1">
+          <a:scrgbClr r="0" g="0" b="0"/>
+        </a:fillRef>
+        <a:effectRef idx="0">
+          <a:scrgbClr r="0" g="0" b="0"/>
+        </a:effectRef>
+        <a:fontRef idx="minor">
+          <a:schemeClr val="lt1"/>
+        </a:fontRef>
+      </dsp:style>
+      <dsp:txBody>
+        <a:bodyPr spcFirstLastPara="0" vert="horz" wrap="square" lIns="441584" tIns="114300" rIns="213360" bIns="114300" numCol="1" spcCol="1270" anchor="ctr" anchorCtr="0">
+          <a:noAutofit/>
+        </a:bodyPr>
+        <a:lstStyle/>
+        <a:p>
+          <a:pPr lvl="0" algn="ctr" defTabSz="1333500" rtl="0">
+            <a:lnSpc>
+              <a:spcPct val="90000"/>
+            </a:lnSpc>
+            <a:spcBef>
+              <a:spcPct val="0"/>
+            </a:spcBef>
+            <a:spcAft>
+              <a:spcPct val="35000"/>
+            </a:spcAft>
+          </a:pPr>
+          <a:r>
+            <a:rPr lang="fr-CH" sz="3000" kern="1200" smtClean="0"/>
+            <a:t>Concevoir les interfaces différemment</a:t>
+          </a:r>
+          <a:endParaRPr lang="fr-CH" sz="3000" kern="1200"/>
+        </a:p>
+      </dsp:txBody>
+      <dsp:txXfrm rot="10800000">
+        <a:off x="2159947" y="1592"/>
+        <a:ext cx="6337143" cy="1001386"/>
+      </dsp:txXfrm>
+    </dsp:sp>
+    <dsp:sp modelId="{F7A065B9-2C75-4577-8C4E-AC802EFE89C0}">
+      <dsp:nvSpPr>
+        <dsp:cNvPr id="0" name=""/>
+        <dsp:cNvSpPr/>
+      </dsp:nvSpPr>
+      <dsp:spPr>
+        <a:xfrm>
+          <a:off x="1408908" y="1592"/>
+          <a:ext cx="1001386" cy="1001386"/>
+        </a:xfrm>
+        <a:prstGeom prst="ellipse">
+          <a:avLst/>
+        </a:prstGeom>
+        <a:blipFill>
+          <a:blip xmlns:r="http://schemas.openxmlformats.org/officeDocument/2006/relationships" r:embed="rId1">
+            <a:extLst>
+              <a:ext uri="{28A0092B-C50C-407E-A947-70E740481C1C}">
+                <a14:useLocalDpi xmlns:a14="http://schemas.microsoft.com/office/drawing/2010/main" val="0"/>
+              </a:ext>
+            </a:extLst>
+          </a:blip>
+          <a:srcRect/>
+          <a:stretch>
+            <a:fillRect t="-10000" b="-10000"/>
+          </a:stretch>
+        </a:blipFill>
+        <a:ln w="15875" cap="flat" cmpd="sng" algn="ctr">
+          <a:solidFill>
+            <a:schemeClr val="lt1">
+              <a:hueOff val="0"/>
+              <a:satOff val="0"/>
+              <a:lumOff val="0"/>
+              <a:alphaOff val="0"/>
+            </a:schemeClr>
+          </a:solidFill>
+          <a:prstDash val="solid"/>
+        </a:ln>
+        <a:effectLst/>
+      </dsp:spPr>
+      <dsp:style>
+        <a:lnRef idx="2">
+          <a:scrgbClr r="0" g="0" b="0"/>
+        </a:lnRef>
+        <a:fillRef idx="1">
+          <a:scrgbClr r="0" g="0" b="0"/>
+        </a:fillRef>
+        <a:effectRef idx="0">
+          <a:scrgbClr r="0" g="0" b="0"/>
+        </a:effectRef>
+        <a:fontRef idx="minor"/>
+      </dsp:style>
+    </dsp:sp>
+    <dsp:sp modelId="{0C9551BF-5C46-4A2D-91D6-63E6BE9C4E03}">
+      <dsp:nvSpPr>
+        <dsp:cNvPr id="0" name=""/>
+        <dsp:cNvSpPr/>
+      </dsp:nvSpPr>
+      <dsp:spPr>
+        <a:xfrm rot="10800000">
+          <a:off x="1909601" y="1270163"/>
+          <a:ext cx="6587489" cy="1001386"/>
+        </a:xfrm>
+        <a:prstGeom prst="homePlate">
+          <a:avLst/>
+        </a:prstGeom>
+        <a:solidFill>
+          <a:schemeClr val="accent1">
+            <a:hueOff val="0"/>
+            <a:satOff val="0"/>
+            <a:lumOff val="0"/>
+            <a:alphaOff val="0"/>
+          </a:schemeClr>
+        </a:solidFill>
+        <a:ln w="15875" cap="flat" cmpd="sng" algn="ctr">
+          <a:solidFill>
+            <a:schemeClr val="lt1">
+              <a:hueOff val="0"/>
+              <a:satOff val="0"/>
+              <a:lumOff val="0"/>
+              <a:alphaOff val="0"/>
+            </a:schemeClr>
+          </a:solidFill>
+          <a:prstDash val="solid"/>
+        </a:ln>
+        <a:effectLst/>
+      </dsp:spPr>
+      <dsp:style>
+        <a:lnRef idx="2">
+          <a:scrgbClr r="0" g="0" b="0"/>
+        </a:lnRef>
+        <a:fillRef idx="1">
+          <a:scrgbClr r="0" g="0" b="0"/>
+        </a:fillRef>
+        <a:effectRef idx="0">
+          <a:scrgbClr r="0" g="0" b="0"/>
+        </a:effectRef>
+        <a:fontRef idx="minor">
+          <a:schemeClr val="lt1"/>
+        </a:fontRef>
+      </dsp:style>
+      <dsp:txBody>
+        <a:bodyPr spcFirstLastPara="0" vert="horz" wrap="square" lIns="441584" tIns="114300" rIns="213360" bIns="114300" numCol="1" spcCol="1270" anchor="ctr" anchorCtr="0">
+          <a:noAutofit/>
+        </a:bodyPr>
+        <a:lstStyle/>
+        <a:p>
+          <a:pPr lvl="0" algn="ctr" defTabSz="1333500" rtl="0">
+            <a:lnSpc>
+              <a:spcPct val="90000"/>
+            </a:lnSpc>
+            <a:spcBef>
+              <a:spcPct val="0"/>
+            </a:spcBef>
+            <a:spcAft>
+              <a:spcPct val="35000"/>
+            </a:spcAft>
+          </a:pPr>
+          <a:r>
+            <a:rPr lang="fr-CH" sz="3000" kern="1200" smtClean="0"/>
+            <a:t>Difficile de remplacer la souris</a:t>
+          </a:r>
+          <a:endParaRPr lang="fr-CH" sz="3000" kern="1200"/>
+        </a:p>
+      </dsp:txBody>
+      <dsp:txXfrm rot="10800000">
+        <a:off x="2159947" y="1270163"/>
+        <a:ext cx="6337143" cy="1001386"/>
+      </dsp:txXfrm>
+    </dsp:sp>
+    <dsp:sp modelId="{9D40D275-4C74-41E3-BD4B-3FC74F1CB589}">
+      <dsp:nvSpPr>
+        <dsp:cNvPr id="0" name=""/>
+        <dsp:cNvSpPr/>
+      </dsp:nvSpPr>
+      <dsp:spPr>
+        <a:xfrm>
+          <a:off x="1408908" y="1270163"/>
+          <a:ext cx="1001386" cy="1001386"/>
+        </a:xfrm>
+        <a:prstGeom prst="ellipse">
+          <a:avLst/>
+        </a:prstGeom>
+        <a:blipFill>
+          <a:blip xmlns:r="http://schemas.openxmlformats.org/officeDocument/2006/relationships" r:embed="rId2" cstate="print">
+            <a:extLst>
+              <a:ext uri="{28A0092B-C50C-407E-A947-70E740481C1C}">
+                <a14:useLocalDpi xmlns:a14="http://schemas.microsoft.com/office/drawing/2010/main" val="0"/>
+              </a:ext>
+            </a:extLst>
+          </a:blip>
+          <a:srcRect/>
+          <a:stretch>
+            <a:fillRect l="-25000" r="-25000"/>
+          </a:stretch>
+        </a:blipFill>
+        <a:ln w="15875" cap="flat" cmpd="sng" algn="ctr">
+          <a:solidFill>
+            <a:schemeClr val="lt1">
+              <a:hueOff val="0"/>
+              <a:satOff val="0"/>
+              <a:lumOff val="0"/>
+              <a:alphaOff val="0"/>
+            </a:schemeClr>
+          </a:solidFill>
+          <a:prstDash val="solid"/>
+        </a:ln>
+        <a:effectLst/>
+      </dsp:spPr>
+      <dsp:style>
+        <a:lnRef idx="2">
+          <a:scrgbClr r="0" g="0" b="0"/>
+        </a:lnRef>
+        <a:fillRef idx="1">
+          <a:scrgbClr r="0" g="0" b="0"/>
+        </a:fillRef>
+        <a:effectRef idx="0">
+          <a:scrgbClr r="0" g="0" b="0"/>
+        </a:effectRef>
+        <a:fontRef idx="minor"/>
+      </dsp:style>
+    </dsp:sp>
+    <dsp:sp modelId="{629210DA-AD5E-4203-AAB5-0E2CC54D5CBD}">
+      <dsp:nvSpPr>
+        <dsp:cNvPr id="0" name=""/>
+        <dsp:cNvSpPr/>
+      </dsp:nvSpPr>
+      <dsp:spPr>
+        <a:xfrm rot="10800000">
+          <a:off x="1909601" y="2538735"/>
+          <a:ext cx="6587489" cy="1001386"/>
+        </a:xfrm>
+        <a:prstGeom prst="homePlate">
+          <a:avLst/>
+        </a:prstGeom>
+        <a:solidFill>
+          <a:schemeClr val="accent1">
+            <a:hueOff val="0"/>
+            <a:satOff val="0"/>
+            <a:lumOff val="0"/>
+            <a:alphaOff val="0"/>
+          </a:schemeClr>
+        </a:solidFill>
+        <a:ln w="15875" cap="flat" cmpd="sng" algn="ctr">
+          <a:solidFill>
+            <a:schemeClr val="lt1">
+              <a:hueOff val="0"/>
+              <a:satOff val="0"/>
+              <a:lumOff val="0"/>
+              <a:alphaOff val="0"/>
+            </a:schemeClr>
+          </a:solidFill>
+          <a:prstDash val="solid"/>
+        </a:ln>
+        <a:effectLst/>
+      </dsp:spPr>
+      <dsp:style>
+        <a:lnRef idx="2">
+          <a:scrgbClr r="0" g="0" b="0"/>
+        </a:lnRef>
+        <a:fillRef idx="1">
+          <a:scrgbClr r="0" g="0" b="0"/>
+        </a:fillRef>
+        <a:effectRef idx="0">
+          <a:scrgbClr r="0" g="0" b="0"/>
+        </a:effectRef>
+        <a:fontRef idx="minor">
+          <a:schemeClr val="lt1"/>
+        </a:fontRef>
+      </dsp:style>
+      <dsp:txBody>
+        <a:bodyPr spcFirstLastPara="0" vert="horz" wrap="square" lIns="441584" tIns="114300" rIns="213360" bIns="114300" numCol="1" spcCol="1270" anchor="ctr" anchorCtr="0">
+          <a:noAutofit/>
+        </a:bodyPr>
+        <a:lstStyle/>
+        <a:p>
+          <a:pPr lvl="0" algn="ctr" defTabSz="1333500" rtl="0">
+            <a:lnSpc>
+              <a:spcPct val="90000"/>
+            </a:lnSpc>
+            <a:spcBef>
+              <a:spcPct val="0"/>
+            </a:spcBef>
+            <a:spcAft>
+              <a:spcPct val="35000"/>
+            </a:spcAft>
+          </a:pPr>
+          <a:r>
+            <a:rPr lang="fr-CH" sz="3000" kern="1200" smtClean="0"/>
+            <a:t>Avenir intéressant</a:t>
+          </a:r>
+          <a:endParaRPr lang="fr-CH" sz="3000" kern="1200"/>
+        </a:p>
+      </dsp:txBody>
+      <dsp:txXfrm rot="10800000">
+        <a:off x="2159947" y="2538735"/>
+        <a:ext cx="6337143" cy="1001386"/>
+      </dsp:txXfrm>
+    </dsp:sp>
+    <dsp:sp modelId="{0A4E6996-050D-4A86-A200-2323B487759E}">
+      <dsp:nvSpPr>
+        <dsp:cNvPr id="0" name=""/>
+        <dsp:cNvSpPr/>
+      </dsp:nvSpPr>
+      <dsp:spPr>
+        <a:xfrm>
+          <a:off x="1408908" y="2538735"/>
+          <a:ext cx="1001386" cy="1001386"/>
+        </a:xfrm>
+        <a:prstGeom prst="ellipse">
+          <a:avLst/>
+        </a:prstGeom>
+        <a:blipFill>
+          <a:blip xmlns:r="http://schemas.openxmlformats.org/officeDocument/2006/relationships" r:embed="rId3" cstate="print">
+            <a:extLst>
+              <a:ext uri="{28A0092B-C50C-407E-A947-70E740481C1C}">
+                <a14:useLocalDpi xmlns:a14="http://schemas.microsoft.com/office/drawing/2010/main" val="0"/>
+              </a:ext>
+            </a:extLst>
+          </a:blip>
+          <a:srcRect/>
+          <a:stretch>
+            <a:fillRect l="-17000" r="-17000"/>
+          </a:stretch>
+        </a:blipFill>
+        <a:ln w="15875" cap="flat" cmpd="sng" algn="ctr">
+          <a:solidFill>
+            <a:schemeClr val="lt1">
+              <a:hueOff val="0"/>
+              <a:satOff val="0"/>
+              <a:lumOff val="0"/>
+              <a:alphaOff val="0"/>
+            </a:schemeClr>
+          </a:solidFill>
+          <a:prstDash val="solid"/>
+        </a:ln>
+        <a:effectLst/>
+      </dsp:spPr>
+      <dsp:style>
+        <a:lnRef idx="2">
+          <a:scrgbClr r="0" g="0" b="0"/>
+        </a:lnRef>
+        <a:fillRef idx="1">
+          <a:scrgbClr r="0" g="0" b="0"/>
+        </a:fillRef>
+        <a:effectRef idx="0">
+          <a:scrgbClr r="0" g="0" b="0"/>
+        </a:effectRef>
+        <a:fontRef idx="minor"/>
+      </dsp:style>
+    </dsp:sp>
+  </dsp:spTree>
+</dsp:drawing>
+</file>
+
 <file path=ppt/diagrams/layout1.xml><?xml version="1.0" encoding="utf-8"?>
 <dgm:layoutDef xmlns:dgm="http://schemas.openxmlformats.org/drawingml/2006/diagram" xmlns:a="http://schemas.openxmlformats.org/drawingml/2006/main" uniqueId="urn:microsoft.com/office/officeart/2005/8/layout/vList2">
   <dgm:title val=""/>
@@ -9671,6 +11099,169 @@
 </dgm:layoutDef>
 </file>
 
+<file path=ppt/diagrams/layout6.xml><?xml version="1.0" encoding="utf-8"?>
+<dgm:layoutDef xmlns:dgm="http://schemas.openxmlformats.org/drawingml/2006/diagram" xmlns:a="http://schemas.openxmlformats.org/drawingml/2006/main" uniqueId="urn:microsoft.com/office/officeart/2005/8/layout/vList3">
+  <dgm:title val=""/>
+  <dgm:desc val=""/>
+  <dgm:catLst>
+    <dgm:cat type="list" pri="14000"/>
+    <dgm:cat type="convert" pri="3000"/>
+    <dgm:cat type="picture" pri="27000"/>
+    <dgm:cat type="pictureconvert" pri="27000"/>
+  </dgm:catLst>
+  <dgm:sampData useDef="1">
+    <dgm:dataModel>
+      <dgm:ptLst/>
+      <dgm:bg/>
+      <dgm:whole/>
+    </dgm:dataModel>
+  </dgm:sampData>
+  <dgm:styleData>
+    <dgm:dataModel>
+      <dgm:ptLst>
+        <dgm:pt modelId="0" type="doc"/>
+        <dgm:pt modelId="1"/>
+        <dgm:pt modelId="2"/>
+      </dgm:ptLst>
+      <dgm:cxnLst>
+        <dgm:cxn modelId="3" srcId="0" destId="1" srcOrd="0" destOrd="0"/>
+        <dgm:cxn modelId="4" srcId="0" destId="2" srcOrd="1" destOrd="0"/>
+      </dgm:cxnLst>
+      <dgm:bg/>
+      <dgm:whole/>
+    </dgm:dataModel>
+  </dgm:styleData>
+  <dgm:clrData>
+    <dgm:dataModel>
+      <dgm:ptLst>
+        <dgm:pt modelId="0" type="doc"/>
+        <dgm:pt modelId="1"/>
+        <dgm:pt modelId="2"/>
+        <dgm:pt modelId="3"/>
+        <dgm:pt modelId="4"/>
+      </dgm:ptLst>
+      <dgm:cxnLst>
+        <dgm:cxn modelId="5" srcId="0" destId="1" srcOrd="0" destOrd="0"/>
+        <dgm:cxn modelId="6" srcId="0" destId="2" srcOrd="1" destOrd="0"/>
+        <dgm:cxn modelId="7" srcId="0" destId="3" srcOrd="2" destOrd="0"/>
+        <dgm:cxn modelId="8" srcId="0" destId="4" srcOrd="3" destOrd="0"/>
+      </dgm:cxnLst>
+      <dgm:bg/>
+      <dgm:whole/>
+    </dgm:dataModel>
+  </dgm:clrData>
+  <dgm:layoutNode name="linearFlow">
+    <dgm:varLst>
+      <dgm:dir/>
+      <dgm:resizeHandles val="exact"/>
+    </dgm:varLst>
+    <dgm:alg type="lin">
+      <dgm:param type="linDir" val="fromT"/>
+      <dgm:param type="vertAlign" val="mid"/>
+      <dgm:param type="horzAlign" val="ctr"/>
+    </dgm:alg>
+    <dgm:shape xmlns:r="http://schemas.openxmlformats.org/officeDocument/2006/relationships" r:blip="">
+      <dgm:adjLst/>
+    </dgm:shape>
+    <dgm:presOf/>
+    <dgm:constrLst>
+      <dgm:constr type="w" for="ch" forName="composite" refType="w"/>
+      <dgm:constr type="h" for="ch" forName="composite" refType="h"/>
+      <dgm:constr type="h" for="ch" forName="spacing" refType="h" refFor="ch" refForName="composite" fact="0.25"/>
+      <dgm:constr type="h" for="ch" forName="spacing" refType="w" op="lte" fact="0.1"/>
+      <dgm:constr type="primFontSz" for="des" ptType="node" op="equ" val="65"/>
+    </dgm:constrLst>
+    <dgm:ruleLst/>
+    <dgm:forEach name="Name0" axis="ch" ptType="node">
+      <dgm:layoutNode name="composite">
+        <dgm:alg type="composite"/>
+        <dgm:shape xmlns:r="http://schemas.openxmlformats.org/officeDocument/2006/relationships" r:blip="">
+          <dgm:adjLst/>
+        </dgm:shape>
+        <dgm:presOf/>
+        <dgm:choose name="Name1">
+          <dgm:if name="Name2" func="var" arg="dir" op="equ" val="norm">
+            <dgm:constrLst>
+              <dgm:constr type="w" for="ch" forName="imgShp" refType="w" fact="0.335"/>
+              <dgm:constr type="h" for="ch" forName="imgShp" refType="w" refFor="ch" refForName="imgShp" op="equ"/>
+              <dgm:constr type="h" for="ch" forName="imgShp" refType="h" op="lte"/>
+              <dgm:constr type="ctrY" for="ch" forName="imgShp" refType="h" fact="0.5"/>
+              <dgm:constr type="l" for="ch" forName="imgShp"/>
+              <dgm:constr type="w" for="ch" forName="txShp" refType="w" op="equ" fact="0.665"/>
+              <dgm:constr type="h" for="ch" forName="txShp" refType="h" refFor="ch" refForName="imgShp" op="equ"/>
+              <dgm:constr type="ctrY" for="ch" forName="txShp" refType="h" fact="0.5"/>
+              <dgm:constr type="l" for="ch" forName="txShp" refType="w" refFor="ch" refForName="imgShp" fact="0.5"/>
+              <dgm:constr type="lMarg" for="ch" forName="txShp" refType="w" refFor="ch" refForName="imgShp" fact="1.25"/>
+            </dgm:constrLst>
+          </dgm:if>
+          <dgm:else name="Name3">
+            <dgm:constrLst>
+              <dgm:constr type="w" for="ch" forName="imgShp" refType="w" fact="0.335"/>
+              <dgm:constr type="h" for="ch" forName="imgShp" refType="w" refFor="ch" refForName="imgShp" op="equ"/>
+              <dgm:constr type="h" for="ch" forName="imgShp" refType="h" op="lte"/>
+              <dgm:constr type="ctrY" for="ch" forName="imgShp" refType="h" fact="0.5"/>
+              <dgm:constr type="r" for="ch" forName="imgShp" refType="w"/>
+              <dgm:constr type="w" for="ch" forName="txShp" refType="w" op="equ" fact="0.665"/>
+              <dgm:constr type="h" for="ch" forName="txShp" refType="h" refFor="ch" refForName="imgShp" op="equ"/>
+              <dgm:constr type="ctrY" for="ch" forName="txShp" refType="h" fact="0.5"/>
+              <dgm:constr type="r" for="ch" forName="txShp" refType="ctrX" refFor="ch" refForName="imgShp"/>
+              <dgm:constr type="rMarg" for="ch" forName="txShp" refType="w" refFor="ch" refForName="imgShp" fact="1.25"/>
+            </dgm:constrLst>
+          </dgm:else>
+        </dgm:choose>
+        <dgm:ruleLst/>
+        <dgm:layoutNode name="imgShp" styleLbl="fgImgPlace1">
+          <dgm:alg type="sp"/>
+          <dgm:shape xmlns:r="http://schemas.openxmlformats.org/officeDocument/2006/relationships" type="ellipse" r:blip="" blipPhldr="1">
+            <dgm:adjLst/>
+          </dgm:shape>
+          <dgm:presOf/>
+          <dgm:constrLst/>
+          <dgm:ruleLst/>
+        </dgm:layoutNode>
+        <dgm:layoutNode name="txShp">
+          <dgm:varLst>
+            <dgm:bulletEnabled val="1"/>
+          </dgm:varLst>
+          <dgm:alg type="tx"/>
+          <dgm:choose name="Name4">
+            <dgm:if name="Name5" func="var" arg="dir" op="equ" val="norm">
+              <dgm:shape xmlns:r="http://schemas.openxmlformats.org/officeDocument/2006/relationships" rot="180" type="homePlate" r:blip="" zOrderOff="-1">
+                <dgm:adjLst/>
+              </dgm:shape>
+            </dgm:if>
+            <dgm:else name="Name6">
+              <dgm:shape xmlns:r="http://schemas.openxmlformats.org/officeDocument/2006/relationships" type="homePlate" r:blip="" zOrderOff="-1">
+                <dgm:adjLst/>
+              </dgm:shape>
+            </dgm:else>
+          </dgm:choose>
+          <dgm:presOf axis="desOrSelf" ptType="node"/>
+          <dgm:constrLst>
+            <dgm:constr type="tMarg" refType="primFontSz" fact="0.3"/>
+            <dgm:constr type="bMarg" refType="primFontSz" fact="0.3"/>
+          </dgm:constrLst>
+          <dgm:ruleLst>
+            <dgm:rule type="primFontSz" val="5" fact="NaN" max="NaN"/>
+          </dgm:ruleLst>
+        </dgm:layoutNode>
+      </dgm:layoutNode>
+      <dgm:forEach name="Name7" axis="followSib" ptType="sibTrans" cnt="1">
+        <dgm:layoutNode name="spacing">
+          <dgm:alg type="sp"/>
+          <dgm:shape xmlns:r="http://schemas.openxmlformats.org/officeDocument/2006/relationships" r:blip="">
+            <dgm:adjLst/>
+          </dgm:shape>
+          <dgm:presOf axis="self"/>
+          <dgm:constrLst/>
+          <dgm:ruleLst/>
+        </dgm:layoutNode>
+      </dgm:forEach>
+    </dgm:forEach>
+  </dgm:layoutNode>
+</dgm:layoutDef>
+</file>
+
 <file path=ppt/diagrams/quickStyle1.xml><?xml version="1.0" encoding="utf-8"?>
 <dgm:styleDef xmlns:dgm="http://schemas.openxmlformats.org/drawingml/2006/diagram" xmlns:a="http://schemas.openxmlformats.org/drawingml/2006/main" uniqueId="urn:microsoft.com/office/officeart/2005/8/quickstyle/simple1">
   <dgm:title val=""/>
@@ -13808,6 +15399,1040 @@
 </file>
 
 <file path=ppt/diagrams/quickStyle5.xml><?xml version="1.0" encoding="utf-8"?>
+<dgm:styleDef xmlns:dgm="http://schemas.openxmlformats.org/drawingml/2006/diagram" xmlns:a="http://schemas.openxmlformats.org/drawingml/2006/main" uniqueId="urn:microsoft.com/office/officeart/2005/8/quickstyle/simple1">
+  <dgm:title val=""/>
+  <dgm:desc val=""/>
+  <dgm:catLst>
+    <dgm:cat type="simple" pri="10100"/>
+  </dgm:catLst>
+  <dgm:scene3d>
+    <a:camera prst="orthographicFront"/>
+    <a:lightRig rig="threePt" dir="t"/>
+  </dgm:scene3d>
+  <dgm:styleLbl name="node0">
+    <dgm:scene3d>
+      <a:camera prst="orthographicFront"/>
+      <a:lightRig rig="threePt" dir="t"/>
+    </dgm:scene3d>
+    <dgm:sp3d/>
+    <dgm:txPr/>
+    <dgm:style>
+      <a:lnRef idx="2">
+        <a:scrgbClr r="0" g="0" b="0"/>
+      </a:lnRef>
+      <a:fillRef idx="1">
+        <a:scrgbClr r="0" g="0" b="0"/>
+      </a:fillRef>
+      <a:effectRef idx="0">
+        <a:scrgbClr r="0" g="0" b="0"/>
+      </a:effectRef>
+      <a:fontRef idx="minor">
+        <a:schemeClr val="lt1"/>
+      </a:fontRef>
+    </dgm:style>
+  </dgm:styleLbl>
+  <dgm:styleLbl name="lnNode1">
+    <dgm:scene3d>
+      <a:camera prst="orthographicFront"/>
+      <a:lightRig rig="threePt" dir="t"/>
+    </dgm:scene3d>
+    <dgm:sp3d/>
+    <dgm:txPr/>
+    <dgm:style>
+      <a:lnRef idx="2">
+        <a:scrgbClr r="0" g="0" b="0"/>
+      </a:lnRef>
+      <a:fillRef idx="1">
+        <a:scrgbClr r="0" g="0" b="0"/>
+      </a:fillRef>
+      <a:effectRef idx="0">
+        <a:scrgbClr r="0" g="0" b="0"/>
+      </a:effectRef>
+      <a:fontRef idx="minor">
+        <a:schemeClr val="lt1"/>
+      </a:fontRef>
+    </dgm:style>
+  </dgm:styleLbl>
+  <dgm:styleLbl name="vennNode1">
+    <dgm:scene3d>
+      <a:camera prst="orthographicFront"/>
+      <a:lightRig rig="threePt" dir="t"/>
+    </dgm:scene3d>
+    <dgm:sp3d/>
+    <dgm:txPr/>
+    <dgm:style>
+      <a:lnRef idx="2">
+        <a:scrgbClr r="0" g="0" b="0"/>
+      </a:lnRef>
+      <a:fillRef idx="1">
+        <a:scrgbClr r="0" g="0" b="0"/>
+      </a:fillRef>
+      <a:effectRef idx="0">
+        <a:scrgbClr r="0" g="0" b="0"/>
+      </a:effectRef>
+      <a:fontRef idx="minor">
+        <a:schemeClr val="tx1"/>
+      </a:fontRef>
+    </dgm:style>
+  </dgm:styleLbl>
+  <dgm:styleLbl name="alignNode1">
+    <dgm:scene3d>
+      <a:camera prst="orthographicFront"/>
+      <a:lightRig rig="threePt" dir="t"/>
+    </dgm:scene3d>
+    <dgm:sp3d/>
+    <dgm:txPr/>
+    <dgm:style>
+      <a:lnRef idx="2">
+        <a:scrgbClr r="0" g="0" b="0"/>
+      </a:lnRef>
+      <a:fillRef idx="1">
+        <a:scrgbClr r="0" g="0" b="0"/>
+      </a:fillRef>
+      <a:effectRef idx="0">
+        <a:scrgbClr r="0" g="0" b="0"/>
+      </a:effectRef>
+      <a:fontRef idx="minor">
+        <a:schemeClr val="lt1"/>
+      </a:fontRef>
+    </dgm:style>
+  </dgm:styleLbl>
+  <dgm:styleLbl name="node1">
+    <dgm:scene3d>
+      <a:camera prst="orthographicFront"/>
+      <a:lightRig rig="threePt" dir="t"/>
+    </dgm:scene3d>
+    <dgm:sp3d/>
+    <dgm:txPr/>
+    <dgm:style>
+      <a:lnRef idx="2">
+        <a:scrgbClr r="0" g="0" b="0"/>
+      </a:lnRef>
+      <a:fillRef idx="1">
+        <a:scrgbClr r="0" g="0" b="0"/>
+      </a:fillRef>
+      <a:effectRef idx="0">
+        <a:scrgbClr r="0" g="0" b="0"/>
+      </a:effectRef>
+      <a:fontRef idx="minor">
+        <a:schemeClr val="lt1"/>
+      </a:fontRef>
+    </dgm:style>
+  </dgm:styleLbl>
+  <dgm:styleLbl name="node2">
+    <dgm:scene3d>
+      <a:camera prst="orthographicFront"/>
+      <a:lightRig rig="threePt" dir="t"/>
+    </dgm:scene3d>
+    <dgm:sp3d/>
+    <dgm:txPr/>
+    <dgm:style>
+      <a:lnRef idx="2">
+        <a:scrgbClr r="0" g="0" b="0"/>
+      </a:lnRef>
+      <a:fillRef idx="1">
+        <a:scrgbClr r="0" g="0" b="0"/>
+      </a:fillRef>
+      <a:effectRef idx="0">
+        <a:scrgbClr r="0" g="0" b="0"/>
+      </a:effectRef>
+      <a:fontRef idx="minor">
+        <a:schemeClr val="lt1"/>
+      </a:fontRef>
+    </dgm:style>
+  </dgm:styleLbl>
+  <dgm:styleLbl name="node3">
+    <dgm:scene3d>
+      <a:camera prst="orthographicFront"/>
+      <a:lightRig rig="threePt" dir="t"/>
+    </dgm:scene3d>
+    <dgm:sp3d/>
+    <dgm:txPr/>
+    <dgm:style>
+      <a:lnRef idx="2">
+        <a:scrgbClr r="0" g="0" b="0"/>
+      </a:lnRef>
+      <a:fillRef idx="1">
+        <a:scrgbClr r="0" g="0" b="0"/>
+      </a:fillRef>
+      <a:effectRef idx="0">
+        <a:scrgbClr r="0" g="0" b="0"/>
+      </a:effectRef>
+      <a:fontRef idx="minor">
+        <a:schemeClr val="lt1"/>
+      </a:fontRef>
+    </dgm:style>
+  </dgm:styleLbl>
+  <dgm:styleLbl name="node4">
+    <dgm:scene3d>
+      <a:camera prst="orthographicFront"/>
+      <a:lightRig rig="threePt" dir="t"/>
+    </dgm:scene3d>
+    <dgm:sp3d/>
+    <dgm:txPr/>
+    <dgm:style>
+      <a:lnRef idx="2">
+        <a:scrgbClr r="0" g="0" b="0"/>
+      </a:lnRef>
+      <a:fillRef idx="1">
+        <a:scrgbClr r="0" g="0" b="0"/>
+      </a:fillRef>
+      <a:effectRef idx="0">
+        <a:scrgbClr r="0" g="0" b="0"/>
+      </a:effectRef>
+      <a:fontRef idx="minor">
+        <a:schemeClr val="lt1"/>
+      </a:fontRef>
+    </dgm:style>
+  </dgm:styleLbl>
+  <dgm:styleLbl name="fgImgPlace1">
+    <dgm:scene3d>
+      <a:camera prst="orthographicFront"/>
+      <a:lightRig rig="threePt" dir="t"/>
+    </dgm:scene3d>
+    <dgm:sp3d/>
+    <dgm:txPr/>
+    <dgm:style>
+      <a:lnRef idx="2">
+        <a:scrgbClr r="0" g="0" b="0"/>
+      </a:lnRef>
+      <a:fillRef idx="1">
+        <a:scrgbClr r="0" g="0" b="0"/>
+      </a:fillRef>
+      <a:effectRef idx="0">
+        <a:scrgbClr r="0" g="0" b="0"/>
+      </a:effectRef>
+      <a:fontRef idx="minor"/>
+    </dgm:style>
+  </dgm:styleLbl>
+  <dgm:styleLbl name="alignImgPlace1">
+    <dgm:scene3d>
+      <a:camera prst="orthographicFront"/>
+      <a:lightRig rig="threePt" dir="t"/>
+    </dgm:scene3d>
+    <dgm:sp3d/>
+    <dgm:txPr/>
+    <dgm:style>
+      <a:lnRef idx="2">
+        <a:scrgbClr r="0" g="0" b="0"/>
+      </a:lnRef>
+      <a:fillRef idx="1">
+        <a:scrgbClr r="0" g="0" b="0"/>
+      </a:fillRef>
+      <a:effectRef idx="0">
+        <a:scrgbClr r="0" g="0" b="0"/>
+      </a:effectRef>
+      <a:fontRef idx="minor"/>
+    </dgm:style>
+  </dgm:styleLbl>
+  <dgm:styleLbl name="bgImgPlace1">
+    <dgm:scene3d>
+      <a:camera prst="orthographicFront"/>
+      <a:lightRig rig="threePt" dir="t"/>
+    </dgm:scene3d>
+    <dgm:sp3d/>
+    <dgm:txPr/>
+    <dgm:style>
+      <a:lnRef idx="2">
+        <a:scrgbClr r="0" g="0" b="0"/>
+      </a:lnRef>
+      <a:fillRef idx="1">
+        <a:scrgbClr r="0" g="0" b="0"/>
+      </a:fillRef>
+      <a:effectRef idx="0">
+        <a:scrgbClr r="0" g="0" b="0"/>
+      </a:effectRef>
+      <a:fontRef idx="minor"/>
+    </dgm:style>
+  </dgm:styleLbl>
+  <dgm:styleLbl name="sibTrans2D1">
+    <dgm:scene3d>
+      <a:camera prst="orthographicFront"/>
+      <a:lightRig rig="threePt" dir="t"/>
+    </dgm:scene3d>
+    <dgm:sp3d/>
+    <dgm:txPr/>
+    <dgm:style>
+      <a:lnRef idx="0">
+        <a:scrgbClr r="0" g="0" b="0"/>
+      </a:lnRef>
+      <a:fillRef idx="1">
+        <a:scrgbClr r="0" g="0" b="0"/>
+      </a:fillRef>
+      <a:effectRef idx="0">
+        <a:scrgbClr r="0" g="0" b="0"/>
+      </a:effectRef>
+      <a:fontRef idx="minor">
+        <a:schemeClr val="lt1"/>
+      </a:fontRef>
+    </dgm:style>
+  </dgm:styleLbl>
+  <dgm:styleLbl name="fgSibTrans2D1">
+    <dgm:scene3d>
+      <a:camera prst="orthographicFront"/>
+      <a:lightRig rig="threePt" dir="t"/>
+    </dgm:scene3d>
+    <dgm:sp3d/>
+    <dgm:txPr/>
+    <dgm:style>
+      <a:lnRef idx="0">
+        <a:scrgbClr r="0" g="0" b="0"/>
+      </a:lnRef>
+      <a:fillRef idx="1">
+        <a:scrgbClr r="0" g="0" b="0"/>
+      </a:fillRef>
+      <a:effectRef idx="0">
+        <a:scrgbClr r="0" g="0" b="0"/>
+      </a:effectRef>
+      <a:fontRef idx="minor">
+        <a:schemeClr val="lt1"/>
+      </a:fontRef>
+    </dgm:style>
+  </dgm:styleLbl>
+  <dgm:styleLbl name="bgSibTrans2D1">
+    <dgm:scene3d>
+      <a:camera prst="orthographicFront"/>
+      <a:lightRig rig="threePt" dir="t"/>
+    </dgm:scene3d>
+    <dgm:sp3d/>
+    <dgm:txPr/>
+    <dgm:style>
+      <a:lnRef idx="0">
+        <a:scrgbClr r="0" g="0" b="0"/>
+      </a:lnRef>
+      <a:fillRef idx="1">
+        <a:scrgbClr r="0" g="0" b="0"/>
+      </a:fillRef>
+      <a:effectRef idx="0">
+        <a:scrgbClr r="0" g="0" b="0"/>
+      </a:effectRef>
+      <a:fontRef idx="minor">
+        <a:schemeClr val="lt1"/>
+      </a:fontRef>
+    </dgm:style>
+  </dgm:styleLbl>
+  <dgm:styleLbl name="sibTrans1D1">
+    <dgm:scene3d>
+      <a:camera prst="orthographicFront"/>
+      <a:lightRig rig="threePt" dir="t"/>
+    </dgm:scene3d>
+    <dgm:sp3d/>
+    <dgm:txPr/>
+    <dgm:style>
+      <a:lnRef idx="1">
+        <a:scrgbClr r="0" g="0" b="0"/>
+      </a:lnRef>
+      <a:fillRef idx="0">
+        <a:scrgbClr r="0" g="0" b="0"/>
+      </a:fillRef>
+      <a:effectRef idx="0">
+        <a:scrgbClr r="0" g="0" b="0"/>
+      </a:effectRef>
+      <a:fontRef idx="minor"/>
+    </dgm:style>
+  </dgm:styleLbl>
+  <dgm:styleLbl name="callout">
+    <dgm:scene3d>
+      <a:camera prst="orthographicFront"/>
+      <a:lightRig rig="threePt" dir="t"/>
+    </dgm:scene3d>
+    <dgm:sp3d/>
+    <dgm:txPr/>
+    <dgm:style>
+      <a:lnRef idx="2">
+        <a:scrgbClr r="0" g="0" b="0"/>
+      </a:lnRef>
+      <a:fillRef idx="1">
+        <a:scrgbClr r="0" g="0" b="0"/>
+      </a:fillRef>
+      <a:effectRef idx="0">
+        <a:scrgbClr r="0" g="0" b="0"/>
+      </a:effectRef>
+      <a:fontRef idx="minor"/>
+    </dgm:style>
+  </dgm:styleLbl>
+  <dgm:styleLbl name="asst0">
+    <dgm:scene3d>
+      <a:camera prst="orthographicFront"/>
+      <a:lightRig rig="threePt" dir="t"/>
+    </dgm:scene3d>
+    <dgm:sp3d/>
+    <dgm:txPr/>
+    <dgm:style>
+      <a:lnRef idx="2">
+        <a:scrgbClr r="0" g="0" b="0"/>
+      </a:lnRef>
+      <a:fillRef idx="1">
+        <a:scrgbClr r="0" g="0" b="0"/>
+      </a:fillRef>
+      <a:effectRef idx="0">
+        <a:scrgbClr r="0" g="0" b="0"/>
+      </a:effectRef>
+      <a:fontRef idx="minor">
+        <a:schemeClr val="lt1"/>
+      </a:fontRef>
+    </dgm:style>
+  </dgm:styleLbl>
+  <dgm:styleLbl name="asst1">
+    <dgm:scene3d>
+      <a:camera prst="orthographicFront"/>
+      <a:lightRig rig="threePt" dir="t"/>
+    </dgm:scene3d>
+    <dgm:sp3d/>
+    <dgm:txPr/>
+    <dgm:style>
+      <a:lnRef idx="2">
+        <a:scrgbClr r="0" g="0" b="0"/>
+      </a:lnRef>
+      <a:fillRef idx="1">
+        <a:scrgbClr r="0" g="0" b="0"/>
+      </a:fillRef>
+      <a:effectRef idx="0">
+        <a:scrgbClr r="0" g="0" b="0"/>
+      </a:effectRef>
+      <a:fontRef idx="minor">
+        <a:schemeClr val="lt1"/>
+      </a:fontRef>
+    </dgm:style>
+  </dgm:styleLbl>
+  <dgm:styleLbl name="asst2">
+    <dgm:scene3d>
+      <a:camera prst="orthographicFront"/>
+      <a:lightRig rig="threePt" dir="t"/>
+    </dgm:scene3d>
+    <dgm:sp3d/>
+    <dgm:txPr/>
+    <dgm:style>
+      <a:lnRef idx="2">
+        <a:scrgbClr r="0" g="0" b="0"/>
+      </a:lnRef>
+      <a:fillRef idx="1">
+        <a:scrgbClr r="0" g="0" b="0"/>
+      </a:fillRef>
+      <a:effectRef idx="0">
+        <a:scrgbClr r="0" g="0" b="0"/>
+      </a:effectRef>
+      <a:fontRef idx="minor">
+        <a:schemeClr val="lt1"/>
+      </a:fontRef>
+    </dgm:style>
+  </dgm:styleLbl>
+  <dgm:styleLbl name="asst3">
+    <dgm:scene3d>
+      <a:camera prst="orthographicFront"/>
+      <a:lightRig rig="threePt" dir="t"/>
+    </dgm:scene3d>
+    <dgm:sp3d/>
+    <dgm:txPr/>
+    <dgm:style>
+      <a:lnRef idx="2">
+        <a:scrgbClr r="0" g="0" b="0"/>
+      </a:lnRef>
+      <a:fillRef idx="1">
+        <a:scrgbClr r="0" g="0" b="0"/>
+      </a:fillRef>
+      <a:effectRef idx="0">
+        <a:scrgbClr r="0" g="0" b="0"/>
+      </a:effectRef>
+      <a:fontRef idx="minor">
+        <a:schemeClr val="lt1"/>
+      </a:fontRef>
+    </dgm:style>
+  </dgm:styleLbl>
+  <dgm:styleLbl name="asst4">
+    <dgm:scene3d>
+      <a:camera prst="orthographicFront"/>
+      <a:lightRig rig="threePt" dir="t"/>
+    </dgm:scene3d>
+    <dgm:sp3d/>
+    <dgm:txPr/>
+    <dgm:style>
+      <a:lnRef idx="2">
+        <a:scrgbClr r="0" g="0" b="0"/>
+      </a:lnRef>
+      <a:fillRef idx="1">
+        <a:scrgbClr r="0" g="0" b="0"/>
+      </a:fillRef>
+      <a:effectRef idx="0">
+        <a:scrgbClr r="0" g="0" b="0"/>
+      </a:effectRef>
+      <a:fontRef idx="minor">
+        <a:schemeClr val="lt1"/>
+      </a:fontRef>
+    </dgm:style>
+  </dgm:styleLbl>
+  <dgm:styleLbl name="parChTrans2D1">
+    <dgm:scene3d>
+      <a:camera prst="orthographicFront"/>
+      <a:lightRig rig="threePt" dir="t"/>
+    </dgm:scene3d>
+    <dgm:sp3d/>
+    <dgm:txPr/>
+    <dgm:style>
+      <a:lnRef idx="2">
+        <a:scrgbClr r="0" g="0" b="0"/>
+      </a:lnRef>
+      <a:fillRef idx="1">
+        <a:scrgbClr r="0" g="0" b="0"/>
+      </a:fillRef>
+      <a:effectRef idx="0">
+        <a:scrgbClr r="0" g="0" b="0"/>
+      </a:effectRef>
+      <a:fontRef idx="minor">
+        <a:schemeClr val="lt1"/>
+      </a:fontRef>
+    </dgm:style>
+  </dgm:styleLbl>
+  <dgm:styleLbl name="parChTrans2D2">
+    <dgm:scene3d>
+      <a:camera prst="orthographicFront"/>
+      <a:lightRig rig="threePt" dir="t"/>
+    </dgm:scene3d>
+    <dgm:sp3d/>
+    <dgm:txPr/>
+    <dgm:style>
+      <a:lnRef idx="2">
+        <a:scrgbClr r="0" g="0" b="0"/>
+      </a:lnRef>
+      <a:fillRef idx="1">
+        <a:scrgbClr r="0" g="0" b="0"/>
+      </a:fillRef>
+      <a:effectRef idx="0">
+        <a:scrgbClr r="0" g="0" b="0"/>
+      </a:effectRef>
+      <a:fontRef idx="minor">
+        <a:schemeClr val="lt1"/>
+      </a:fontRef>
+    </dgm:style>
+  </dgm:styleLbl>
+  <dgm:styleLbl name="parChTrans2D3">
+    <dgm:scene3d>
+      <a:camera prst="orthographicFront"/>
+      <a:lightRig rig="threePt" dir="t"/>
+    </dgm:scene3d>
+    <dgm:sp3d/>
+    <dgm:txPr/>
+    <dgm:style>
+      <a:lnRef idx="2">
+        <a:scrgbClr r="0" g="0" b="0"/>
+      </a:lnRef>
+      <a:fillRef idx="1">
+        <a:scrgbClr r="0" g="0" b="0"/>
+      </a:fillRef>
+      <a:effectRef idx="0">
+        <a:scrgbClr r="0" g="0" b="0"/>
+      </a:effectRef>
+      <a:fontRef idx="minor">
+        <a:schemeClr val="lt1"/>
+      </a:fontRef>
+    </dgm:style>
+  </dgm:styleLbl>
+  <dgm:styleLbl name="parChTrans2D4">
+    <dgm:scene3d>
+      <a:camera prst="orthographicFront"/>
+      <a:lightRig rig="threePt" dir="t"/>
+    </dgm:scene3d>
+    <dgm:sp3d/>
+    <dgm:txPr/>
+    <dgm:style>
+      <a:lnRef idx="2">
+        <a:scrgbClr r="0" g="0" b="0"/>
+      </a:lnRef>
+      <a:fillRef idx="1">
+        <a:scrgbClr r="0" g="0" b="0"/>
+      </a:fillRef>
+      <a:effectRef idx="0">
+        <a:scrgbClr r="0" g="0" b="0"/>
+      </a:effectRef>
+      <a:fontRef idx="minor">
+        <a:schemeClr val="lt1"/>
+      </a:fontRef>
+    </dgm:style>
+  </dgm:styleLbl>
+  <dgm:styleLbl name="parChTrans1D1">
+    <dgm:scene3d>
+      <a:camera prst="orthographicFront"/>
+      <a:lightRig rig="threePt" dir="t"/>
+    </dgm:scene3d>
+    <dgm:sp3d/>
+    <dgm:txPr/>
+    <dgm:style>
+      <a:lnRef idx="2">
+        <a:scrgbClr r="0" g="0" b="0"/>
+      </a:lnRef>
+      <a:fillRef idx="0">
+        <a:scrgbClr r="0" g="0" b="0"/>
+      </a:fillRef>
+      <a:effectRef idx="0">
+        <a:scrgbClr r="0" g="0" b="0"/>
+      </a:effectRef>
+      <a:fontRef idx="minor"/>
+    </dgm:style>
+  </dgm:styleLbl>
+  <dgm:styleLbl name="parChTrans1D2">
+    <dgm:scene3d>
+      <a:camera prst="orthographicFront"/>
+      <a:lightRig rig="threePt" dir="t"/>
+    </dgm:scene3d>
+    <dgm:sp3d/>
+    <dgm:txPr/>
+    <dgm:style>
+      <a:lnRef idx="2">
+        <a:scrgbClr r="0" g="0" b="0"/>
+      </a:lnRef>
+      <a:fillRef idx="0">
+        <a:scrgbClr r="0" g="0" b="0"/>
+      </a:fillRef>
+      <a:effectRef idx="0">
+        <a:scrgbClr r="0" g="0" b="0"/>
+      </a:effectRef>
+      <a:fontRef idx="minor"/>
+    </dgm:style>
+  </dgm:styleLbl>
+  <dgm:styleLbl name="parChTrans1D3">
+    <dgm:scene3d>
+      <a:camera prst="orthographicFront"/>
+      <a:lightRig rig="threePt" dir="t"/>
+    </dgm:scene3d>
+    <dgm:sp3d/>
+    <dgm:txPr/>
+    <dgm:style>
+      <a:lnRef idx="2">
+        <a:scrgbClr r="0" g="0" b="0"/>
+      </a:lnRef>
+      <a:fillRef idx="0">
+        <a:scrgbClr r="0" g="0" b="0"/>
+      </a:fillRef>
+      <a:effectRef idx="0">
+        <a:scrgbClr r="0" g="0" b="0"/>
+      </a:effectRef>
+      <a:fontRef idx="minor"/>
+    </dgm:style>
+  </dgm:styleLbl>
+  <dgm:styleLbl name="parChTrans1D4">
+    <dgm:scene3d>
+      <a:camera prst="orthographicFront"/>
+      <a:lightRig rig="threePt" dir="t"/>
+    </dgm:scene3d>
+    <dgm:sp3d/>
+    <dgm:txPr/>
+    <dgm:style>
+      <a:lnRef idx="2">
+        <a:scrgbClr r="0" g="0" b="0"/>
+      </a:lnRef>
+      <a:fillRef idx="0">
+        <a:scrgbClr r="0" g="0" b="0"/>
+      </a:fillRef>
+      <a:effectRef idx="0">
+        <a:scrgbClr r="0" g="0" b="0"/>
+      </a:effectRef>
+      <a:fontRef idx="minor"/>
+    </dgm:style>
+  </dgm:styleLbl>
+  <dgm:styleLbl name="fgAcc1">
+    <dgm:scene3d>
+      <a:camera prst="orthographicFront"/>
+      <a:lightRig rig="threePt" dir="t"/>
+    </dgm:scene3d>
+    <dgm:sp3d/>
+    <dgm:txPr/>
+    <dgm:style>
+      <a:lnRef idx="2">
+        <a:scrgbClr r="0" g="0" b="0"/>
+      </a:lnRef>
+      <a:fillRef idx="1">
+        <a:scrgbClr r="0" g="0" b="0"/>
+      </a:fillRef>
+      <a:effectRef idx="0">
+        <a:scrgbClr r="0" g="0" b="0"/>
+      </a:effectRef>
+      <a:fontRef idx="minor"/>
+    </dgm:style>
+  </dgm:styleLbl>
+  <dgm:styleLbl name="conFgAcc1">
+    <dgm:scene3d>
+      <a:camera prst="orthographicFront"/>
+      <a:lightRig rig="threePt" dir="t"/>
+    </dgm:scene3d>
+    <dgm:sp3d/>
+    <dgm:txPr/>
+    <dgm:style>
+      <a:lnRef idx="2">
+        <a:scrgbClr r="0" g="0" b="0"/>
+      </a:lnRef>
+      <a:fillRef idx="1">
+        <a:scrgbClr r="0" g="0" b="0"/>
+      </a:fillRef>
+      <a:effectRef idx="0">
+        <a:scrgbClr r="0" g="0" b="0"/>
+      </a:effectRef>
+      <a:fontRef idx="minor"/>
+    </dgm:style>
+  </dgm:styleLbl>
+  <dgm:styleLbl name="alignAcc1">
+    <dgm:scene3d>
+      <a:camera prst="orthographicFront"/>
+      <a:lightRig rig="threePt" dir="t"/>
+    </dgm:scene3d>
+    <dgm:sp3d/>
+    <dgm:txPr/>
+    <dgm:style>
+      <a:lnRef idx="2">
+        <a:scrgbClr r="0" g="0" b="0"/>
+      </a:lnRef>
+      <a:fillRef idx="1">
+        <a:scrgbClr r="0" g="0" b="0"/>
+      </a:fillRef>
+      <a:effectRef idx="0">
+        <a:scrgbClr r="0" g="0" b="0"/>
+      </a:effectRef>
+      <a:fontRef idx="minor"/>
+    </dgm:style>
+  </dgm:styleLbl>
+  <dgm:styleLbl name="trAlignAcc1">
+    <dgm:scene3d>
+      <a:camera prst="orthographicFront"/>
+      <a:lightRig rig="threePt" dir="t"/>
+    </dgm:scene3d>
+    <dgm:sp3d/>
+    <dgm:txPr/>
+    <dgm:style>
+      <a:lnRef idx="1">
+        <a:scrgbClr r="0" g="0" b="0"/>
+      </a:lnRef>
+      <a:fillRef idx="1">
+        <a:scrgbClr r="0" g="0" b="0"/>
+      </a:fillRef>
+      <a:effectRef idx="0">
+        <a:scrgbClr r="0" g="0" b="0"/>
+      </a:effectRef>
+      <a:fontRef idx="minor"/>
+    </dgm:style>
+  </dgm:styleLbl>
+  <dgm:styleLbl name="bgAcc1">
+    <dgm:scene3d>
+      <a:camera prst="orthographicFront"/>
+      <a:lightRig rig="threePt" dir="t"/>
+    </dgm:scene3d>
+    <dgm:sp3d/>
+    <dgm:txPr/>
+    <dgm:style>
+      <a:lnRef idx="2">
+        <a:scrgbClr r="0" g="0" b="0"/>
+      </a:lnRef>
+      <a:fillRef idx="1">
+        <a:scrgbClr r="0" g="0" b="0"/>
+      </a:fillRef>
+      <a:effectRef idx="0">
+        <a:scrgbClr r="0" g="0" b="0"/>
+      </a:effectRef>
+      <a:fontRef idx="minor"/>
+    </dgm:style>
+  </dgm:styleLbl>
+  <dgm:styleLbl name="solidFgAcc1">
+    <dgm:scene3d>
+      <a:camera prst="orthographicFront"/>
+      <a:lightRig rig="threePt" dir="t"/>
+    </dgm:scene3d>
+    <dgm:sp3d/>
+    <dgm:txPr/>
+    <dgm:style>
+      <a:lnRef idx="2">
+        <a:scrgbClr r="0" g="0" b="0"/>
+      </a:lnRef>
+      <a:fillRef idx="1">
+        <a:scrgbClr r="0" g="0" b="0"/>
+      </a:fillRef>
+      <a:effectRef idx="0">
+        <a:scrgbClr r="0" g="0" b="0"/>
+      </a:effectRef>
+      <a:fontRef idx="minor"/>
+    </dgm:style>
+  </dgm:styleLbl>
+  <dgm:styleLbl name="solidAlignAcc1">
+    <dgm:scene3d>
+      <a:camera prst="orthographicFront"/>
+      <a:lightRig rig="threePt" dir="t"/>
+    </dgm:scene3d>
+    <dgm:sp3d/>
+    <dgm:txPr/>
+    <dgm:style>
+      <a:lnRef idx="2">
+        <a:scrgbClr r="0" g="0" b="0"/>
+      </a:lnRef>
+      <a:fillRef idx="1">
+        <a:scrgbClr r="0" g="0" b="0"/>
+      </a:fillRef>
+      <a:effectRef idx="0">
+        <a:scrgbClr r="0" g="0" b="0"/>
+      </a:effectRef>
+      <a:fontRef idx="minor"/>
+    </dgm:style>
+  </dgm:styleLbl>
+  <dgm:styleLbl name="solidBgAcc1">
+    <dgm:scene3d>
+      <a:camera prst="orthographicFront"/>
+      <a:lightRig rig="threePt" dir="t"/>
+    </dgm:scene3d>
+    <dgm:sp3d/>
+    <dgm:txPr/>
+    <dgm:style>
+      <a:lnRef idx="2">
+        <a:scrgbClr r="0" g="0" b="0"/>
+      </a:lnRef>
+      <a:fillRef idx="1">
+        <a:scrgbClr r="0" g="0" b="0"/>
+      </a:fillRef>
+      <a:effectRef idx="0">
+        <a:scrgbClr r="0" g="0" b="0"/>
+      </a:effectRef>
+      <a:fontRef idx="minor"/>
+    </dgm:style>
+  </dgm:styleLbl>
+  <dgm:styleLbl name="fgAccFollowNode1">
+    <dgm:scene3d>
+      <a:camera prst="orthographicFront"/>
+      <a:lightRig rig="threePt" dir="t"/>
+    </dgm:scene3d>
+    <dgm:sp3d/>
+    <dgm:txPr/>
+    <dgm:style>
+      <a:lnRef idx="2">
+        <a:scrgbClr r="0" g="0" b="0"/>
+      </a:lnRef>
+      <a:fillRef idx="1">
+        <a:scrgbClr r="0" g="0" b="0"/>
+      </a:fillRef>
+      <a:effectRef idx="0">
+        <a:scrgbClr r="0" g="0" b="0"/>
+      </a:effectRef>
+      <a:fontRef idx="minor"/>
+    </dgm:style>
+  </dgm:styleLbl>
+  <dgm:styleLbl name="alignAccFollowNode1">
+    <dgm:scene3d>
+      <a:camera prst="orthographicFront"/>
+      <a:lightRig rig="threePt" dir="t"/>
+    </dgm:scene3d>
+    <dgm:sp3d/>
+    <dgm:txPr/>
+    <dgm:style>
+      <a:lnRef idx="2">
+        <a:scrgbClr r="0" g="0" b="0"/>
+      </a:lnRef>
+      <a:fillRef idx="1">
+        <a:scrgbClr r="0" g="0" b="0"/>
+      </a:fillRef>
+      <a:effectRef idx="0">
+        <a:scrgbClr r="0" g="0" b="0"/>
+      </a:effectRef>
+      <a:fontRef idx="minor"/>
+    </dgm:style>
+  </dgm:styleLbl>
+  <dgm:styleLbl name="bgAccFollowNode1">
+    <dgm:scene3d>
+      <a:camera prst="orthographicFront"/>
+      <a:lightRig rig="threePt" dir="t"/>
+    </dgm:scene3d>
+    <dgm:sp3d/>
+    <dgm:txPr/>
+    <dgm:style>
+      <a:lnRef idx="2">
+        <a:scrgbClr r="0" g="0" b="0"/>
+      </a:lnRef>
+      <a:fillRef idx="1">
+        <a:scrgbClr r="0" g="0" b="0"/>
+      </a:fillRef>
+      <a:effectRef idx="0">
+        <a:scrgbClr r="0" g="0" b="0"/>
+      </a:effectRef>
+      <a:fontRef idx="minor"/>
+    </dgm:style>
+  </dgm:styleLbl>
+  <dgm:styleLbl name="fgAcc0">
+    <dgm:scene3d>
+      <a:camera prst="orthographicFront"/>
+      <a:lightRig rig="threePt" dir="t"/>
+    </dgm:scene3d>
+    <dgm:sp3d/>
+    <dgm:txPr/>
+    <dgm:style>
+      <a:lnRef idx="2">
+        <a:scrgbClr r="0" g="0" b="0"/>
+      </a:lnRef>
+      <a:fillRef idx="1">
+        <a:scrgbClr r="0" g="0" b="0"/>
+      </a:fillRef>
+      <a:effectRef idx="0">
+        <a:scrgbClr r="0" g="0" b="0"/>
+      </a:effectRef>
+      <a:fontRef idx="minor"/>
+    </dgm:style>
+  </dgm:styleLbl>
+  <dgm:styleLbl name="fgAcc2">
+    <dgm:scene3d>
+      <a:camera prst="orthographicFront"/>
+      <a:lightRig rig="threePt" dir="t"/>
+    </dgm:scene3d>
+    <dgm:sp3d/>
+    <dgm:txPr/>
+    <dgm:style>
+      <a:lnRef idx="2">
+        <a:scrgbClr r="0" g="0" b="0"/>
+      </a:lnRef>
+      <a:fillRef idx="1">
+        <a:scrgbClr r="0" g="0" b="0"/>
+      </a:fillRef>
+      <a:effectRef idx="0">
+        <a:scrgbClr r="0" g="0" b="0"/>
+      </a:effectRef>
+      <a:fontRef idx="minor"/>
+    </dgm:style>
+  </dgm:styleLbl>
+  <dgm:styleLbl name="fgAcc3">
+    <dgm:scene3d>
+      <a:camera prst="orthographicFront"/>
+      <a:lightRig rig="threePt" dir="t"/>
+    </dgm:scene3d>
+    <dgm:sp3d/>
+    <dgm:txPr/>
+    <dgm:style>
+      <a:lnRef idx="2">
+        <a:scrgbClr r="0" g="0" b="0"/>
+      </a:lnRef>
+      <a:fillRef idx="1">
+        <a:scrgbClr r="0" g="0" b="0"/>
+      </a:fillRef>
+      <a:effectRef idx="0">
+        <a:scrgbClr r="0" g="0" b="0"/>
+      </a:effectRef>
+      <a:fontRef idx="minor"/>
+    </dgm:style>
+  </dgm:styleLbl>
+  <dgm:styleLbl name="fgAcc4">
+    <dgm:scene3d>
+      <a:camera prst="orthographicFront"/>
+      <a:lightRig rig="threePt" dir="t"/>
+    </dgm:scene3d>
+    <dgm:sp3d/>
+    <dgm:txPr/>
+    <dgm:style>
+      <a:lnRef idx="2">
+        <a:scrgbClr r="0" g="0" b="0"/>
+      </a:lnRef>
+      <a:fillRef idx="1">
+        <a:scrgbClr r="0" g="0" b="0"/>
+      </a:fillRef>
+      <a:effectRef idx="0">
+        <a:scrgbClr r="0" g="0" b="0"/>
+      </a:effectRef>
+      <a:fontRef idx="minor"/>
+    </dgm:style>
+  </dgm:styleLbl>
+  <dgm:styleLbl name="bgShp">
+    <dgm:scene3d>
+      <a:camera prst="orthographicFront"/>
+      <a:lightRig rig="threePt" dir="t"/>
+    </dgm:scene3d>
+    <dgm:sp3d/>
+    <dgm:txPr/>
+    <dgm:style>
+      <a:lnRef idx="0">
+        <a:scrgbClr r="0" g="0" b="0"/>
+      </a:lnRef>
+      <a:fillRef idx="1">
+        <a:scrgbClr r="0" g="0" b="0"/>
+      </a:fillRef>
+      <a:effectRef idx="0">
+        <a:scrgbClr r="0" g="0" b="0"/>
+      </a:effectRef>
+      <a:fontRef idx="minor"/>
+    </dgm:style>
+  </dgm:styleLbl>
+  <dgm:styleLbl name="dkBgShp">
+    <dgm:scene3d>
+      <a:camera prst="orthographicFront"/>
+      <a:lightRig rig="threePt" dir="t"/>
+    </dgm:scene3d>
+    <dgm:sp3d/>
+    <dgm:txPr/>
+    <dgm:style>
+      <a:lnRef idx="0">
+        <a:scrgbClr r="0" g="0" b="0"/>
+      </a:lnRef>
+      <a:fillRef idx="1">
+        <a:scrgbClr r="0" g="0" b="0"/>
+      </a:fillRef>
+      <a:effectRef idx="0">
+        <a:scrgbClr r="0" g="0" b="0"/>
+      </a:effectRef>
+      <a:fontRef idx="minor"/>
+    </dgm:style>
+  </dgm:styleLbl>
+  <dgm:styleLbl name="trBgShp">
+    <dgm:scene3d>
+      <a:camera prst="orthographicFront"/>
+      <a:lightRig rig="threePt" dir="t"/>
+    </dgm:scene3d>
+    <dgm:sp3d/>
+    <dgm:txPr/>
+    <dgm:style>
+      <a:lnRef idx="0">
+        <a:scrgbClr r="0" g="0" b="0"/>
+      </a:lnRef>
+      <a:fillRef idx="1">
+        <a:scrgbClr r="0" g="0" b="0"/>
+      </a:fillRef>
+      <a:effectRef idx="0">
+        <a:scrgbClr r="0" g="0" b="0"/>
+      </a:effectRef>
+      <a:fontRef idx="minor"/>
+    </dgm:style>
+  </dgm:styleLbl>
+  <dgm:styleLbl name="fgShp">
+    <dgm:scene3d>
+      <a:camera prst="orthographicFront"/>
+      <a:lightRig rig="threePt" dir="t"/>
+    </dgm:scene3d>
+    <dgm:sp3d/>
+    <dgm:txPr/>
+    <dgm:style>
+      <a:lnRef idx="2">
+        <a:scrgbClr r="0" g="0" b="0"/>
+      </a:lnRef>
+      <a:fillRef idx="1">
+        <a:scrgbClr r="0" g="0" b="0"/>
+      </a:fillRef>
+      <a:effectRef idx="0">
+        <a:scrgbClr r="0" g="0" b="0"/>
+      </a:effectRef>
+      <a:fontRef idx="minor"/>
+    </dgm:style>
+  </dgm:styleLbl>
+  <dgm:styleLbl name="revTx">
+    <dgm:scene3d>
+      <a:camera prst="orthographicFront"/>
+      <a:lightRig rig="threePt" dir="t"/>
+    </dgm:scene3d>
+    <dgm:sp3d/>
+    <dgm:txPr/>
+    <dgm:style>
+      <a:lnRef idx="0">
+        <a:scrgbClr r="0" g="0" b="0"/>
+      </a:lnRef>
+      <a:fillRef idx="0">
+        <a:scrgbClr r="0" g="0" b="0"/>
+      </a:fillRef>
+      <a:effectRef idx="0">
+        <a:scrgbClr r="0" g="0" b="0"/>
+      </a:effectRef>
+      <a:fontRef idx="minor"/>
+    </dgm:style>
+  </dgm:styleLbl>
+</dgm:styleDef>
+</file>
+
+<file path=ppt/diagrams/quickStyle6.xml><?xml version="1.0" encoding="utf-8"?>
 <dgm:styleDef xmlns:dgm="http://schemas.openxmlformats.org/drawingml/2006/diagram" xmlns:a="http://schemas.openxmlformats.org/drawingml/2006/main" uniqueId="urn:microsoft.com/office/officeart/2005/8/quickstyle/simple1">
   <dgm:title val=""/>
   <dgm:desc val=""/>
@@ -14923,7 +17548,7 @@
           <a:p>
             <a:fld id="{3C565982-0E77-45AA-8E05-8448D4A648BD}" type="datetimeFigureOut">
               <a:rPr lang="fr-CH" smtClean="0"/>
-              <a:t>05.06.2014</a:t>
+              <a:t>19.06.2014</a:t>
             </a:fld>
             <a:endParaRPr lang="fr-CH"/>
           </a:p>
@@ -15235,6 +17860,10 @@
           <a:bodyPr/>
           <a:lstStyle/>
           <a:p>
+            <a:r>
+              <a:rPr lang="fr-CH" dirty="0" smtClean="0"/>
+              <a:t>Exemple pour guider l’utilisateur pour les portes ouvertes</a:t>
+            </a:r>
             <a:endParaRPr lang="fr-CH" dirty="0"/>
           </a:p>
         </p:txBody>
@@ -15508,7 +18137,7 @@
           <a:noFill/>
           <a:extLst>
             <a:ext uri="{909E8E84-426E-40dd-AFC4-6F175D3DCCD1}">
-              <a14:hiddenFill xmlns="" xmlns:a14="http://schemas.microsoft.com/office/drawing/2010/main">
+              <a14:hiddenFill xmlns:a14="http://schemas.microsoft.com/office/drawing/2010/main" xmlns="">
                 <a:solidFill>
                   <a:srgbClr val="FFFFFF"/>
                 </a:solidFill>
@@ -15567,7 +18196,7 @@
             </a:ln>
             <a:extLst>
               <a:ext uri="{91240B29-F687-4f45-9708-019B960494DF}">
-                <a14:hiddenLine xmlns="" xmlns:a14="http://schemas.microsoft.com/office/drawing/2010/main" w="9525">
+                <a14:hiddenLine xmlns:a14="http://schemas.microsoft.com/office/drawing/2010/main" xmlns="" w="9525">
                   <a:solidFill>
                     <a:srgbClr val="000000"/>
                   </a:solidFill>
@@ -15657,7 +18286,7 @@
             </a:ln>
             <a:extLst>
               <a:ext uri="{91240B29-F687-4f45-9708-019B960494DF}">
-                <a14:hiddenLine xmlns="" xmlns:a14="http://schemas.microsoft.com/office/drawing/2010/main" w="9525">
+                <a14:hiddenLine xmlns:a14="http://schemas.microsoft.com/office/drawing/2010/main" xmlns="" w="9525">
                   <a:solidFill>
                     <a:srgbClr val="000000"/>
                   </a:solidFill>
@@ -15747,7 +18376,7 @@
             </a:ln>
             <a:extLst>
               <a:ext uri="{91240B29-F687-4f45-9708-019B960494DF}">
-                <a14:hiddenLine xmlns="" xmlns:a14="http://schemas.microsoft.com/office/drawing/2010/main" w="9525">
+                <a14:hiddenLine xmlns:a14="http://schemas.microsoft.com/office/drawing/2010/main" xmlns="" w="9525">
                   <a:solidFill>
                     <a:srgbClr val="000000"/>
                   </a:solidFill>
@@ -15781,7 +18410,7 @@
             </a:ln>
             <a:extLst>
               <a:ext uri="{91240B29-F687-4f45-9708-019B960494DF}">
-                <a14:hiddenLine xmlns="" xmlns:a14="http://schemas.microsoft.com/office/drawing/2010/main" w="9525">
+                <a14:hiddenLine xmlns:a14="http://schemas.microsoft.com/office/drawing/2010/main" xmlns="" w="9525">
                   <a:solidFill>
                     <a:srgbClr val="000000"/>
                   </a:solidFill>
@@ -15871,7 +18500,7 @@
             </a:ln>
             <a:extLst>
               <a:ext uri="{91240B29-F687-4f45-9708-019B960494DF}">
-                <a14:hiddenLine xmlns="" xmlns:a14="http://schemas.microsoft.com/office/drawing/2010/main" w="9525">
+                <a14:hiddenLine xmlns:a14="http://schemas.microsoft.com/office/drawing/2010/main" xmlns="" w="9525">
                   <a:solidFill>
                     <a:srgbClr val="000000"/>
                   </a:solidFill>
@@ -15933,7 +18562,7 @@
             </a:ln>
             <a:extLst>
               <a:ext uri="{91240B29-F687-4f45-9708-019B960494DF}">
-                <a14:hiddenLine xmlns="" xmlns:a14="http://schemas.microsoft.com/office/drawing/2010/main" w="9525">
+                <a14:hiddenLine xmlns:a14="http://schemas.microsoft.com/office/drawing/2010/main" xmlns="" w="9525">
                   <a:solidFill>
                     <a:srgbClr val="000000"/>
                   </a:solidFill>
@@ -15995,7 +18624,7 @@
             </a:ln>
             <a:extLst>
               <a:ext uri="{91240B29-F687-4f45-9708-019B960494DF}">
-                <a14:hiddenLine xmlns="" xmlns:a14="http://schemas.microsoft.com/office/drawing/2010/main" w="9525">
+                <a14:hiddenLine xmlns:a14="http://schemas.microsoft.com/office/drawing/2010/main" xmlns="" w="9525">
                   <a:solidFill>
                     <a:srgbClr val="000000"/>
                   </a:solidFill>
@@ -16085,7 +18714,7 @@
             </a:ln>
             <a:extLst>
               <a:ext uri="{91240B29-F687-4f45-9708-019B960494DF}">
-                <a14:hiddenLine xmlns="" xmlns:a14="http://schemas.microsoft.com/office/drawing/2010/main" w="9525">
+                <a14:hiddenLine xmlns:a14="http://schemas.microsoft.com/office/drawing/2010/main" xmlns="" w="9525">
                   <a:solidFill>
                     <a:srgbClr val="000000"/>
                   </a:solidFill>
@@ -16147,7 +18776,7 @@
             </a:ln>
             <a:extLst>
               <a:ext uri="{91240B29-F687-4f45-9708-019B960494DF}">
-                <a14:hiddenLine xmlns="" xmlns:a14="http://schemas.microsoft.com/office/drawing/2010/main" w="9525">
+                <a14:hiddenLine xmlns:a14="http://schemas.microsoft.com/office/drawing/2010/main" xmlns="" w="9525">
                   <a:solidFill>
                     <a:srgbClr val="000000"/>
                   </a:solidFill>
@@ -16209,7 +18838,7 @@
             </a:ln>
             <a:extLst>
               <a:ext uri="{91240B29-F687-4f45-9708-019B960494DF}">
-                <a14:hiddenLine xmlns="" xmlns:a14="http://schemas.microsoft.com/office/drawing/2010/main" w="9525">
+                <a14:hiddenLine xmlns:a14="http://schemas.microsoft.com/office/drawing/2010/main" xmlns="" w="9525">
                   <a:solidFill>
                     <a:srgbClr val="000000"/>
                   </a:solidFill>
@@ -16299,7 +18928,7 @@
             </a:ln>
             <a:extLst>
               <a:ext uri="{91240B29-F687-4f45-9708-019B960494DF}">
-                <a14:hiddenLine xmlns="" xmlns:a14="http://schemas.microsoft.com/office/drawing/2010/main" w="9525">
+                <a14:hiddenLine xmlns:a14="http://schemas.microsoft.com/office/drawing/2010/main" xmlns="" w="9525">
                   <a:solidFill>
                     <a:srgbClr val="000000"/>
                   </a:solidFill>
@@ -16389,7 +19018,7 @@
             </a:ln>
             <a:extLst>
               <a:ext uri="{91240B29-F687-4f45-9708-019B960494DF}">
-                <a14:hiddenLine xmlns="" xmlns:a14="http://schemas.microsoft.com/office/drawing/2010/main" w="9525">
+                <a14:hiddenLine xmlns:a14="http://schemas.microsoft.com/office/drawing/2010/main" xmlns="" w="9525">
                   <a:solidFill>
                     <a:srgbClr val="000000"/>
                   </a:solidFill>
@@ -16451,7 +19080,7 @@
             </a:ln>
             <a:extLst>
               <a:ext uri="{91240B29-F687-4f45-9708-019B960494DF}">
-                <a14:hiddenLine xmlns="" xmlns:a14="http://schemas.microsoft.com/office/drawing/2010/main" w="9525">
+                <a14:hiddenLine xmlns:a14="http://schemas.microsoft.com/office/drawing/2010/main" xmlns="" w="9525">
                   <a:solidFill>
                     <a:srgbClr val="000000"/>
                   </a:solidFill>
@@ -16561,7 +19190,7 @@
             </a:ln>
             <a:extLst>
               <a:ext uri="{91240B29-F687-4f45-9708-019B960494DF}">
-                <a14:hiddenLine xmlns="" xmlns:a14="http://schemas.microsoft.com/office/drawing/2010/main" w="9525">
+                <a14:hiddenLine xmlns:a14="http://schemas.microsoft.com/office/drawing/2010/main" xmlns="" w="9525">
                   <a:solidFill>
                     <a:srgbClr val="000000"/>
                   </a:solidFill>
@@ -16623,7 +19252,7 @@
             </a:ln>
             <a:extLst>
               <a:ext uri="{91240B29-F687-4f45-9708-019B960494DF}">
-                <a14:hiddenLine xmlns="" xmlns:a14="http://schemas.microsoft.com/office/drawing/2010/main" w="9525">
+                <a14:hiddenLine xmlns:a14="http://schemas.microsoft.com/office/drawing/2010/main" xmlns="" w="9525">
                   <a:solidFill>
                     <a:srgbClr val="000000"/>
                   </a:solidFill>
@@ -16713,7 +19342,7 @@
             </a:ln>
             <a:extLst>
               <a:ext uri="{91240B29-F687-4f45-9708-019B960494DF}">
-                <a14:hiddenLine xmlns="" xmlns:a14="http://schemas.microsoft.com/office/drawing/2010/main" w="9525">
+                <a14:hiddenLine xmlns:a14="http://schemas.microsoft.com/office/drawing/2010/main" xmlns="" w="9525">
                   <a:solidFill>
                     <a:srgbClr val="000000"/>
                   </a:solidFill>
@@ -16803,7 +19432,7 @@
             </a:ln>
             <a:extLst>
               <a:ext uri="{91240B29-F687-4f45-9708-019B960494DF}">
-                <a14:hiddenLine xmlns="" xmlns:a14="http://schemas.microsoft.com/office/drawing/2010/main" w="9525">
+                <a14:hiddenLine xmlns:a14="http://schemas.microsoft.com/office/drawing/2010/main" xmlns="" w="9525">
                   <a:solidFill>
                     <a:srgbClr val="000000"/>
                   </a:solidFill>
@@ -16865,7 +19494,7 @@
             </a:ln>
             <a:extLst>
               <a:ext uri="{91240B29-F687-4f45-9708-019B960494DF}">
-                <a14:hiddenLine xmlns="" xmlns:a14="http://schemas.microsoft.com/office/drawing/2010/main" w="9525">
+                <a14:hiddenLine xmlns:a14="http://schemas.microsoft.com/office/drawing/2010/main" xmlns="" w="9525">
                   <a:solidFill>
                     <a:srgbClr val="000000"/>
                   </a:solidFill>
@@ -16955,7 +19584,7 @@
             </a:ln>
             <a:extLst>
               <a:ext uri="{91240B29-F687-4f45-9708-019B960494DF}">
-                <a14:hiddenLine xmlns="" xmlns:a14="http://schemas.microsoft.com/office/drawing/2010/main" w="9525">
+                <a14:hiddenLine xmlns:a14="http://schemas.microsoft.com/office/drawing/2010/main" xmlns="" w="9525">
                   <a:solidFill>
                     <a:srgbClr val="000000"/>
                   </a:solidFill>
@@ -17045,7 +19674,7 @@
             </a:ln>
             <a:extLst>
               <a:ext uri="{91240B29-F687-4f45-9708-019B960494DF}">
-                <a14:hiddenLine xmlns="" xmlns:a14="http://schemas.microsoft.com/office/drawing/2010/main" w="9525">
+                <a14:hiddenLine xmlns:a14="http://schemas.microsoft.com/office/drawing/2010/main" xmlns="" w="9525">
                   <a:solidFill>
                     <a:srgbClr val="000000"/>
                   </a:solidFill>
@@ -17101,7 +19730,7 @@
             </a:ln>
             <a:extLst>
               <a:ext uri="{91240B29-F687-4f45-9708-019B960494DF}">
-                <a14:hiddenLine xmlns="" xmlns:a14="http://schemas.microsoft.com/office/drawing/2010/main" w="9525">
+                <a14:hiddenLine xmlns:a14="http://schemas.microsoft.com/office/drawing/2010/main" xmlns="" w="9525">
                   <a:solidFill>
                     <a:srgbClr val="000000"/>
                   </a:solidFill>
@@ -17191,7 +19820,7 @@
             </a:ln>
             <a:extLst>
               <a:ext uri="{91240B29-F687-4f45-9708-019B960494DF}">
-                <a14:hiddenLine xmlns="" xmlns:a14="http://schemas.microsoft.com/office/drawing/2010/main" w="9525">
+                <a14:hiddenLine xmlns:a14="http://schemas.microsoft.com/office/drawing/2010/main" xmlns="" w="9525">
                   <a:solidFill>
                     <a:srgbClr val="000000"/>
                   </a:solidFill>
@@ -17247,7 +19876,7 @@
             </a:ln>
             <a:extLst>
               <a:ext uri="{91240B29-F687-4f45-9708-019B960494DF}">
-                <a14:hiddenLine xmlns="" xmlns:a14="http://schemas.microsoft.com/office/drawing/2010/main" w="9525">
+                <a14:hiddenLine xmlns:a14="http://schemas.microsoft.com/office/drawing/2010/main" xmlns="" w="9525">
                   <a:solidFill>
                     <a:srgbClr val="000000"/>
                   </a:solidFill>
@@ -17337,7 +19966,7 @@
             </a:ln>
             <a:extLst>
               <a:ext uri="{91240B29-F687-4f45-9708-019B960494DF}">
-                <a14:hiddenLine xmlns="" xmlns:a14="http://schemas.microsoft.com/office/drawing/2010/main" w="9525">
+                <a14:hiddenLine xmlns:a14="http://schemas.microsoft.com/office/drawing/2010/main" xmlns="" w="9525">
                   <a:solidFill>
                     <a:srgbClr val="000000"/>
                   </a:solidFill>
@@ -17405,7 +20034,7 @@
             </a:ln>
             <a:extLst>
               <a:ext uri="{91240B29-F687-4f45-9708-019B960494DF}">
-                <a14:hiddenLine xmlns="" xmlns:a14="http://schemas.microsoft.com/office/drawing/2010/main" w="9525">
+                <a14:hiddenLine xmlns:a14="http://schemas.microsoft.com/office/drawing/2010/main" xmlns="" w="9525">
                   <a:solidFill>
                     <a:srgbClr val="000000"/>
                   </a:solidFill>
@@ -17495,7 +20124,7 @@
             </a:ln>
             <a:extLst>
               <a:ext uri="{91240B29-F687-4f45-9708-019B960494DF}">
-                <a14:hiddenLine xmlns="" xmlns:a14="http://schemas.microsoft.com/office/drawing/2010/main" w="9525">
+                <a14:hiddenLine xmlns:a14="http://schemas.microsoft.com/office/drawing/2010/main" xmlns="" w="9525">
                   <a:solidFill>
                     <a:srgbClr val="000000"/>
                   </a:solidFill>
@@ -17563,7 +20192,7 @@
             </a:ln>
             <a:extLst>
               <a:ext uri="{91240B29-F687-4f45-9708-019B960494DF}">
-                <a14:hiddenLine xmlns="" xmlns:a14="http://schemas.microsoft.com/office/drawing/2010/main" w="9525">
+                <a14:hiddenLine xmlns:a14="http://schemas.microsoft.com/office/drawing/2010/main" xmlns="" w="9525">
                   <a:solidFill>
                     <a:srgbClr val="000000"/>
                   </a:solidFill>
@@ -17653,7 +20282,7 @@
             </a:ln>
             <a:extLst>
               <a:ext uri="{91240B29-F687-4f45-9708-019B960494DF}">
-                <a14:hiddenLine xmlns="" xmlns:a14="http://schemas.microsoft.com/office/drawing/2010/main" w="9525">
+                <a14:hiddenLine xmlns:a14="http://schemas.microsoft.com/office/drawing/2010/main" xmlns="" w="9525">
                   <a:solidFill>
                     <a:srgbClr val="000000"/>
                   </a:solidFill>
@@ -17687,7 +20316,7 @@
             </a:ln>
             <a:extLst>
               <a:ext uri="{91240B29-F687-4f45-9708-019B960494DF}">
-                <a14:hiddenLine xmlns="" xmlns:a14="http://schemas.microsoft.com/office/drawing/2010/main" w="9525">
+                <a14:hiddenLine xmlns:a14="http://schemas.microsoft.com/office/drawing/2010/main" xmlns="" w="9525">
                   <a:solidFill>
                     <a:srgbClr val="000000"/>
                   </a:solidFill>
@@ -17777,7 +20406,7 @@
             </a:ln>
             <a:extLst>
               <a:ext uri="{91240B29-F687-4f45-9708-019B960494DF}">
-                <a14:hiddenLine xmlns="" xmlns:a14="http://schemas.microsoft.com/office/drawing/2010/main" w="9525">
+                <a14:hiddenLine xmlns:a14="http://schemas.microsoft.com/office/drawing/2010/main" xmlns="" w="9525">
                   <a:solidFill>
                     <a:srgbClr val="000000"/>
                   </a:solidFill>
@@ -17839,7 +20468,7 @@
             </a:ln>
             <a:extLst>
               <a:ext uri="{91240B29-F687-4f45-9708-019B960494DF}">
-                <a14:hiddenLine xmlns="" xmlns:a14="http://schemas.microsoft.com/office/drawing/2010/main" w="9525">
+                <a14:hiddenLine xmlns:a14="http://schemas.microsoft.com/office/drawing/2010/main" xmlns="" w="9525">
                   <a:solidFill>
                     <a:srgbClr val="000000"/>
                   </a:solidFill>
@@ -17901,7 +20530,7 @@
             </a:ln>
             <a:extLst>
               <a:ext uri="{91240B29-F687-4f45-9708-019B960494DF}">
-                <a14:hiddenLine xmlns="" xmlns:a14="http://schemas.microsoft.com/office/drawing/2010/main" w="9525">
+                <a14:hiddenLine xmlns:a14="http://schemas.microsoft.com/office/drawing/2010/main" xmlns="" w="9525">
                   <a:solidFill>
                     <a:srgbClr val="000000"/>
                   </a:solidFill>
@@ -17991,7 +20620,7 @@
             </a:ln>
             <a:extLst>
               <a:ext uri="{91240B29-F687-4f45-9708-019B960494DF}">
-                <a14:hiddenLine xmlns="" xmlns:a14="http://schemas.microsoft.com/office/drawing/2010/main" w="9525">
+                <a14:hiddenLine xmlns:a14="http://schemas.microsoft.com/office/drawing/2010/main" xmlns="" w="9525">
                   <a:solidFill>
                     <a:srgbClr val="000000"/>
                   </a:solidFill>
@@ -18059,7 +20688,7 @@
             </a:ln>
             <a:extLst>
               <a:ext uri="{91240B29-F687-4f45-9708-019B960494DF}">
-                <a14:hiddenLine xmlns="" xmlns:a14="http://schemas.microsoft.com/office/drawing/2010/main" w="9525">
+                <a14:hiddenLine xmlns:a14="http://schemas.microsoft.com/office/drawing/2010/main" xmlns="" w="9525">
                   <a:solidFill>
                     <a:srgbClr val="000000"/>
                   </a:solidFill>
@@ -18121,7 +20750,7 @@
             </a:ln>
             <a:extLst>
               <a:ext uri="{91240B29-F687-4f45-9708-019B960494DF}">
-                <a14:hiddenLine xmlns="" xmlns:a14="http://schemas.microsoft.com/office/drawing/2010/main" w="9525">
+                <a14:hiddenLine xmlns:a14="http://schemas.microsoft.com/office/drawing/2010/main" xmlns="" w="9525">
                   <a:solidFill>
                     <a:srgbClr val="000000"/>
                   </a:solidFill>
@@ -18211,7 +20840,7 @@
             </a:ln>
             <a:extLst>
               <a:ext uri="{91240B29-F687-4f45-9708-019B960494DF}">
-                <a14:hiddenLine xmlns="" xmlns:a14="http://schemas.microsoft.com/office/drawing/2010/main" w="9525">
+                <a14:hiddenLine xmlns:a14="http://schemas.microsoft.com/office/drawing/2010/main" xmlns="" w="9525">
                   <a:solidFill>
                     <a:srgbClr val="000000"/>
                   </a:solidFill>
@@ -18273,7 +20902,7 @@
             </a:ln>
             <a:extLst>
               <a:ext uri="{91240B29-F687-4f45-9708-019B960494DF}">
-                <a14:hiddenLine xmlns="" xmlns:a14="http://schemas.microsoft.com/office/drawing/2010/main" w="9525">
+                <a14:hiddenLine xmlns:a14="http://schemas.microsoft.com/office/drawing/2010/main" xmlns="" w="9525">
                   <a:solidFill>
                     <a:srgbClr val="000000"/>
                   </a:solidFill>
@@ -18363,7 +20992,7 @@
             </a:ln>
             <a:extLst>
               <a:ext uri="{91240B29-F687-4f45-9708-019B960494DF}">
-                <a14:hiddenLine xmlns="" xmlns:a14="http://schemas.microsoft.com/office/drawing/2010/main" w="9525">
+                <a14:hiddenLine xmlns:a14="http://schemas.microsoft.com/office/drawing/2010/main" xmlns="" w="9525">
                   <a:solidFill>
                     <a:srgbClr val="000000"/>
                   </a:solidFill>
@@ -18425,7 +21054,7 @@
             </a:ln>
             <a:extLst>
               <a:ext uri="{91240B29-F687-4f45-9708-019B960494DF}">
-                <a14:hiddenLine xmlns="" xmlns:a14="http://schemas.microsoft.com/office/drawing/2010/main" w="9525">
+                <a14:hiddenLine xmlns:a14="http://schemas.microsoft.com/office/drawing/2010/main" xmlns="" w="9525">
                   <a:solidFill>
                     <a:srgbClr val="000000"/>
                   </a:solidFill>
@@ -18515,7 +21144,7 @@
             </a:ln>
             <a:extLst>
               <a:ext uri="{91240B29-F687-4f45-9708-019B960494DF}">
-                <a14:hiddenLine xmlns="" xmlns:a14="http://schemas.microsoft.com/office/drawing/2010/main" w="9525">
+                <a14:hiddenLine xmlns:a14="http://schemas.microsoft.com/office/drawing/2010/main" xmlns="" w="9525">
                   <a:solidFill>
                     <a:srgbClr val="000000"/>
                   </a:solidFill>
@@ -18549,7 +21178,7 @@
             </a:ln>
             <a:extLst>
               <a:ext uri="{91240B29-F687-4f45-9708-019B960494DF}">
-                <a14:hiddenLine xmlns="" xmlns:a14="http://schemas.microsoft.com/office/drawing/2010/main" w="9525">
+                <a14:hiddenLine xmlns:a14="http://schemas.microsoft.com/office/drawing/2010/main" xmlns="" w="9525">
                   <a:solidFill>
                     <a:srgbClr val="000000"/>
                   </a:solidFill>
@@ -18614,7 +21243,7 @@
             </a:ln>
             <a:extLst>
               <a:ext uri="{91240B29-F687-4f45-9708-019B960494DF}">
-                <a14:hiddenLine xmlns="" xmlns:a14="http://schemas.microsoft.com/office/drawing/2010/main" w="9525">
+                <a14:hiddenLine xmlns:a14="http://schemas.microsoft.com/office/drawing/2010/main" xmlns="" w="9525">
                   <a:solidFill>
                     <a:srgbClr val="000000"/>
                   </a:solidFill>
@@ -18704,7 +21333,7 @@
             </a:ln>
             <a:extLst>
               <a:ext uri="{91240B29-F687-4f45-9708-019B960494DF}">
-                <a14:hiddenLine xmlns="" xmlns:a14="http://schemas.microsoft.com/office/drawing/2010/main" w="9525">
+                <a14:hiddenLine xmlns:a14="http://schemas.microsoft.com/office/drawing/2010/main" xmlns="" w="9525">
                   <a:solidFill>
                     <a:srgbClr val="000000"/>
                   </a:solidFill>
@@ -18766,7 +21395,7 @@
             </a:ln>
             <a:extLst>
               <a:ext uri="{91240B29-F687-4f45-9708-019B960494DF}">
-                <a14:hiddenLine xmlns="" xmlns:a14="http://schemas.microsoft.com/office/drawing/2010/main" w="9525">
+                <a14:hiddenLine xmlns:a14="http://schemas.microsoft.com/office/drawing/2010/main" xmlns="" w="9525">
                   <a:solidFill>
                     <a:srgbClr val="000000"/>
                   </a:solidFill>
@@ -18856,7 +21485,7 @@
             </a:ln>
             <a:extLst>
               <a:ext uri="{91240B29-F687-4f45-9708-019B960494DF}">
-                <a14:hiddenLine xmlns="" xmlns:a14="http://schemas.microsoft.com/office/drawing/2010/main" w="9525">
+                <a14:hiddenLine xmlns:a14="http://schemas.microsoft.com/office/drawing/2010/main" xmlns="" w="9525">
                   <a:solidFill>
                     <a:srgbClr val="000000"/>
                   </a:solidFill>
@@ -18946,7 +21575,7 @@
             </a:ln>
             <a:extLst>
               <a:ext uri="{91240B29-F687-4f45-9708-019B960494DF}">
-                <a14:hiddenLine xmlns="" xmlns:a14="http://schemas.microsoft.com/office/drawing/2010/main" w="9525">
+                <a14:hiddenLine xmlns:a14="http://schemas.microsoft.com/office/drawing/2010/main" xmlns="" w="9525">
                   <a:solidFill>
                     <a:srgbClr val="000000"/>
                   </a:solidFill>
@@ -19011,7 +21640,7 @@
             </a:ln>
             <a:extLst>
               <a:ext uri="{91240B29-F687-4f45-9708-019B960494DF}">
-                <a14:hiddenLine xmlns="" xmlns:a14="http://schemas.microsoft.com/office/drawing/2010/main" w="9525">
+                <a14:hiddenLine xmlns:a14="http://schemas.microsoft.com/office/drawing/2010/main" xmlns="" w="9525">
                   <a:solidFill>
                     <a:srgbClr val="000000"/>
                   </a:solidFill>
@@ -19073,7 +21702,7 @@
             </a:ln>
             <a:extLst>
               <a:ext uri="{91240B29-F687-4f45-9708-019B960494DF}">
-                <a14:hiddenLine xmlns="" xmlns:a14="http://schemas.microsoft.com/office/drawing/2010/main" w="9525">
+                <a14:hiddenLine xmlns:a14="http://schemas.microsoft.com/office/drawing/2010/main" xmlns="" w="9525">
                   <a:solidFill>
                     <a:srgbClr val="000000"/>
                   </a:solidFill>
@@ -19163,7 +21792,7 @@
             </a:ln>
             <a:extLst>
               <a:ext uri="{91240B29-F687-4f45-9708-019B960494DF}">
-                <a14:hiddenLine xmlns="" xmlns:a14="http://schemas.microsoft.com/office/drawing/2010/main" w="9525">
+                <a14:hiddenLine xmlns:a14="http://schemas.microsoft.com/office/drawing/2010/main" xmlns="" w="9525">
                   <a:solidFill>
                     <a:srgbClr val="000000"/>
                   </a:solidFill>
@@ -19253,7 +21882,7 @@
             </a:ln>
             <a:extLst>
               <a:ext uri="{91240B29-F687-4f45-9708-019B960494DF}">
-                <a14:hiddenLine xmlns="" xmlns:a14="http://schemas.microsoft.com/office/drawing/2010/main" w="9525">
+                <a14:hiddenLine xmlns:a14="http://schemas.microsoft.com/office/drawing/2010/main" xmlns="" w="9525">
                   <a:solidFill>
                     <a:srgbClr val="000000"/>
                   </a:solidFill>
@@ -19315,7 +21944,7 @@
             </a:ln>
             <a:extLst>
               <a:ext uri="{91240B29-F687-4f45-9708-019B960494DF}">
-                <a14:hiddenLine xmlns="" xmlns:a14="http://schemas.microsoft.com/office/drawing/2010/main" w="9525">
+                <a14:hiddenLine xmlns:a14="http://schemas.microsoft.com/office/drawing/2010/main" xmlns="" w="9525">
                   <a:solidFill>
                     <a:srgbClr val="000000"/>
                   </a:solidFill>
@@ -19435,7 +22064,7 @@
             </a:ln>
             <a:extLst>
               <a:ext uri="{91240B29-F687-4f45-9708-019B960494DF}">
-                <a14:hiddenLine xmlns="" xmlns:a14="http://schemas.microsoft.com/office/drawing/2010/main" w="9525">
+                <a14:hiddenLine xmlns:a14="http://schemas.microsoft.com/office/drawing/2010/main" xmlns="" w="9525">
                   <a:solidFill>
                     <a:srgbClr val="000000"/>
                   </a:solidFill>
@@ -19503,7 +22132,7 @@
             </a:ln>
             <a:extLst>
               <a:ext uri="{91240B29-F687-4f45-9708-019B960494DF}">
-                <a14:hiddenLine xmlns="" xmlns:a14="http://schemas.microsoft.com/office/drawing/2010/main" w="9525">
+                <a14:hiddenLine xmlns:a14="http://schemas.microsoft.com/office/drawing/2010/main" xmlns="" w="9525">
                   <a:solidFill>
                     <a:srgbClr val="000000"/>
                   </a:solidFill>
@@ -19593,7 +22222,7 @@
             </a:ln>
             <a:extLst>
               <a:ext uri="{91240B29-F687-4f45-9708-019B960494DF}">
-                <a14:hiddenLine xmlns="" xmlns:a14="http://schemas.microsoft.com/office/drawing/2010/main" w="9525">
+                <a14:hiddenLine xmlns:a14="http://schemas.microsoft.com/office/drawing/2010/main" xmlns="" w="9525">
                   <a:solidFill>
                     <a:srgbClr val="000000"/>
                   </a:solidFill>
@@ -19733,7 +22362,7 @@
           <a:p>
             <a:fld id="{B161ED54-F92D-43DD-9F3A-305F709C4501}" type="datetimeFigureOut">
               <a:rPr lang="fr-CH" smtClean="0"/>
-              <a:t>05.06.2014</a:t>
+              <a:t>19.06.2014</a:t>
             </a:fld>
             <a:endParaRPr lang="fr-CH"/>
           </a:p>
@@ -20000,7 +22629,7 @@
           <a:p>
             <a:fld id="{B161ED54-F92D-43DD-9F3A-305F709C4501}" type="datetimeFigureOut">
               <a:rPr lang="fr-CH" smtClean="0"/>
-              <a:t>05.06.2014</a:t>
+              <a:t>19.06.2014</a:t>
             </a:fld>
             <a:endParaRPr lang="fr-CH"/>
           </a:p>
@@ -20196,7 +22825,7 @@
           <a:p>
             <a:fld id="{B161ED54-F92D-43DD-9F3A-305F709C4501}" type="datetimeFigureOut">
               <a:rPr lang="fr-CH" smtClean="0"/>
-              <a:t>05.06.2014</a:t>
+              <a:t>19.06.2014</a:t>
             </a:fld>
             <a:endParaRPr lang="fr-CH"/>
           </a:p>
@@ -20459,7 +23088,7 @@
           <a:p>
             <a:fld id="{B161ED54-F92D-43DD-9F3A-305F709C4501}" type="datetimeFigureOut">
               <a:rPr lang="fr-CH" smtClean="0"/>
-              <a:t>05.06.2014</a:t>
+              <a:t>19.06.2014</a:t>
             </a:fld>
             <a:endParaRPr lang="fr-CH"/>
           </a:p>
@@ -20893,7 +23522,7 @@
           <a:p>
             <a:fld id="{B161ED54-F92D-43DD-9F3A-305F709C4501}" type="datetimeFigureOut">
               <a:rPr lang="fr-CH" smtClean="0"/>
-              <a:t>05.06.2014</a:t>
+              <a:t>19.06.2014</a:t>
             </a:fld>
             <a:endParaRPr lang="fr-CH"/>
           </a:p>
@@ -21439,7 +24068,7 @@
           <a:p>
             <a:fld id="{B161ED54-F92D-43DD-9F3A-305F709C4501}" type="datetimeFigureOut">
               <a:rPr lang="fr-CH" smtClean="0"/>
-              <a:t>05.06.2014</a:t>
+              <a:t>19.06.2014</a:t>
             </a:fld>
             <a:endParaRPr lang="fr-CH"/>
           </a:p>
@@ -22159,7 +24788,7 @@
           <a:p>
             <a:fld id="{B161ED54-F92D-43DD-9F3A-305F709C4501}" type="datetimeFigureOut">
               <a:rPr lang="fr-CH" smtClean="0"/>
-              <a:t>05.06.2014</a:t>
+              <a:t>19.06.2014</a:t>
             </a:fld>
             <a:endParaRPr lang="fr-CH"/>
           </a:p>
@@ -22329,7 +24958,7 @@
           <a:p>
             <a:fld id="{B161ED54-F92D-43DD-9F3A-305F709C4501}" type="datetimeFigureOut">
               <a:rPr lang="fr-CH" smtClean="0"/>
-              <a:t>05.06.2014</a:t>
+              <a:t>19.06.2014</a:t>
             </a:fld>
             <a:endParaRPr lang="fr-CH"/>
           </a:p>
@@ -22509,7 +25138,7 @@
           <a:p>
             <a:fld id="{B161ED54-F92D-43DD-9F3A-305F709C4501}" type="datetimeFigureOut">
               <a:rPr lang="fr-CH" smtClean="0"/>
-              <a:t>05.06.2014</a:t>
+              <a:t>19.06.2014</a:t>
             </a:fld>
             <a:endParaRPr lang="fr-CH"/>
           </a:p>
@@ -22679,7 +25308,7 @@
           <a:p>
             <a:fld id="{B161ED54-F92D-43DD-9F3A-305F709C4501}" type="datetimeFigureOut">
               <a:rPr lang="fr-CH" smtClean="0"/>
-              <a:t>05.06.2014</a:t>
+              <a:t>19.06.2014</a:t>
             </a:fld>
             <a:endParaRPr lang="fr-CH"/>
           </a:p>
@@ -22929,7 +25558,7 @@
           <a:p>
             <a:fld id="{B161ED54-F92D-43DD-9F3A-305F709C4501}" type="datetimeFigureOut">
               <a:rPr lang="fr-CH" smtClean="0"/>
-              <a:t>05.06.2014</a:t>
+              <a:t>19.06.2014</a:t>
             </a:fld>
             <a:endParaRPr lang="fr-CH"/>
           </a:p>
@@ -23161,7 +25790,7 @@
           <a:p>
             <a:fld id="{B161ED54-F92D-43DD-9F3A-305F709C4501}" type="datetimeFigureOut">
               <a:rPr lang="fr-CH" smtClean="0"/>
-              <a:t>05.06.2014</a:t>
+              <a:t>19.06.2014</a:t>
             </a:fld>
             <a:endParaRPr lang="fr-CH"/>
           </a:p>
@@ -23542,7 +26171,7 @@
           <a:p>
             <a:fld id="{B161ED54-F92D-43DD-9F3A-305F709C4501}" type="datetimeFigureOut">
               <a:rPr lang="fr-CH" smtClean="0"/>
-              <a:t>05.06.2014</a:t>
+              <a:t>19.06.2014</a:t>
             </a:fld>
             <a:endParaRPr lang="fr-CH"/>
           </a:p>
@@ -23660,7 +26289,7 @@
           <a:p>
             <a:fld id="{B161ED54-F92D-43DD-9F3A-305F709C4501}" type="datetimeFigureOut">
               <a:rPr lang="fr-CH" smtClean="0"/>
-              <a:t>05.06.2014</a:t>
+              <a:t>19.06.2014</a:t>
             </a:fld>
             <a:endParaRPr lang="fr-CH"/>
           </a:p>
@@ -23755,7 +26384,7 @@
           <a:p>
             <a:fld id="{B161ED54-F92D-43DD-9F3A-305F709C4501}" type="datetimeFigureOut">
               <a:rPr lang="fr-CH" smtClean="0"/>
-              <a:t>05.06.2014</a:t>
+              <a:t>19.06.2014</a:t>
             </a:fld>
             <a:endParaRPr lang="fr-CH"/>
           </a:p>
@@ -24004,7 +26633,7 @@
           <a:p>
             <a:fld id="{B161ED54-F92D-43DD-9F3A-305F709C4501}" type="datetimeFigureOut">
               <a:rPr lang="fr-CH" smtClean="0"/>
-              <a:t>05.06.2014</a:t>
+              <a:t>19.06.2014</a:t>
             </a:fld>
             <a:endParaRPr lang="fr-CH"/>
           </a:p>
@@ -24284,7 +26913,7 @@
           <a:p>
             <a:fld id="{B161ED54-F92D-43DD-9F3A-305F709C4501}" type="datetimeFigureOut">
               <a:rPr lang="fr-CH" smtClean="0"/>
-              <a:t>05.06.2014</a:t>
+              <a:t>19.06.2014</a:t>
             </a:fld>
             <a:endParaRPr lang="fr-CH"/>
           </a:p>
@@ -24407,7 +27036,7 @@
           <a:noFill/>
           <a:extLst>
             <a:ext uri="{909E8E84-426E-40dd-AFC4-6F175D3DCCD1}">
-              <a14:hiddenFill xmlns="" xmlns:a14="http://schemas.microsoft.com/office/drawing/2010/main">
+              <a14:hiddenFill xmlns:a14="http://schemas.microsoft.com/office/drawing/2010/main" xmlns="">
                 <a:solidFill>
                   <a:srgbClr val="FFFFFF"/>
                 </a:solidFill>
@@ -24481,7 +27110,7 @@
               </a:ln>
               <a:extLst>
                 <a:ext uri="{91240B29-F687-4f45-9708-019B960494DF}">
-                  <a14:hiddenLine xmlns="" xmlns:a14="http://schemas.microsoft.com/office/drawing/2010/main" w="9525">
+                  <a14:hiddenLine xmlns:a14="http://schemas.microsoft.com/office/drawing/2010/main" xmlns="" w="9525">
                     <a:solidFill>
                       <a:srgbClr val="000000"/>
                     </a:solidFill>
@@ -24571,7 +27200,7 @@
               </a:ln>
               <a:extLst>
                 <a:ext uri="{91240B29-F687-4f45-9708-019B960494DF}">
-                  <a14:hiddenLine xmlns="" xmlns:a14="http://schemas.microsoft.com/office/drawing/2010/main" w="9525">
+                  <a14:hiddenLine xmlns:a14="http://schemas.microsoft.com/office/drawing/2010/main" xmlns="" w="9525">
                     <a:solidFill>
                       <a:srgbClr val="000000"/>
                     </a:solidFill>
@@ -24661,7 +27290,7 @@
               </a:ln>
               <a:extLst>
                 <a:ext uri="{91240B29-F687-4f45-9708-019B960494DF}">
-                  <a14:hiddenLine xmlns="" xmlns:a14="http://schemas.microsoft.com/office/drawing/2010/main" w="9525">
+                  <a14:hiddenLine xmlns:a14="http://schemas.microsoft.com/office/drawing/2010/main" xmlns="" w="9525">
                     <a:solidFill>
                       <a:srgbClr val="000000"/>
                     </a:solidFill>
@@ -24723,7 +27352,7 @@
               </a:ln>
               <a:extLst>
                 <a:ext uri="{91240B29-F687-4f45-9708-019B960494DF}">
-                  <a14:hiddenLine xmlns="" xmlns:a14="http://schemas.microsoft.com/office/drawing/2010/main" w="9525">
+                  <a14:hiddenLine xmlns:a14="http://schemas.microsoft.com/office/drawing/2010/main" xmlns="" w="9525">
                     <a:solidFill>
                       <a:srgbClr val="000000"/>
                     </a:solidFill>
@@ -24813,7 +27442,7 @@
               </a:ln>
               <a:extLst>
                 <a:ext uri="{91240B29-F687-4f45-9708-019B960494DF}">
-                  <a14:hiddenLine xmlns="" xmlns:a14="http://schemas.microsoft.com/office/drawing/2010/main" w="9525">
+                  <a14:hiddenLine xmlns:a14="http://schemas.microsoft.com/office/drawing/2010/main" xmlns="" w="9525">
                     <a:solidFill>
                       <a:srgbClr val="000000"/>
                     </a:solidFill>
@@ -24875,7 +27504,7 @@
               </a:ln>
               <a:extLst>
                 <a:ext uri="{91240B29-F687-4f45-9708-019B960494DF}">
-                  <a14:hiddenLine xmlns="" xmlns:a14="http://schemas.microsoft.com/office/drawing/2010/main" w="9525">
+                  <a14:hiddenLine xmlns:a14="http://schemas.microsoft.com/office/drawing/2010/main" xmlns="" w="9525">
                     <a:solidFill>
                       <a:srgbClr val="000000"/>
                     </a:solidFill>
@@ -24937,7 +27566,7 @@
               </a:ln>
               <a:extLst>
                 <a:ext uri="{91240B29-F687-4f45-9708-019B960494DF}">
-                  <a14:hiddenLine xmlns="" xmlns:a14="http://schemas.microsoft.com/office/drawing/2010/main" w="9525">
+                  <a14:hiddenLine xmlns:a14="http://schemas.microsoft.com/office/drawing/2010/main" xmlns="" w="9525">
                     <a:solidFill>
                       <a:srgbClr val="000000"/>
                     </a:solidFill>
@@ -25027,7 +27656,7 @@
               </a:ln>
               <a:extLst>
                 <a:ext uri="{91240B29-F687-4f45-9708-019B960494DF}">
-                  <a14:hiddenLine xmlns="" xmlns:a14="http://schemas.microsoft.com/office/drawing/2010/main" w="9525">
+                  <a14:hiddenLine xmlns:a14="http://schemas.microsoft.com/office/drawing/2010/main" xmlns="" w="9525">
                     <a:solidFill>
                       <a:srgbClr val="000000"/>
                     </a:solidFill>
@@ -25117,7 +27746,7 @@
               </a:ln>
               <a:extLst>
                 <a:ext uri="{91240B29-F687-4f45-9708-019B960494DF}">
-                  <a14:hiddenLine xmlns="" xmlns:a14="http://schemas.microsoft.com/office/drawing/2010/main" w="9525">
+                  <a14:hiddenLine xmlns:a14="http://schemas.microsoft.com/office/drawing/2010/main" xmlns="" w="9525">
                     <a:solidFill>
                       <a:srgbClr val="000000"/>
                     </a:solidFill>
@@ -25179,7 +27808,7 @@
               </a:ln>
               <a:extLst>
                 <a:ext uri="{91240B29-F687-4f45-9708-019B960494DF}">
-                  <a14:hiddenLine xmlns="" xmlns:a14="http://schemas.microsoft.com/office/drawing/2010/main" w="9525">
+                  <a14:hiddenLine xmlns:a14="http://schemas.microsoft.com/office/drawing/2010/main" xmlns="" w="9525">
                     <a:solidFill>
                       <a:srgbClr val="000000"/>
                     </a:solidFill>
@@ -25289,7 +27918,7 @@
               </a:ln>
               <a:extLst>
                 <a:ext uri="{91240B29-F687-4f45-9708-019B960494DF}">
-                  <a14:hiddenLine xmlns="" xmlns:a14="http://schemas.microsoft.com/office/drawing/2010/main" w="9525">
+                  <a14:hiddenLine xmlns:a14="http://schemas.microsoft.com/office/drawing/2010/main" xmlns="" w="9525">
                     <a:solidFill>
                       <a:srgbClr val="000000"/>
                     </a:solidFill>
@@ -25373,7 +28002,7 @@
               </a:ln>
               <a:extLst>
                 <a:ext uri="{91240B29-F687-4f45-9708-019B960494DF}">
-                  <a14:hiddenLine xmlns="" xmlns:a14="http://schemas.microsoft.com/office/drawing/2010/main" w="9525">
+                  <a14:hiddenLine xmlns:a14="http://schemas.microsoft.com/office/drawing/2010/main" xmlns="" w="9525">
                     <a:solidFill>
                       <a:srgbClr val="000000"/>
                     </a:solidFill>
@@ -25435,7 +28064,7 @@
               </a:ln>
               <a:extLst>
                 <a:ext uri="{91240B29-F687-4f45-9708-019B960494DF}">
-                  <a14:hiddenLine xmlns="" xmlns:a14="http://schemas.microsoft.com/office/drawing/2010/main" w="9525">
+                  <a14:hiddenLine xmlns:a14="http://schemas.microsoft.com/office/drawing/2010/main" xmlns="" w="9525">
                     <a:solidFill>
                       <a:srgbClr val="000000"/>
                     </a:solidFill>
@@ -25497,7 +28126,7 @@
               </a:ln>
               <a:extLst>
                 <a:ext uri="{91240B29-F687-4f45-9708-019B960494DF}">
-                  <a14:hiddenLine xmlns="" xmlns:a14="http://schemas.microsoft.com/office/drawing/2010/main" w="9525">
+                  <a14:hiddenLine xmlns:a14="http://schemas.microsoft.com/office/drawing/2010/main" xmlns="" w="9525">
                     <a:solidFill>
                       <a:srgbClr val="000000"/>
                     </a:solidFill>
@@ -25587,7 +28216,7 @@
               </a:ln>
               <a:extLst>
                 <a:ext uri="{91240B29-F687-4f45-9708-019B960494DF}">
-                  <a14:hiddenLine xmlns="" xmlns:a14="http://schemas.microsoft.com/office/drawing/2010/main" w="9525">
+                  <a14:hiddenLine xmlns:a14="http://schemas.microsoft.com/office/drawing/2010/main" xmlns="" w="9525">
                     <a:solidFill>
                       <a:srgbClr val="000000"/>
                     </a:solidFill>
@@ -25621,7 +28250,7 @@
               </a:ln>
               <a:extLst>
                 <a:ext uri="{91240B29-F687-4f45-9708-019B960494DF}">
-                  <a14:hiddenLine xmlns="" xmlns:a14="http://schemas.microsoft.com/office/drawing/2010/main" w="9525">
+                  <a14:hiddenLine xmlns:a14="http://schemas.microsoft.com/office/drawing/2010/main" xmlns="" w="9525">
                     <a:solidFill>
                       <a:srgbClr val="000000"/>
                     </a:solidFill>
@@ -25686,7 +28315,7 @@
               </a:ln>
               <a:extLst>
                 <a:ext uri="{91240B29-F687-4f45-9708-019B960494DF}">
-                  <a14:hiddenLine xmlns="" xmlns:a14="http://schemas.microsoft.com/office/drawing/2010/main" w="9525">
+                  <a14:hiddenLine xmlns:a14="http://schemas.microsoft.com/office/drawing/2010/main" xmlns="" w="9525">
                     <a:solidFill>
                       <a:srgbClr val="000000"/>
                     </a:solidFill>
@@ -25776,7 +28405,7 @@
               </a:ln>
               <a:extLst>
                 <a:ext uri="{91240B29-F687-4f45-9708-019B960494DF}">
-                  <a14:hiddenLine xmlns="" xmlns:a14="http://schemas.microsoft.com/office/drawing/2010/main" w="9525">
+                  <a14:hiddenLine xmlns:a14="http://schemas.microsoft.com/office/drawing/2010/main" xmlns="" w="9525">
                     <a:solidFill>
                       <a:srgbClr val="000000"/>
                     </a:solidFill>
@@ -25838,7 +28467,7 @@
               </a:ln>
               <a:extLst>
                 <a:ext uri="{91240B29-F687-4f45-9708-019B960494DF}">
-                  <a14:hiddenLine xmlns="" xmlns:a14="http://schemas.microsoft.com/office/drawing/2010/main" w="9525">
+                  <a14:hiddenLine xmlns:a14="http://schemas.microsoft.com/office/drawing/2010/main" xmlns="" w="9525">
                     <a:solidFill>
                       <a:srgbClr val="000000"/>
                     </a:solidFill>
@@ -25928,7 +28557,7 @@
               </a:ln>
               <a:extLst>
                 <a:ext uri="{91240B29-F687-4f45-9708-019B960494DF}">
-                  <a14:hiddenLine xmlns="" xmlns:a14="http://schemas.microsoft.com/office/drawing/2010/main" w="9525">
+                  <a14:hiddenLine xmlns:a14="http://schemas.microsoft.com/office/drawing/2010/main" xmlns="" w="9525">
                     <a:solidFill>
                       <a:srgbClr val="000000"/>
                     </a:solidFill>
@@ -25993,7 +28622,7 @@
               </a:ln>
               <a:extLst>
                 <a:ext uri="{91240B29-F687-4f45-9708-019B960494DF}">
-                  <a14:hiddenLine xmlns="" xmlns:a14="http://schemas.microsoft.com/office/drawing/2010/main" w="9525">
+                  <a14:hiddenLine xmlns:a14="http://schemas.microsoft.com/office/drawing/2010/main" xmlns="" w="9525">
                     <a:solidFill>
                       <a:srgbClr val="000000"/>
                     </a:solidFill>
@@ -26055,7 +28684,7 @@
               </a:ln>
               <a:extLst>
                 <a:ext uri="{91240B29-F687-4f45-9708-019B960494DF}">
-                  <a14:hiddenLine xmlns="" xmlns:a14="http://schemas.microsoft.com/office/drawing/2010/main" w="9525">
+                  <a14:hiddenLine xmlns:a14="http://schemas.microsoft.com/office/drawing/2010/main" xmlns="" w="9525">
                     <a:solidFill>
                       <a:srgbClr val="000000"/>
                     </a:solidFill>
@@ -26145,7 +28774,7 @@
               </a:ln>
               <a:extLst>
                 <a:ext uri="{91240B29-F687-4f45-9708-019B960494DF}">
-                  <a14:hiddenLine xmlns="" xmlns:a14="http://schemas.microsoft.com/office/drawing/2010/main" w="9525">
+                  <a14:hiddenLine xmlns:a14="http://schemas.microsoft.com/office/drawing/2010/main" xmlns="" w="9525">
                     <a:solidFill>
                       <a:srgbClr val="000000"/>
                     </a:solidFill>
@@ -26235,7 +28864,7 @@
               </a:ln>
               <a:extLst>
                 <a:ext uri="{91240B29-F687-4f45-9708-019B960494DF}">
-                  <a14:hiddenLine xmlns="" xmlns:a14="http://schemas.microsoft.com/office/drawing/2010/main" w="9525">
+                  <a14:hiddenLine xmlns:a14="http://schemas.microsoft.com/office/drawing/2010/main" xmlns="" w="9525">
                     <a:solidFill>
                       <a:srgbClr val="000000"/>
                     </a:solidFill>
@@ -26300,7 +28929,7 @@
               </a:ln>
               <a:extLst>
                 <a:ext uri="{91240B29-F687-4f45-9708-019B960494DF}">
-                  <a14:hiddenLine xmlns="" xmlns:a14="http://schemas.microsoft.com/office/drawing/2010/main" w="9525">
+                  <a14:hiddenLine xmlns:a14="http://schemas.microsoft.com/office/drawing/2010/main" xmlns="" w="9525">
                     <a:solidFill>
                       <a:srgbClr val="000000"/>
                     </a:solidFill>
@@ -26420,7 +29049,7 @@
               </a:ln>
               <a:extLst>
                 <a:ext uri="{91240B29-F687-4f45-9708-019B960494DF}">
-                  <a14:hiddenLine xmlns="" xmlns:a14="http://schemas.microsoft.com/office/drawing/2010/main" w="9525">
+                  <a14:hiddenLine xmlns:a14="http://schemas.microsoft.com/office/drawing/2010/main" xmlns="" w="9525">
                     <a:solidFill>
                       <a:srgbClr val="000000"/>
                     </a:solidFill>
@@ -26501,7 +29130,7 @@
               </a:ln>
               <a:extLst>
                 <a:ext uri="{91240B29-F687-4f45-9708-019B960494DF}">
-                  <a14:hiddenLine xmlns="" xmlns:a14="http://schemas.microsoft.com/office/drawing/2010/main" w="9525">
+                  <a14:hiddenLine xmlns:a14="http://schemas.microsoft.com/office/drawing/2010/main" xmlns="" w="9525">
                     <a:solidFill>
                       <a:srgbClr val="000000"/>
                     </a:solidFill>
@@ -26616,7 +29245,7 @@
               </a:ln>
               <a:extLst>
                 <a:ext uri="{91240B29-F687-4f45-9708-019B960494DF}">
-                  <a14:hiddenLine xmlns="" xmlns:a14="http://schemas.microsoft.com/office/drawing/2010/main" w="9525">
+                  <a14:hiddenLine xmlns:a14="http://schemas.microsoft.com/office/drawing/2010/main" xmlns="" w="9525">
                     <a:solidFill>
                       <a:srgbClr val="000000"/>
                     </a:solidFill>
@@ -26706,7 +29335,7 @@
               </a:ln>
               <a:extLst>
                 <a:ext uri="{91240B29-F687-4f45-9708-019B960494DF}">
-                  <a14:hiddenLine xmlns="" xmlns:a14="http://schemas.microsoft.com/office/drawing/2010/main" w="9525">
+                  <a14:hiddenLine xmlns:a14="http://schemas.microsoft.com/office/drawing/2010/main" xmlns="" w="9525">
                     <a:solidFill>
                       <a:srgbClr val="000000"/>
                     </a:solidFill>
@@ -26771,7 +29400,7 @@
               </a:ln>
               <a:extLst>
                 <a:ext uri="{91240B29-F687-4f45-9708-019B960494DF}">
-                  <a14:hiddenLine xmlns="" xmlns:a14="http://schemas.microsoft.com/office/drawing/2010/main" w="9525">
+                  <a14:hiddenLine xmlns:a14="http://schemas.microsoft.com/office/drawing/2010/main" xmlns="" w="9525">
                     <a:solidFill>
                       <a:srgbClr val="000000"/>
                     </a:solidFill>
@@ -26861,7 +29490,7 @@
               </a:ln>
               <a:extLst>
                 <a:ext uri="{91240B29-F687-4f45-9708-019B960494DF}">
-                  <a14:hiddenLine xmlns="" xmlns:a14="http://schemas.microsoft.com/office/drawing/2010/main" w="9525">
+                  <a14:hiddenLine xmlns:a14="http://schemas.microsoft.com/office/drawing/2010/main" xmlns="" w="9525">
                     <a:solidFill>
                       <a:srgbClr val="000000"/>
                     </a:solidFill>
@@ -26929,7 +29558,7 @@
               </a:ln>
               <a:extLst>
                 <a:ext uri="{91240B29-F687-4f45-9708-019B960494DF}">
-                  <a14:hiddenLine xmlns="" xmlns:a14="http://schemas.microsoft.com/office/drawing/2010/main" w="9525">
+                  <a14:hiddenLine xmlns:a14="http://schemas.microsoft.com/office/drawing/2010/main" xmlns="" w="9525">
                     <a:solidFill>
                       <a:srgbClr val="000000"/>
                     </a:solidFill>
@@ -27019,7 +29648,7 @@
               </a:ln>
               <a:extLst>
                 <a:ext uri="{91240B29-F687-4f45-9708-019B960494DF}">
-                  <a14:hiddenLine xmlns="" xmlns:a14="http://schemas.microsoft.com/office/drawing/2010/main" w="9525">
+                  <a14:hiddenLine xmlns:a14="http://schemas.microsoft.com/office/drawing/2010/main" xmlns="" w="9525">
                     <a:solidFill>
                       <a:srgbClr val="000000"/>
                     </a:solidFill>
@@ -27087,7 +29716,7 @@
               </a:ln>
               <a:extLst>
                 <a:ext uri="{91240B29-F687-4f45-9708-019B960494DF}">
-                  <a14:hiddenLine xmlns="" xmlns:a14="http://schemas.microsoft.com/office/drawing/2010/main" w="9525">
+                  <a14:hiddenLine xmlns:a14="http://schemas.microsoft.com/office/drawing/2010/main" xmlns="" w="9525">
                     <a:solidFill>
                       <a:srgbClr val="000000"/>
                     </a:solidFill>
@@ -27177,7 +29806,7 @@
               </a:ln>
               <a:extLst>
                 <a:ext uri="{91240B29-F687-4f45-9708-019B960494DF}">
-                  <a14:hiddenLine xmlns="" xmlns:a14="http://schemas.microsoft.com/office/drawing/2010/main" w="9525">
+                  <a14:hiddenLine xmlns:a14="http://schemas.microsoft.com/office/drawing/2010/main" xmlns="" w="9525">
                     <a:solidFill>
                       <a:srgbClr val="000000"/>
                     </a:solidFill>
@@ -27211,7 +29840,7 @@
               </a:ln>
               <a:extLst>
                 <a:ext uri="{91240B29-F687-4f45-9708-019B960494DF}">
-                  <a14:hiddenLine xmlns="" xmlns:a14="http://schemas.microsoft.com/office/drawing/2010/main" w="9525">
+                  <a14:hiddenLine xmlns:a14="http://schemas.microsoft.com/office/drawing/2010/main" xmlns="" w="9525">
                     <a:solidFill>
                       <a:srgbClr val="000000"/>
                     </a:solidFill>
@@ -27351,7 +29980,7 @@
           <a:p>
             <a:fld id="{B161ED54-F92D-43DD-9F3A-305F709C4501}" type="datetimeFigureOut">
               <a:rPr lang="fr-CH" smtClean="0"/>
-              <a:t>05.06.2014</a:t>
+              <a:t>19.06.2014</a:t>
             </a:fld>
             <a:endParaRPr lang="fr-CH"/>
           </a:p>
@@ -27980,28 +30609,6 @@
           </a:p>
         </p:txBody>
       </p:sp>
-      <p:sp>
-        <p:nvSpPr>
-          <p:cNvPr id="3" name="Espace réservé du contenu 2"/>
-          <p:cNvSpPr>
-            <a:spLocks noGrp="1"/>
-          </p:cNvSpPr>
-          <p:nvPr>
-            <p:ph idx="1"/>
-          </p:nvPr>
-        </p:nvSpPr>
-        <p:spPr/>
-        <p:txBody>
-          <a:bodyPr/>
-          <a:lstStyle/>
-          <a:p>
-            <a:pPr marL="0" indent="0">
-              <a:buNone/>
-            </a:pPr>
-            <a:endParaRPr lang="fr-CH" dirty="0"/>
-          </a:p>
-        </p:txBody>
-      </p:sp>
     </p:spTree>
     <p:extLst>
       <p:ext uri="{BB962C8B-B14F-4D97-AF65-F5344CB8AC3E}">
@@ -28058,25 +30665,6 @@
               <a:rPr lang="fr-CH" dirty="0" smtClean="0"/>
               <a:t>Démonstration – par mes soins</a:t>
             </a:r>
-            <a:endParaRPr lang="fr-CH" dirty="0"/>
-          </a:p>
-        </p:txBody>
-      </p:sp>
-      <p:sp>
-        <p:nvSpPr>
-          <p:cNvPr id="3" name="Espace réservé du contenu 2"/>
-          <p:cNvSpPr>
-            <a:spLocks noGrp="1"/>
-          </p:cNvSpPr>
-          <p:nvPr>
-            <p:ph idx="1"/>
-          </p:nvPr>
-        </p:nvSpPr>
-        <p:spPr/>
-        <p:txBody>
-          <a:bodyPr/>
-          <a:lstStyle/>
-          <a:p>
             <a:endParaRPr lang="fr-CH" dirty="0"/>
           </a:p>
         </p:txBody>
@@ -28226,25 +30814,31 @@
           </a:p>
         </p:txBody>
       </p:sp>
-      <p:sp>
-        <p:nvSpPr>
-          <p:cNvPr id="3" name="Espace réservé du contenu 2"/>
-          <p:cNvSpPr>
-            <a:spLocks noGrp="1"/>
-          </p:cNvSpPr>
+      <p:graphicFrame>
+        <p:nvGraphicFramePr>
+          <p:cNvPr id="4" name="Espace réservé du contenu 3"/>
+          <p:cNvGraphicFramePr>
+            <a:graphicFrameLocks noGrp="1"/>
+          </p:cNvGraphicFramePr>
           <p:nvPr>
             <p:ph idx="1"/>
+            <p:extLst>
+              <p:ext uri="{D42A27DB-BD31-4B8C-83A1-F6EECF244321}">
+                <p14:modId xmlns:p14="http://schemas.microsoft.com/office/powerpoint/2010/main" val="221980377"/>
+              </p:ext>
+            </p:extLst>
           </p:nvPr>
-        </p:nvSpPr>
-        <p:spPr/>
-        <p:txBody>
-          <a:bodyPr/>
-          <a:lstStyle/>
-          <a:p>
-            <a:endParaRPr lang="fr-CH"/>
-          </a:p>
-        </p:txBody>
-      </p:sp>
+        </p:nvGraphicFramePr>
+        <p:xfrm>
+          <a:off x="1141412" y="2249487"/>
+          <a:ext cx="9905999" cy="3541714"/>
+        </p:xfrm>
+        <a:graphic>
+          <a:graphicData uri="http://schemas.openxmlformats.org/drawingml/2006/diagram">
+            <dgm:relIds xmlns:dgm="http://schemas.openxmlformats.org/drawingml/2006/diagram" xmlns:r="http://schemas.openxmlformats.org/officeDocument/2006/relationships" r:dm="rId2" r:lo="rId3" r:qs="rId4" r:cs="rId5"/>
+          </a:graphicData>
+        </a:graphic>
+      </p:graphicFrame>
     </p:spTree>
     <p:extLst>
       <p:ext uri="{BB962C8B-B14F-4D97-AF65-F5344CB8AC3E}">
@@ -28320,7 +30914,7 @@
           <a:bodyPr/>
           <a:lstStyle/>
           <a:p>
-            <a:endParaRPr lang="fr-CH"/>
+            <a:endParaRPr lang="fr-CH" dirty="0"/>
           </a:p>
         </p:txBody>
       </p:sp>
@@ -28856,7 +31450,7 @@
             <p:ph idx="1"/>
             <p:extLst>
               <p:ext uri="{D42A27DB-BD31-4B8C-83A1-F6EECF244321}">
-                <p14:modId xmlns:p14="http://schemas.microsoft.com/office/powerpoint/2010/main" val="2590948020"/>
+                <p14:modId xmlns:p14="http://schemas.microsoft.com/office/powerpoint/2010/main" val="2601792396"/>
               </p:ext>
             </p:extLst>
           </p:nvPr>
